--- a/Homework/math/2022202763/FinalExam_slides_2022202763.pptx
+++ b/Homework/math/2022202763/FinalExam_slides_2022202763.pptx
@@ -10,10 +10,10 @@
   <p:sldIdLst>
     <p:sldId id="257" r:id="rId2"/>
     <p:sldId id="267" r:id="rId3"/>
-    <p:sldId id="270" r:id="rId4"/>
-    <p:sldId id="271" r:id="rId5"/>
-    <p:sldId id="269" r:id="rId6"/>
-    <p:sldId id="272" r:id="rId7"/>
+    <p:sldId id="271" r:id="rId4"/>
+    <p:sldId id="277" r:id="rId5"/>
+    <p:sldId id="274" r:id="rId6"/>
+    <p:sldId id="270" r:id="rId7"/>
   </p:sldIdLst>
   <p:sldSz cx="12192000" cy="6858000"/>
   <p:notesSz cx="6858000" cy="9144000"/>
@@ -202,7 +202,7 @@
           <a:p>
             <a:fld id="{6CE42295-681B-4E26-BA69-480DDBEC640F}" type="datetimeFigureOut">
               <a:rPr lang="zh-CN" altLang="en-US" smtClean="0"/>
-              <a:t>2025/6/4</a:t>
+              <a:t>2025/6/10</a:t>
             </a:fld>
             <a:endParaRPr lang="zh-CN" altLang="en-US"/>
           </a:p>
@@ -594,7 +594,7 @@
           <a:p>
             <a:fld id="{F35C29DF-03A5-407C-9729-76C1FF9FB44C}" type="datetime1">
               <a:rPr lang="zh-CN" altLang="en-US" smtClean="0"/>
-              <a:t>2025/6/4</a:t>
+              <a:t>2025/6/10</a:t>
             </a:fld>
             <a:endParaRPr lang="zh-CN" altLang="en-US"/>
           </a:p>
@@ -757,7 +757,7 @@
           <a:p>
             <a:fld id="{91B6311F-8AAE-423F-B986-76E70EBF0A82}" type="datetime1">
               <a:rPr lang="zh-CN" altLang="en-US" smtClean="0"/>
-              <a:t>2025/6/4</a:t>
+              <a:t>2025/6/10</a:t>
             </a:fld>
             <a:endParaRPr lang="zh-CN" altLang="en-US"/>
           </a:p>
@@ -930,7 +930,7 @@
           <a:p>
             <a:fld id="{C037BDAC-71EC-461C-AB13-7C14324DF739}" type="datetime1">
               <a:rPr lang="zh-CN" altLang="en-US" smtClean="0"/>
-              <a:t>2025/6/4</a:t>
+              <a:t>2025/6/10</a:t>
             </a:fld>
             <a:endParaRPr lang="zh-CN" altLang="en-US"/>
           </a:p>
@@ -1020,7 +1020,7 @@
           <a:p>
             <a:fld id="{EF20ECAD-0472-4133-8A9D-4B2F6237AC58}" type="datetime1">
               <a:rPr lang="zh-CN" altLang="en-US" smtClean="0"/>
-              <a:t>2025/6/4</a:t>
+              <a:t>2025/6/10</a:t>
             </a:fld>
             <a:endParaRPr lang="zh-CN" altLang="en-US"/>
           </a:p>
@@ -1434,7 +1434,7 @@
           <a:p>
             <a:fld id="{058A653E-0E76-45E8-AC51-561DC4160245}" type="datetime1">
               <a:rPr lang="zh-CN" altLang="en-US" smtClean="0"/>
-              <a:t>2025/6/4</a:t>
+              <a:t>2025/6/10</a:t>
             </a:fld>
             <a:endParaRPr lang="zh-CN" altLang="en-US"/>
           </a:p>
@@ -1658,7 +1658,7 @@
           <a:p>
             <a:fld id="{A18D2FF4-E3C9-4FED-A074-F6108E0BE98A}" type="datetime1">
               <a:rPr lang="zh-CN" altLang="en-US" smtClean="0"/>
-              <a:t>2025/6/4</a:t>
+              <a:t>2025/6/10</a:t>
             </a:fld>
             <a:endParaRPr lang="zh-CN" altLang="en-US"/>
           </a:p>
@@ -2018,7 +2018,7 @@
           <a:p>
             <a:fld id="{E8F62296-8D74-4941-AB42-AF46D431AF0E}" type="datetime1">
               <a:rPr lang="zh-CN" altLang="en-US" smtClean="0"/>
-              <a:t>2025/6/4</a:t>
+              <a:t>2025/6/10</a:t>
             </a:fld>
             <a:endParaRPr lang="zh-CN" altLang="en-US"/>
           </a:p>
@@ -2144,7 +2144,7 @@
           <a:p>
             <a:fld id="{CE6266D2-0067-43FC-9A74-550BFB2F7B58}" type="datetime1">
               <a:rPr lang="zh-CN" altLang="en-US" smtClean="0"/>
-              <a:t>2025/6/4</a:t>
+              <a:t>2025/6/10</a:t>
             </a:fld>
             <a:endParaRPr lang="zh-CN" altLang="en-US"/>
           </a:p>
@@ -2234,7 +2234,7 @@
           <a:p>
             <a:fld id="{140BB480-D82D-495A-B952-1CFC82EC6661}" type="datetime1">
               <a:rPr lang="zh-CN" altLang="en-US" smtClean="0"/>
-              <a:t>2025/6/4</a:t>
+              <a:t>2025/6/10</a:t>
             </a:fld>
             <a:endParaRPr lang="zh-CN" altLang="en-US"/>
           </a:p>
@@ -2504,7 +2504,7 @@
           <a:p>
             <a:fld id="{EAD11108-36D2-4557-BA39-961837054A5B}" type="datetime1">
               <a:rPr lang="zh-CN" altLang="en-US" smtClean="0"/>
-              <a:t>2025/6/4</a:t>
+              <a:t>2025/6/10</a:t>
             </a:fld>
             <a:endParaRPr lang="zh-CN" altLang="en-US"/>
           </a:p>
@@ -2754,7 +2754,7 @@
           <a:p>
             <a:fld id="{6F93C538-F123-4B43-87C2-556BD6C65E41}" type="datetime1">
               <a:rPr lang="zh-CN" altLang="en-US" smtClean="0"/>
-              <a:t>2025/6/4</a:t>
+              <a:t>2025/6/10</a:t>
             </a:fld>
             <a:endParaRPr lang="zh-CN" altLang="en-US"/>
           </a:p>
@@ -2960,7 +2960,7 @@
           <a:p>
             <a:fld id="{6B92CE78-5F0E-461E-AC7D-A1145CE5D324}" type="datetime1">
               <a:rPr lang="zh-CN" altLang="en-US" smtClean="0"/>
-              <a:t>2025/6/4</a:t>
+              <a:t>2025/6/10</a:t>
             </a:fld>
             <a:endParaRPr lang="zh-CN" altLang="en-US"/>
           </a:p>
@@ -3727,7 +3727,7 @@
         </p:nvSpPr>
         <p:spPr>
           <a:xfrm>
-            <a:off x="782698" y="1137680"/>
+            <a:off x="763398" y="1159168"/>
             <a:ext cx="10966322" cy="5071228"/>
           </a:xfrm>
           <a:prstGeom prst="rect">
@@ -3800,7 +3800,7 @@
         </p:nvSpPr>
         <p:spPr>
           <a:xfrm>
-            <a:off x="763398" y="828134"/>
+            <a:off x="763397" y="803461"/>
             <a:ext cx="10966322" cy="365126"/>
           </a:xfrm>
           <a:prstGeom prst="rect">
@@ -3846,11 +3846,20 @@
               <a:buNone/>
             </a:pPr>
             <a:r>
-              <a:rPr lang="zh-CN" altLang="en-US" b="0" i="0" dirty="0">
-                <a:effectLst/>
+              <a:rPr kumimoji="0" lang="zh-CN" altLang="en-US" sz="1800" u="none" strike="noStrike" kern="1200" cap="none" spc="0" normalizeH="0" baseline="0" noProof="0" dirty="0">
+                <a:ln>
+                  <a:noFill/>
+                </a:ln>
+                <a:solidFill>
+                  <a:prstClr val="white"/>
+                </a:solidFill>
+                <a:uLnTx/>
+                <a:uFillTx/>
                 <a:latin typeface="Roboto" panose="02000000000000000000" pitchFamily="2" charset="0"/>
+                <a:ea typeface="楷体" panose="02010609060101010101" pitchFamily="49" charset="-122"/>
+                <a:cs typeface="Times New Roman" panose="02020603050405020304" pitchFamily="18" charset="0"/>
               </a:rPr>
-              <a:t>核心创新与技术亮点</a:t>
+              <a:t>（一）线性模型</a:t>
             </a:r>
             <a:endParaRPr kumimoji="0" lang="zh-CN" sz="1800" b="1" i="0" u="none" strike="noStrike" kern="1200" cap="none" spc="0" normalizeH="0" baseline="0" noProof="0" dirty="0">
               <a:ln>
@@ -3971,163 +3980,6 @@
               <a:latin typeface="Times New Roman" panose="02020603050405020304" pitchFamily="18" charset="0"/>
               <a:cs typeface="Times New Roman" panose="02020603050405020304" pitchFamily="18" charset="0"/>
             </a:endParaRPr>
-          </a:p>
-        </p:txBody>
-      </p:sp>
-      <p:sp>
-        <p:nvSpPr>
-          <p:cNvPr id="1048652" name="文本框 13"/>
-          <p:cNvSpPr txBox="1"/>
-          <p:nvPr/>
-        </p:nvSpPr>
-        <p:spPr>
-          <a:xfrm>
-            <a:off x="1370774" y="1813786"/>
-            <a:ext cx="8371103" cy="2363724"/>
-          </a:xfrm>
-          <a:prstGeom prst="rect">
-            <a:avLst/>
-          </a:prstGeom>
-          <a:noFill/>
-        </p:spPr>
-        <p:txBody>
-          <a:bodyPr wrap="square" rtlCol="0">
-            <a:spAutoFit/>
-          </a:bodyPr>
-          <a:lstStyle/>
-          <a:p>
-            <a:pPr>
-              <a:lnSpc>
-                <a:spcPct val="135000"/>
-              </a:lnSpc>
-            </a:pPr>
-            <a:endParaRPr kumimoji="0" lang="en-US" altLang="zh-CN" sz="1600" i="0" u="none" strike="noStrike" kern="1200" cap="none" spc="0" normalizeH="0" baseline="0" noProof="0" dirty="0">
-              <a:ln>
-                <a:noFill/>
-              </a:ln>
-              <a:solidFill>
-                <a:schemeClr val="tx1"/>
-              </a:solidFill>
-              <a:effectLst/>
-              <a:uLnTx/>
-              <a:uFillTx/>
-              <a:latin typeface="Times New Roman" panose="02020603050405020304" pitchFamily="18" charset="0"/>
-              <a:ea typeface="楷体" panose="02010609060101010101" pitchFamily="49" charset="-122"/>
-              <a:cs typeface="Times New Roman" panose="02020603050405020304" pitchFamily="18" charset="0"/>
-            </a:endParaRPr>
-          </a:p>
-          <a:p>
-            <a:pPr algn="l">
-              <a:buFont typeface="+mj-lt"/>
-              <a:buAutoNum type="arabicPeriod"/>
-            </a:pPr>
-            <a:r>
-              <a:rPr lang="zh-CN" altLang="en-US" b="1" i="0" dirty="0">
-                <a:effectLst/>
-                <a:latin typeface="Roboto" panose="02000000000000000000" pitchFamily="2" charset="0"/>
-              </a:rPr>
-              <a:t>特征工程创新</a:t>
-            </a:r>
-            <a:endParaRPr lang="zh-CN" altLang="en-US" b="0" i="0" dirty="0">
-              <a:effectLst/>
-              <a:latin typeface="Roboto" panose="02000000000000000000" pitchFamily="2" charset="0"/>
-            </a:endParaRPr>
-          </a:p>
-          <a:p>
-            <a:pPr marL="742950" lvl="1" indent="-285750" algn="l">
-              <a:buFont typeface="+mj-lt"/>
-              <a:buAutoNum type="arabicPeriod"/>
-            </a:pPr>
-            <a:r>
-              <a:rPr lang="zh-CN" altLang="en-US" b="0" i="0" dirty="0">
-                <a:effectLst/>
-                <a:latin typeface="Roboto" panose="02000000000000000000" pitchFamily="2" charset="0"/>
-              </a:rPr>
-              <a:t>动态特征生成（建筑年代分箱、楼层信息解析）</a:t>
-            </a:r>
-          </a:p>
-          <a:p>
-            <a:pPr marL="742950" lvl="1" indent="-285750" algn="l">
-              <a:buFont typeface="+mj-lt"/>
-              <a:buAutoNum type="arabicPeriod"/>
-            </a:pPr>
-            <a:r>
-              <a:rPr lang="zh-CN" altLang="en-US" b="0" i="0" dirty="0">
-                <a:effectLst/>
-                <a:latin typeface="Roboto" panose="02000000000000000000" pitchFamily="2" charset="0"/>
-              </a:rPr>
-              <a:t>容错性预处理（自动处理缺失值与异常值）</a:t>
-            </a:r>
-          </a:p>
-          <a:p>
-            <a:pPr marL="742950" lvl="1" indent="-285750" algn="l">
-              <a:buFont typeface="+mj-lt"/>
-              <a:buAutoNum type="arabicPeriod"/>
-            </a:pPr>
-            <a:r>
-              <a:rPr lang="zh-CN" altLang="en-US" b="0" i="0" dirty="0">
-                <a:effectLst/>
-                <a:latin typeface="Roboto" panose="02000000000000000000" pitchFamily="2" charset="0"/>
-              </a:rPr>
-              <a:t>时空特征提取（交易时间分解为年月）</a:t>
-            </a:r>
-          </a:p>
-          <a:p>
-            <a:pPr algn="l">
-              <a:buFont typeface="+mj-lt"/>
-              <a:buAutoNum type="arabicPeriod"/>
-            </a:pPr>
-            <a:r>
-              <a:rPr lang="zh-CN" altLang="en-US" b="1" i="0" dirty="0">
-                <a:effectLst/>
-                <a:latin typeface="Roboto" panose="02000000000000000000" pitchFamily="2" charset="0"/>
-              </a:rPr>
-              <a:t>建模优化</a:t>
-            </a:r>
-            <a:endParaRPr lang="zh-CN" altLang="en-US" b="0" i="0" dirty="0">
-              <a:effectLst/>
-              <a:latin typeface="Roboto" panose="02000000000000000000" pitchFamily="2" charset="0"/>
-            </a:endParaRPr>
-          </a:p>
-          <a:p>
-            <a:pPr marL="742950" lvl="1" indent="-285750" algn="l">
-              <a:buFont typeface="+mj-lt"/>
-              <a:buAutoNum type="arabicPeriod"/>
-            </a:pPr>
-            <a:r>
-              <a:rPr lang="zh-CN" altLang="en-US" b="0" i="0" dirty="0">
-                <a:effectLst/>
-                <a:latin typeface="Roboto" panose="02000000000000000000" pitchFamily="2" charset="0"/>
-              </a:rPr>
-              <a:t>正则化对比：</a:t>
-            </a:r>
-            <a:r>
-              <a:rPr lang="en-US" altLang="zh-CN" b="0" i="0" dirty="0">
-                <a:effectLst/>
-                <a:latin typeface="Roboto" panose="02000000000000000000" pitchFamily="2" charset="0"/>
-              </a:rPr>
-              <a:t>Ridge/Lasso</a:t>
-            </a:r>
-            <a:r>
-              <a:rPr lang="zh-CN" altLang="en-US" b="0" i="0" dirty="0">
-                <a:effectLst/>
-                <a:latin typeface="Roboto" panose="02000000000000000000" pitchFamily="2" charset="0"/>
-              </a:rPr>
-              <a:t>解决线性回归的数值不稳定问题</a:t>
-            </a:r>
-          </a:p>
-          <a:p>
-            <a:pPr marL="742950" lvl="1" indent="-285750" algn="l">
-              <a:buFont typeface="+mj-lt"/>
-              <a:buAutoNum type="arabicPeriod"/>
-            </a:pPr>
-            <a:r>
-              <a:rPr lang="zh-CN" altLang="en-US" b="0" i="0" dirty="0">
-                <a:effectLst/>
-                <a:latin typeface="Roboto" panose="02000000000000000000" pitchFamily="2" charset="0"/>
-              </a:rPr>
-              <a:t>自动化管道：集成数据清洗与特征预处理</a:t>
-            </a:r>
           </a:p>
         </p:txBody>
       </p:sp>
@@ -4275,8 +4127,186 @@
                 <a:latin typeface="Times New Roman" panose="02020603050405020304" pitchFamily="18" charset="0"/>
                 <a:cs typeface="Times New Roman" panose="02020603050405020304" pitchFamily="18" charset="0"/>
               </a:rPr>
-              <a:t>模型亮点</a:t>
-            </a:r>
+              <a:t>模型评估</a:t>
+            </a:r>
+          </a:p>
+        </p:txBody>
+      </p:sp>
+      <p:pic>
+        <p:nvPicPr>
+          <p:cNvPr id="5" name="图片 4">
+            <a:extLst>
+              <a:ext uri="{FF2B5EF4-FFF2-40B4-BE49-F238E27FC236}">
+                <a16:creationId xmlns:a16="http://schemas.microsoft.com/office/drawing/2014/main" id="{AC918263-7F76-69ED-1CEB-43BE68838CB2}"/>
+              </a:ext>
+            </a:extLst>
+          </p:cNvPr>
+          <p:cNvPicPr>
+            <a:picLocks noChangeAspect="1"/>
+          </p:cNvPicPr>
+          <p:nvPr/>
+        </p:nvPicPr>
+        <p:blipFill>
+          <a:blip r:embed="rId5"/>
+          <a:stretch>
+            <a:fillRect/>
+          </a:stretch>
+        </p:blipFill>
+        <p:spPr>
+          <a:xfrm>
+            <a:off x="2942405" y="1286590"/>
+            <a:ext cx="6798302" cy="2142410"/>
+          </a:xfrm>
+          <a:prstGeom prst="rect">
+            <a:avLst/>
+          </a:prstGeom>
+        </p:spPr>
+      </p:pic>
+      <p:sp>
+        <p:nvSpPr>
+          <p:cNvPr id="7" name="文本框 13">
+            <a:extLst>
+              <a:ext uri="{FF2B5EF4-FFF2-40B4-BE49-F238E27FC236}">
+                <a16:creationId xmlns:a16="http://schemas.microsoft.com/office/drawing/2014/main" id="{97A5AF3B-B730-23B6-75E6-BF624DE64537}"/>
+              </a:ext>
+            </a:extLst>
+          </p:cNvPr>
+          <p:cNvSpPr txBox="1"/>
+          <p:nvPr/>
+        </p:nvSpPr>
+        <p:spPr>
+          <a:xfrm>
+            <a:off x="3076197" y="3784707"/>
+            <a:ext cx="7135760" cy="2054280"/>
+          </a:xfrm>
+          <a:prstGeom prst="rect">
+            <a:avLst/>
+          </a:prstGeom>
+          <a:noFill/>
+        </p:spPr>
+        <p:txBody>
+          <a:bodyPr wrap="square" rtlCol="0">
+            <a:spAutoFit/>
+          </a:bodyPr>
+          <a:lstStyle/>
+          <a:p>
+            <a:pPr marL="285750" indent="-285750">
+              <a:lnSpc>
+                <a:spcPct val="135000"/>
+              </a:lnSpc>
+              <a:buFont typeface="Wingdings" panose="05000000000000000000" pitchFamily="2" charset="2"/>
+              <a:buChar char="p"/>
+            </a:pPr>
+            <a:r>
+              <a:rPr lang="zh-CN" altLang="en-US" sz="1600" dirty="0">
+                <a:latin typeface="Times New Roman" panose="02020603050405020304" pitchFamily="18" charset="0"/>
+                <a:ea typeface="楷体" panose="02010609060101010101" pitchFamily="49" charset="-122"/>
+                <a:cs typeface="Times New Roman" panose="02020603050405020304" pitchFamily="18" charset="0"/>
+              </a:rPr>
+              <a:t>普通线性回归失效</a:t>
+            </a:r>
+          </a:p>
+          <a:p>
+            <a:pPr>
+              <a:lnSpc>
+                <a:spcPct val="135000"/>
+              </a:lnSpc>
+            </a:pPr>
+            <a:r>
+              <a:rPr lang="en-US" altLang="zh-CN" sz="1600" b="0" i="0" dirty="0">
+                <a:effectLst/>
+                <a:latin typeface="Roboto" panose="02000000000000000000" pitchFamily="2" charset="0"/>
+              </a:rPr>
+              <a:t>R²</a:t>
+            </a:r>
+            <a:r>
+              <a:rPr lang="zh-CN" altLang="en-US" sz="1600" b="0" i="0" dirty="0">
+                <a:effectLst/>
+                <a:latin typeface="Roboto" panose="02000000000000000000" pitchFamily="2" charset="0"/>
+              </a:rPr>
+              <a:t>为负，比均值预测更差</a:t>
+            </a:r>
+            <a:endParaRPr lang="en-US" altLang="zh-CN" sz="1600" b="0" i="0" dirty="0">
+              <a:effectLst/>
+              <a:latin typeface="Roboto" panose="02000000000000000000" pitchFamily="2" charset="0"/>
+            </a:endParaRPr>
+          </a:p>
+          <a:p>
+            <a:pPr>
+              <a:lnSpc>
+                <a:spcPct val="135000"/>
+              </a:lnSpc>
+            </a:pPr>
+            <a:endParaRPr lang="zh-CN" altLang="en-US" sz="1600" dirty="0">
+              <a:latin typeface="Times New Roman" panose="02020603050405020304" pitchFamily="18" charset="0"/>
+              <a:ea typeface="楷体" panose="02010609060101010101" pitchFamily="49" charset="-122"/>
+              <a:cs typeface="Times New Roman" panose="02020603050405020304" pitchFamily="18" charset="0"/>
+            </a:endParaRPr>
+          </a:p>
+          <a:p>
+            <a:pPr marL="285750" indent="-285750">
+              <a:lnSpc>
+                <a:spcPct val="135000"/>
+              </a:lnSpc>
+              <a:buFont typeface="Wingdings" panose="05000000000000000000" pitchFamily="2" charset="2"/>
+              <a:buChar char="p"/>
+            </a:pPr>
+            <a:r>
+              <a:rPr lang="en-US" altLang="zh-CN" sz="1600" dirty="0">
+                <a:latin typeface="Times New Roman" panose="02020603050405020304" pitchFamily="18" charset="0"/>
+                <a:ea typeface="楷体" panose="02010609060101010101" pitchFamily="49" charset="-122"/>
+                <a:cs typeface="Times New Roman" panose="02020603050405020304" pitchFamily="18" charset="0"/>
+              </a:rPr>
+              <a:t>Ridge</a:t>
+            </a:r>
+            <a:r>
+              <a:rPr lang="zh-CN" altLang="en-US" sz="1600" dirty="0">
+                <a:latin typeface="Times New Roman" panose="02020603050405020304" pitchFamily="18" charset="0"/>
+                <a:ea typeface="楷体" panose="02010609060101010101" pitchFamily="49" charset="-122"/>
+                <a:cs typeface="Times New Roman" panose="02020603050405020304" pitchFamily="18" charset="0"/>
+              </a:rPr>
+              <a:t>表现最优</a:t>
+            </a:r>
+            <a:endParaRPr lang="en-US" altLang="zh-CN" sz="1600" dirty="0">
+              <a:latin typeface="Times New Roman" panose="02020603050405020304" pitchFamily="18" charset="0"/>
+              <a:ea typeface="楷体" panose="02010609060101010101" pitchFamily="49" charset="-122"/>
+              <a:cs typeface="Times New Roman" panose="02020603050405020304" pitchFamily="18" charset="0"/>
+            </a:endParaRPr>
+          </a:p>
+          <a:p>
+            <a:pPr>
+              <a:lnSpc>
+                <a:spcPct val="135000"/>
+              </a:lnSpc>
+            </a:pPr>
+            <a:r>
+              <a:rPr lang="zh-CN" altLang="en-US" sz="1600" dirty="0">
+                <a:latin typeface="Roboto" panose="02000000000000000000" pitchFamily="2" charset="0"/>
+              </a:rPr>
+              <a:t>说明共线性严重</a:t>
+            </a:r>
+            <a:endParaRPr lang="en-US" altLang="zh-CN" sz="1600" dirty="0">
+              <a:latin typeface="Roboto" panose="02000000000000000000" pitchFamily="2" charset="0"/>
+            </a:endParaRPr>
+          </a:p>
+          <a:p>
+            <a:pPr>
+              <a:lnSpc>
+                <a:spcPct val="135000"/>
+              </a:lnSpc>
+            </a:pPr>
+            <a:r>
+              <a:rPr lang="zh-CN" altLang="en-US" sz="1600" b="0" i="0" dirty="0">
+                <a:effectLst/>
+                <a:latin typeface="Roboto" panose="02000000000000000000" pitchFamily="2" charset="0"/>
+              </a:rPr>
+              <a:t>→ 必须使用正则化</a:t>
+            </a:r>
+            <a:endParaRPr lang="zh-CN" altLang="en-US" sz="1600" dirty="0">
+              <a:latin typeface="Times New Roman" panose="02020603050405020304" pitchFamily="18" charset="0"/>
+              <a:ea typeface="楷体" panose="02010609060101010101" pitchFamily="49" charset="-122"/>
+              <a:cs typeface="Times New Roman" panose="02020603050405020304" pitchFamily="18" charset="0"/>
+            </a:endParaRPr>
           </a:p>
         </p:txBody>
       </p:sp>
@@ -4393,7 +4423,7 @@
         </p:nvSpPr>
         <p:spPr>
           <a:xfrm>
-            <a:off x="763397" y="1204405"/>
+            <a:off x="782698" y="1137680"/>
             <a:ext cx="10966322" cy="5071228"/>
           </a:xfrm>
           <a:prstGeom prst="rect">
@@ -4511,6 +4541,19 @@
               <a:buFontTx/>
               <a:buNone/>
             </a:pPr>
+            <a:r>
+              <a:rPr kumimoji="0" lang="zh-CN" altLang="en-US" sz="1800" b="0" i="0" u="none" strike="noStrike" cap="none" normalizeH="0" baseline="0" dirty="0">
+                <a:ln>
+                  <a:noFill/>
+                </a:ln>
+                <a:solidFill>
+                  <a:schemeClr val="tx1"/>
+                </a:solidFill>
+                <a:effectLst/>
+                <a:latin typeface="Roboto" panose="02000000000000000000" pitchFamily="2" charset="0"/>
+              </a:rPr>
+              <a:t>（二）模型训练与选择</a:t>
+            </a:r>
             <a:endParaRPr kumimoji="0" lang="zh-CN" sz="1800" b="1" i="0" u="none" strike="noStrike" kern="1200" cap="none" spc="0" normalizeH="0" baseline="0" noProof="0" dirty="0">
               <a:ln>
                 <a:noFill/>
@@ -4777,1063 +4820,1403 @@
                 <a:latin typeface="Times New Roman" panose="02020603050405020304" pitchFamily="18" charset="0"/>
                 <a:cs typeface="Times New Roman" panose="02020603050405020304" pitchFamily="18" charset="0"/>
               </a:rPr>
-              <a:t>模型表现对比</a:t>
-            </a:r>
-          </a:p>
-        </p:txBody>
-      </p:sp>
-      <p:graphicFrame>
-        <p:nvGraphicFramePr>
-          <p:cNvPr id="2" name="表格 1">
+              <a:t>模型评估</a:t>
+            </a:r>
+          </a:p>
+        </p:txBody>
+      </p:sp>
+      <p:pic>
+        <p:nvPicPr>
+          <p:cNvPr id="6" name="图片 5">
             <a:extLst>
               <a:ext uri="{FF2B5EF4-FFF2-40B4-BE49-F238E27FC236}">
-                <a16:creationId xmlns:a16="http://schemas.microsoft.com/office/drawing/2014/main" id="{FFCA1142-ECE7-63BD-C407-FBCB16A52ED1}"/>
+                <a16:creationId xmlns:a16="http://schemas.microsoft.com/office/drawing/2014/main" id="{6A998255-E278-ECE5-942B-FD5E41145621}"/>
               </a:ext>
             </a:extLst>
           </p:cNvPr>
+          <p:cNvPicPr>
+            <a:picLocks noChangeAspect="1"/>
+          </p:cNvPicPr>
+          <p:nvPr/>
+        </p:nvPicPr>
+        <p:blipFill>
+          <a:blip r:embed="rId5"/>
+          <a:stretch>
+            <a:fillRect/>
+          </a:stretch>
+        </p:blipFill>
+        <p:spPr>
+          <a:xfrm>
+            <a:off x="993827" y="2055901"/>
+            <a:ext cx="5623682" cy="1285137"/>
+          </a:xfrm>
+          <a:prstGeom prst="rect">
+            <a:avLst/>
+          </a:prstGeom>
+        </p:spPr>
+      </p:pic>
+      <p:sp>
+        <p:nvSpPr>
+          <p:cNvPr id="7" name="文本框 13">
+            <a:extLst>
+              <a:ext uri="{FF2B5EF4-FFF2-40B4-BE49-F238E27FC236}">
+                <a16:creationId xmlns:a16="http://schemas.microsoft.com/office/drawing/2014/main" id="{42960652-827F-A661-470B-FF3D754A139C}"/>
+              </a:ext>
+            </a:extLst>
+          </p:cNvPr>
+          <p:cNvSpPr txBox="1"/>
+          <p:nvPr/>
+        </p:nvSpPr>
+        <p:spPr>
+          <a:xfrm>
+            <a:off x="993827" y="1506892"/>
+            <a:ext cx="7135760" cy="387222"/>
+          </a:xfrm>
+          <a:prstGeom prst="rect">
+            <a:avLst/>
+          </a:prstGeom>
+          <a:noFill/>
+        </p:spPr>
+        <p:txBody>
+          <a:bodyPr wrap="square" rtlCol="0">
+            <a:spAutoFit/>
+          </a:bodyPr>
+          <a:lstStyle/>
+          <a:p>
+            <a:pPr marL="285750" indent="-285750">
+              <a:lnSpc>
+                <a:spcPct val="135000"/>
+              </a:lnSpc>
+              <a:buFont typeface="Wingdings" panose="05000000000000000000" pitchFamily="2" charset="2"/>
+              <a:buChar char="p"/>
+            </a:pPr>
+            <a:r>
+              <a:rPr lang="zh-CN" altLang="en-US" sz="1600" dirty="0">
+                <a:latin typeface="Times New Roman" panose="02020603050405020304" pitchFamily="18" charset="0"/>
+                <a:ea typeface="楷体" panose="02010609060101010101" pitchFamily="49" charset="-122"/>
+                <a:cs typeface="Times New Roman" panose="02020603050405020304" pitchFamily="18" charset="0"/>
+              </a:rPr>
+              <a:t>代码架构设计</a:t>
+            </a:r>
+          </a:p>
+        </p:txBody>
+      </p:sp>
+      <p:pic>
+        <p:nvPicPr>
+          <p:cNvPr id="9" name="图片 8">
+            <a:extLst>
+              <a:ext uri="{FF2B5EF4-FFF2-40B4-BE49-F238E27FC236}">
+                <a16:creationId xmlns:a16="http://schemas.microsoft.com/office/drawing/2014/main" id="{D007056F-6653-962E-4A91-E12A5BB09EA7}"/>
+              </a:ext>
+            </a:extLst>
+          </p:cNvPr>
+          <p:cNvPicPr>
+            <a:picLocks noChangeAspect="1"/>
+          </p:cNvPicPr>
+          <p:nvPr/>
+        </p:nvPicPr>
+        <p:blipFill>
+          <a:blip r:embed="rId6"/>
+          <a:stretch>
+            <a:fillRect/>
+          </a:stretch>
+        </p:blipFill>
+        <p:spPr>
+          <a:xfrm>
+            <a:off x="6943710" y="2739991"/>
+            <a:ext cx="4410089" cy="559656"/>
+          </a:xfrm>
+          <a:prstGeom prst="rect">
+            <a:avLst/>
+          </a:prstGeom>
+        </p:spPr>
+      </p:pic>
+      <p:pic>
+        <p:nvPicPr>
+          <p:cNvPr id="13" name="图片 12">
+            <a:extLst>
+              <a:ext uri="{FF2B5EF4-FFF2-40B4-BE49-F238E27FC236}">
+                <a16:creationId xmlns:a16="http://schemas.microsoft.com/office/drawing/2014/main" id="{3A677DF6-8B15-D90A-2CCB-D01E296AB6D2}"/>
+              </a:ext>
+            </a:extLst>
+          </p:cNvPr>
+          <p:cNvPicPr>
+            <a:picLocks noChangeAspect="1"/>
+          </p:cNvPicPr>
+          <p:nvPr/>
+        </p:nvPicPr>
+        <p:blipFill>
+          <a:blip r:embed="rId7"/>
+          <a:stretch>
+            <a:fillRect/>
+          </a:stretch>
+        </p:blipFill>
+        <p:spPr>
+          <a:xfrm>
+            <a:off x="993827" y="4043129"/>
+            <a:ext cx="5488646" cy="2156639"/>
+          </a:xfrm>
+          <a:prstGeom prst="rect">
+            <a:avLst/>
+          </a:prstGeom>
+        </p:spPr>
+      </p:pic>
+      <p:sp>
+        <p:nvSpPr>
+          <p:cNvPr id="14" name="文本框 13">
+            <a:extLst>
+              <a:ext uri="{FF2B5EF4-FFF2-40B4-BE49-F238E27FC236}">
+                <a16:creationId xmlns:a16="http://schemas.microsoft.com/office/drawing/2014/main" id="{BA90AED5-A571-B431-B4F5-CC2B693321A5}"/>
+              </a:ext>
+            </a:extLst>
+          </p:cNvPr>
+          <p:cNvSpPr txBox="1"/>
+          <p:nvPr/>
+        </p:nvSpPr>
+        <p:spPr>
+          <a:xfrm>
+            <a:off x="1065125" y="3495865"/>
+            <a:ext cx="7135760" cy="395686"/>
+          </a:xfrm>
+          <a:prstGeom prst="rect">
+            <a:avLst/>
+          </a:prstGeom>
+          <a:noFill/>
+        </p:spPr>
+        <p:txBody>
+          <a:bodyPr wrap="square" rtlCol="0">
+            <a:spAutoFit/>
+          </a:bodyPr>
+          <a:lstStyle/>
+          <a:p>
+            <a:pPr marL="285750" indent="-285750">
+              <a:lnSpc>
+                <a:spcPct val="135000"/>
+              </a:lnSpc>
+              <a:buFont typeface="Wingdings" panose="05000000000000000000" pitchFamily="2" charset="2"/>
+              <a:buChar char="p"/>
+            </a:pPr>
+            <a:r>
+              <a:rPr lang="zh-CN" altLang="en-US" sz="1600" b="1" i="0" dirty="0">
+                <a:effectLst/>
+                <a:latin typeface="Roboto" panose="02000000000000000000" pitchFamily="2" charset="0"/>
+              </a:rPr>
+              <a:t>自动化调参流程</a:t>
+            </a:r>
+          </a:p>
+        </p:txBody>
+      </p:sp>
+    </p:spTree>
+    <p:extLst>
+      <p:ext uri="{BB962C8B-B14F-4D97-AF65-F5344CB8AC3E}">
+        <p14:creationId xmlns:p14="http://schemas.microsoft.com/office/powerpoint/2010/main" val="1909396036"/>
+      </p:ext>
+    </p:extLst>
+  </p:cSld>
+  <p:clrMapOvr>
+    <a:masterClrMapping/>
+  </p:clrMapOvr>
+</p:sld>
+</file>
+
+<file path=ppt/slides/slide4.xml><?xml version="1.0" encoding="utf-8"?>
+<p:sld xmlns:a="http://schemas.openxmlformats.org/drawingml/2006/main" xmlns:r="http://schemas.openxmlformats.org/officeDocument/2006/relationships" xmlns:p="http://schemas.openxmlformats.org/presentationml/2006/main">
+  <p:cSld>
+    <p:spTree>
+      <p:nvGrpSpPr>
+        <p:cNvPr id="1" name=""/>
+        <p:cNvGrpSpPr/>
+        <p:nvPr/>
+      </p:nvGrpSpPr>
+      <p:grpSpPr>
+        <a:xfrm>
+          <a:off x="0" y="0"/>
+          <a:ext cx="0" cy="0"/>
+          <a:chOff x="0" y="0"/>
+          <a:chExt cx="0" cy="0"/>
+        </a:xfrm>
+      </p:grpSpPr>
+      <p:sp>
+        <p:nvSpPr>
+          <p:cNvPr id="1048647" name="矩形 9"/>
+          <p:cNvSpPr/>
+          <p:nvPr/>
+        </p:nvSpPr>
+        <p:spPr>
+          <a:xfrm>
+            <a:off x="763397" y="3733475"/>
+            <a:ext cx="10486238" cy="2550064"/>
+          </a:xfrm>
+          <a:prstGeom prst="rect">
+            <a:avLst/>
+          </a:prstGeom>
+          <a:solidFill>
+            <a:srgbClr val="F2F2F2"/>
+          </a:solidFill>
+          <a:ln>
+            <a:solidFill>
+              <a:srgbClr val="F2F2F2"/>
+            </a:solidFill>
+          </a:ln>
+        </p:spPr>
+        <p:style>
+          <a:lnRef idx="2">
+            <a:schemeClr val="accent1">
+              <a:shade val="50000"/>
+            </a:schemeClr>
+          </a:lnRef>
+          <a:fillRef idx="1">
+            <a:schemeClr val="accent1"/>
+          </a:fillRef>
+          <a:effectRef idx="0">
+            <a:schemeClr val="accent1"/>
+          </a:effectRef>
+          <a:fontRef idx="minor">
+            <a:schemeClr val="lt1"/>
+          </a:fontRef>
+        </p:style>
+        <p:txBody>
+          <a:bodyPr rtlCol="0" anchor="ctr"/>
+          <a:lstStyle/>
+          <a:p>
+            <a:pPr marL="285750" marR="0" lvl="0" indent="-285750" algn="l" defTabSz="914400" rtl="0" eaLnBrk="1" fontAlgn="auto" latinLnBrk="0" hangingPunct="1">
+              <a:lnSpc>
+                <a:spcPct val="100000"/>
+              </a:lnSpc>
+              <a:spcBef>
+                <a:spcPts val="0"/>
+              </a:spcBef>
+              <a:spcAft>
+                <a:spcPts val="0"/>
+              </a:spcAft>
+              <a:buClrTx/>
+              <a:buSzTx/>
+              <a:buFont typeface="Wingdings" panose="05000000000000000000" pitchFamily="2" charset="2"/>
+              <a:buChar char="p"/>
+            </a:pPr>
+            <a:endParaRPr kumimoji="0" lang="zh-CN" altLang="en-US" sz="1600" b="0" i="0" u="none" strike="noStrike" kern="1200" cap="none" spc="0" normalizeH="0" baseline="0" noProof="0" dirty="0">
+              <a:ln>
+                <a:noFill/>
+              </a:ln>
+              <a:solidFill>
+                <a:prstClr val="black"/>
+              </a:solidFill>
+              <a:effectLst/>
+              <a:uLnTx/>
+              <a:uFillTx/>
+              <a:latin typeface="Times New Roman" panose="02020603050405020304" pitchFamily="18" charset="0"/>
+              <a:ea typeface="楷体" panose="02010609060101010101" pitchFamily="49" charset="-122"/>
+              <a:cs typeface="Times New Roman" panose="02020603050405020304" pitchFamily="18" charset="0"/>
+            </a:endParaRPr>
+          </a:p>
+        </p:txBody>
+      </p:sp>
+      <p:sp>
+        <p:nvSpPr>
+          <p:cNvPr id="1048648" name="矩形 5"/>
+          <p:cNvSpPr/>
+          <p:nvPr/>
+        </p:nvSpPr>
+        <p:spPr>
+          <a:xfrm>
+            <a:off x="782698" y="1137680"/>
+            <a:ext cx="10966322" cy="5071228"/>
+          </a:xfrm>
+          <a:prstGeom prst="rect">
+            <a:avLst/>
+          </a:prstGeom>
+          <a:solidFill>
+            <a:srgbClr val="F2F2F2"/>
+          </a:solidFill>
+          <a:ln>
+            <a:solidFill>
+              <a:srgbClr val="F2F2F2"/>
+            </a:solidFill>
+          </a:ln>
+        </p:spPr>
+        <p:style>
+          <a:lnRef idx="2">
+            <a:schemeClr val="accent1">
+              <a:shade val="50000"/>
+            </a:schemeClr>
+          </a:lnRef>
+          <a:fillRef idx="1">
+            <a:schemeClr val="accent1"/>
+          </a:fillRef>
+          <a:effectRef idx="0">
+            <a:schemeClr val="accent1"/>
+          </a:effectRef>
+          <a:fontRef idx="minor">
+            <a:schemeClr val="lt1"/>
+          </a:fontRef>
+        </p:style>
+        <p:txBody>
+          <a:bodyPr rtlCol="0" anchor="ctr"/>
+          <a:lstStyle/>
+          <a:p>
+            <a:pPr marR="0" lvl="0" algn="l" defTabSz="914400" rtl="0" eaLnBrk="1" fontAlgn="auto" latinLnBrk="0" hangingPunct="1">
+              <a:lnSpc>
+                <a:spcPct val="120000"/>
+              </a:lnSpc>
+              <a:spcBef>
+                <a:spcPts val="0"/>
+              </a:spcBef>
+              <a:spcAft>
+                <a:spcPts val="0"/>
+              </a:spcAft>
+              <a:buClrTx/>
+              <a:buSzTx/>
+            </a:pPr>
+            <a:endParaRPr kumimoji="0" lang="zh-CN" altLang="en-US" sz="1600" b="0" i="0" u="none" strike="noStrike" kern="1200" cap="none" spc="0" normalizeH="0" baseline="0" noProof="0" dirty="0">
+              <a:ln>
+                <a:noFill/>
+              </a:ln>
+              <a:solidFill>
+                <a:prstClr val="black"/>
+              </a:solidFill>
+              <a:effectLst/>
+              <a:uLnTx/>
+              <a:uFillTx/>
+              <a:latin typeface="Times New Roman" panose="02020603050405020304" pitchFamily="18" charset="0"/>
+              <a:ea typeface="楷体" panose="02010609060101010101" pitchFamily="49" charset="-122"/>
+              <a:cs typeface="Times New Roman" panose="02020603050405020304" pitchFamily="18" charset="0"/>
+            </a:endParaRPr>
+          </a:p>
+        </p:txBody>
+      </p:sp>
+      <p:sp>
+        <p:nvSpPr>
+          <p:cNvPr id="1048649" name="矩形 18"/>
+          <p:cNvSpPr/>
+          <p:nvPr/>
+        </p:nvSpPr>
+        <p:spPr>
+          <a:xfrm>
+            <a:off x="763398" y="828134"/>
+            <a:ext cx="10966322" cy="365126"/>
+          </a:xfrm>
+          <a:prstGeom prst="rect">
+            <a:avLst/>
+          </a:prstGeom>
+          <a:solidFill>
+            <a:srgbClr val="A22628"/>
+          </a:solidFill>
+        </p:spPr>
+        <p:style>
+          <a:lnRef idx="2">
+            <a:schemeClr val="accent1">
+              <a:shade val="50000"/>
+            </a:schemeClr>
+          </a:lnRef>
+          <a:fillRef idx="1">
+            <a:schemeClr val="accent1"/>
+          </a:fillRef>
+          <a:effectRef idx="0">
+            <a:schemeClr val="accent1"/>
+          </a:effectRef>
+          <a:fontRef idx="minor">
+            <a:schemeClr val="lt1"/>
+          </a:fontRef>
+        </p:style>
+        <p:txBody>
+          <a:bodyPr rtlCol="0" anchor="ctr"/>
+          <a:lstStyle/>
+          <a:p>
+            <a:pPr marL="0" marR="0" lvl="0" indent="0" algn="l" defTabSz="914400" rtl="0" eaLnBrk="1" fontAlgn="auto" latinLnBrk="0" hangingPunct="1">
+              <a:lnSpc>
+                <a:spcPct val="100000"/>
+              </a:lnSpc>
+              <a:spcBef>
+                <a:spcPts val="0"/>
+              </a:spcBef>
+              <a:spcAft>
+                <a:spcPts val="0"/>
+              </a:spcAft>
+              <a:buClrTx/>
+              <a:buSzTx/>
+              <a:buFontTx/>
+              <a:buNone/>
+            </a:pPr>
+            <a:r>
+              <a:rPr kumimoji="0" lang="zh-CN" altLang="en-US" sz="1800" b="0" i="0" u="none" strike="noStrike" cap="none" normalizeH="0" baseline="0" dirty="0">
+                <a:ln>
+                  <a:noFill/>
+                </a:ln>
+                <a:solidFill>
+                  <a:schemeClr val="tx1"/>
+                </a:solidFill>
+                <a:effectLst/>
+                <a:latin typeface="Roboto" panose="02000000000000000000" pitchFamily="2" charset="0"/>
+              </a:rPr>
+              <a:t>（二）线性模型与树模型</a:t>
+            </a:r>
+            <a:endParaRPr kumimoji="0" lang="zh-CN" sz="1800" b="1" i="0" u="none" strike="noStrike" kern="1200" cap="none" spc="0" normalizeH="0" baseline="0" noProof="0" dirty="0">
+              <a:ln>
+                <a:noFill/>
+              </a:ln>
+              <a:solidFill>
+                <a:prstClr val="white"/>
+              </a:solidFill>
+              <a:effectLst/>
+              <a:uLnTx/>
+              <a:uFillTx/>
+              <a:latin typeface="Times New Roman" panose="02020603050405020304" pitchFamily="18" charset="0"/>
+              <a:ea typeface="楷体" panose="02010609060101010101" pitchFamily="49" charset="-122"/>
+              <a:cs typeface="Times New Roman" panose="02020603050405020304" pitchFamily="18" charset="0"/>
+            </a:endParaRPr>
+          </a:p>
+        </p:txBody>
+      </p:sp>
+      <p:sp>
+        <p:nvSpPr>
+          <p:cNvPr id="1048650" name="矩形 68"/>
+          <p:cNvSpPr/>
+          <p:nvPr/>
+        </p:nvSpPr>
+        <p:spPr>
+          <a:xfrm>
+            <a:off x="5743574" y="1221835"/>
+            <a:ext cx="4772026" cy="2550065"/>
+          </a:xfrm>
+          <a:prstGeom prst="rect">
+            <a:avLst/>
+          </a:prstGeom>
+          <a:noFill/>
+          <a:ln>
+            <a:noFill/>
+          </a:ln>
+        </p:spPr>
+        <p:style>
+          <a:lnRef idx="2">
+            <a:schemeClr val="accent1">
+              <a:shade val="50000"/>
+            </a:schemeClr>
+          </a:lnRef>
+          <a:fillRef idx="1">
+            <a:schemeClr val="accent1"/>
+          </a:fillRef>
+          <a:effectRef idx="0">
+            <a:schemeClr val="accent1"/>
+          </a:effectRef>
+          <a:fontRef idx="minor">
+            <a:schemeClr val="lt1"/>
+          </a:fontRef>
+        </p:style>
+        <p:txBody>
+          <a:bodyPr rtlCol="0" anchor="ctr"/>
+          <a:lstStyle/>
+          <a:p>
+            <a:pPr marL="0" marR="0" lvl="0" indent="0" algn="l" defTabSz="914400" rtl="0" eaLnBrk="1" fontAlgn="auto" latinLnBrk="0" hangingPunct="1">
+              <a:lnSpc>
+                <a:spcPct val="100000"/>
+              </a:lnSpc>
+              <a:spcBef>
+                <a:spcPts val="0"/>
+              </a:spcBef>
+              <a:spcAft>
+                <a:spcPts val="0"/>
+              </a:spcAft>
+              <a:buClrTx/>
+              <a:buSzTx/>
+              <a:buFontTx/>
+              <a:buNone/>
+            </a:pPr>
+            <a:endParaRPr kumimoji="0" lang="zh-CN" altLang="en-US" sz="1800" b="0" i="0" u="none" strike="noStrike" kern="1200" cap="none" spc="0" normalizeH="0" baseline="0" noProof="0" dirty="0">
+              <a:ln>
+                <a:noFill/>
+              </a:ln>
+              <a:solidFill>
+                <a:prstClr val="black"/>
+              </a:solidFill>
+              <a:effectLst/>
+              <a:uLnTx/>
+              <a:uFillTx/>
+              <a:latin typeface="Times New Roman" panose="02020603050405020304" pitchFamily="18" charset="0"/>
+              <a:ea typeface="楷体" panose="02010609060101010101" pitchFamily="49" charset="-122"/>
+              <a:cs typeface="Times New Roman" panose="02020603050405020304" pitchFamily="18" charset="0"/>
+            </a:endParaRPr>
+          </a:p>
+        </p:txBody>
+      </p:sp>
+      <p:sp>
+        <p:nvSpPr>
+          <p:cNvPr id="1048651" name="灯片编号占位符 1"/>
+          <p:cNvSpPr>
+            <a:spLocks noGrp="1"/>
+          </p:cNvSpPr>
+          <p:nvPr>
+            <p:ph type="sldNum" sz="quarter" idx="12"/>
+          </p:nvPr>
+        </p:nvSpPr>
+        <p:spPr>
+          <a:xfrm>
+            <a:off x="10897838" y="6360926"/>
+            <a:ext cx="455961" cy="360551"/>
+          </a:xfrm>
+        </p:spPr>
+        <p:txBody>
+          <a:bodyPr/>
+          <a:lstStyle/>
+          <a:p>
+            <a:fld id="{F18858F7-4EE7-4CC5-B1EF-1154CF27D88D}" type="slidenum">
+              <a:rPr lang="zh-CN" altLang="en-US" smtClean="0">
+                <a:latin typeface="Times New Roman" panose="02020603050405020304" pitchFamily="18" charset="0"/>
+                <a:cs typeface="Times New Roman" panose="02020603050405020304" pitchFamily="18" charset="0"/>
+              </a:rPr>
+              <a:t>4</a:t>
+            </a:fld>
+            <a:endParaRPr lang="zh-CN" altLang="en-US" dirty="0">
+              <a:latin typeface="Times New Roman" panose="02020603050405020304" pitchFamily="18" charset="0"/>
+              <a:cs typeface="Times New Roman" panose="02020603050405020304" pitchFamily="18" charset="0"/>
+            </a:endParaRPr>
+          </a:p>
+        </p:txBody>
+      </p:sp>
+      <p:graphicFrame>
+        <p:nvGraphicFramePr>
+          <p:cNvPr id="4194304" name="对象 4">
+            <a:hlinkClick r:id="" action="ppaction://ole?verb=0"/>
+          </p:cNvPr>
           <p:cNvGraphicFramePr>
-            <a:graphicFrameLocks noGrp="1"/>
+            <a:graphicFrameLocks noChangeAspect="1"/>
           </p:cNvGraphicFramePr>
-          <p:nvPr>
-            <p:extLst>
-              <p:ext uri="{D42A27DB-BD31-4B8C-83A1-F6EECF244321}">
-                <p14:modId xmlns:p14="http://schemas.microsoft.com/office/powerpoint/2010/main" val="4088314570"/>
-              </p:ext>
-            </p:extLst>
-          </p:nvPr>
+          <p:nvPr/>
         </p:nvGraphicFramePr>
         <p:xfrm>
-          <a:off x="2276841" y="1569417"/>
-          <a:ext cx="6828692" cy="1642364"/>
+          <a:off x="5638800" y="3321050"/>
+          <a:ext cx="914400" cy="215900"/>
         </p:xfrm>
         <a:graphic>
-          <a:graphicData uri="http://schemas.openxmlformats.org/drawingml/2006/table">
-            <a:tbl>
-              <a:tblPr/>
-              <a:tblGrid>
-                <a:gridCol w="1707173">
-                  <a:extLst>
-                    <a:ext uri="{9D8B030D-6E8A-4147-A177-3AD203B41FA5}">
-                      <a16:colId xmlns:a16="http://schemas.microsoft.com/office/drawing/2014/main" val="1728241434"/>
-                    </a:ext>
-                  </a:extLst>
-                </a:gridCol>
-                <a:gridCol w="1707173">
-                  <a:extLst>
-                    <a:ext uri="{9D8B030D-6E8A-4147-A177-3AD203B41FA5}">
-                      <a16:colId xmlns:a16="http://schemas.microsoft.com/office/drawing/2014/main" val="3068825062"/>
-                    </a:ext>
-                  </a:extLst>
-                </a:gridCol>
-                <a:gridCol w="1707173">
-                  <a:extLst>
-                    <a:ext uri="{9D8B030D-6E8A-4147-A177-3AD203B41FA5}">
-                      <a16:colId xmlns:a16="http://schemas.microsoft.com/office/drawing/2014/main" val="308486780"/>
-                    </a:ext>
-                  </a:extLst>
-                </a:gridCol>
-                <a:gridCol w="1707173">
-                  <a:extLst>
-                    <a:ext uri="{9D8B030D-6E8A-4147-A177-3AD203B41FA5}">
-                      <a16:colId xmlns:a16="http://schemas.microsoft.com/office/drawing/2014/main" val="1276094583"/>
-                    </a:ext>
-                  </a:extLst>
-                </a:gridCol>
-              </a:tblGrid>
-              <a:tr h="410591">
-                <a:tc>
-                  <a:txBody>
-                    <a:bodyPr/>
-                    <a:lstStyle/>
-                    <a:p>
-                      <a:pPr algn="ctr"/>
-                      <a:r>
-                        <a:rPr lang="zh-CN" altLang="en-US" b="1" dirty="0">
-                          <a:solidFill>
-                            <a:srgbClr val="333333"/>
-                          </a:solidFill>
-                          <a:effectLst/>
-                        </a:rPr>
-                        <a:t>模型</a:t>
-                      </a:r>
-                    </a:p>
-                  </a:txBody>
-                  <a:tcPr anchor="ctr">
-                    <a:lnL w="4763" cap="flat" cmpd="sng" algn="ctr">
-                      <a:solidFill>
-                        <a:srgbClr val="DDDDDD"/>
-                      </a:solidFill>
-                      <a:prstDash val="solid"/>
-                      <a:round/>
-                      <a:headEnd type="none" w="med" len="med"/>
-                      <a:tailEnd type="none" w="med" len="med"/>
-                    </a:lnL>
-                    <a:lnR w="4763" cap="flat" cmpd="sng" algn="ctr">
-                      <a:solidFill>
-                        <a:srgbClr val="DDDDDD"/>
-                      </a:solidFill>
-                      <a:prstDash val="solid"/>
-                      <a:round/>
-                      <a:headEnd type="none" w="med" len="med"/>
-                      <a:tailEnd type="none" w="med" len="med"/>
-                    </a:lnR>
-                    <a:lnT w="4763" cap="flat" cmpd="sng" algn="ctr">
-                      <a:solidFill>
-                        <a:srgbClr val="DDDDDD"/>
-                      </a:solidFill>
-                      <a:prstDash val="solid"/>
-                      <a:round/>
-                      <a:headEnd type="none" w="med" len="med"/>
-                      <a:tailEnd type="none" w="med" len="med"/>
-                    </a:lnT>
-                    <a:lnB w="4763" cap="flat" cmpd="sng" algn="ctr">
-                      <a:solidFill>
-                        <a:srgbClr val="DDDDDD"/>
-                      </a:solidFill>
-                      <a:prstDash val="solid"/>
-                      <a:round/>
-                      <a:headEnd type="none" w="med" len="med"/>
-                      <a:tailEnd type="none" w="med" len="med"/>
-                    </a:lnB>
-                    <a:solidFill>
-                      <a:srgbClr val="E5E5E5"/>
-                    </a:solidFill>
-                  </a:tcPr>
-                </a:tc>
-                <a:tc>
-                  <a:txBody>
-                    <a:bodyPr/>
-                    <a:lstStyle/>
-                    <a:p>
-                      <a:pPr algn="ctr"/>
-                      <a:r>
-                        <a:rPr lang="zh-CN" altLang="en-US" b="1">
-                          <a:solidFill>
-                            <a:srgbClr val="333333"/>
-                          </a:solidFill>
-                          <a:effectLst/>
-                        </a:rPr>
-                        <a:t>验证集</a:t>
-                      </a:r>
-                      <a:r>
-                        <a:rPr lang="en-US" b="1">
-                          <a:solidFill>
-                            <a:srgbClr val="333333"/>
-                          </a:solidFill>
-                          <a:effectLst/>
-                        </a:rPr>
-                        <a:t>RMSE</a:t>
-                      </a:r>
-                    </a:p>
-                  </a:txBody>
-                  <a:tcPr anchor="ctr">
-                    <a:lnL w="4763" cap="flat" cmpd="sng" algn="ctr">
-                      <a:solidFill>
-                        <a:srgbClr val="DDDDDD"/>
-                      </a:solidFill>
-                      <a:prstDash val="solid"/>
-                      <a:round/>
-                      <a:headEnd type="none" w="med" len="med"/>
-                      <a:tailEnd type="none" w="med" len="med"/>
-                    </a:lnL>
-                    <a:lnR w="4763" cap="flat" cmpd="sng" algn="ctr">
-                      <a:solidFill>
-                        <a:srgbClr val="DDDDDD"/>
-                      </a:solidFill>
-                      <a:prstDash val="solid"/>
-                      <a:round/>
-                      <a:headEnd type="none" w="med" len="med"/>
-                      <a:tailEnd type="none" w="med" len="med"/>
-                    </a:lnR>
-                    <a:lnT w="4763" cap="flat" cmpd="sng" algn="ctr">
-                      <a:solidFill>
-                        <a:srgbClr val="DDDDDD"/>
-                      </a:solidFill>
-                      <a:prstDash val="solid"/>
-                      <a:round/>
-                      <a:headEnd type="none" w="med" len="med"/>
-                      <a:tailEnd type="none" w="med" len="med"/>
-                    </a:lnT>
-                    <a:lnB w="4763" cap="flat" cmpd="sng" algn="ctr">
-                      <a:solidFill>
-                        <a:srgbClr val="DDDDDD"/>
-                      </a:solidFill>
-                      <a:prstDash val="solid"/>
-                      <a:round/>
-                      <a:headEnd type="none" w="med" len="med"/>
-                      <a:tailEnd type="none" w="med" len="med"/>
-                    </a:lnB>
-                    <a:solidFill>
-                      <a:srgbClr val="E5E5E5"/>
-                    </a:solidFill>
-                  </a:tcPr>
-                </a:tc>
-                <a:tc>
-                  <a:txBody>
-                    <a:bodyPr/>
-                    <a:lstStyle/>
-                    <a:p>
-                      <a:pPr algn="ctr"/>
-                      <a:r>
-                        <a:rPr lang="zh-CN" altLang="en-US" b="1">
-                          <a:solidFill>
-                            <a:srgbClr val="333333"/>
-                          </a:solidFill>
-                          <a:effectLst/>
-                        </a:rPr>
-                        <a:t>验证集</a:t>
-                      </a:r>
-                      <a:r>
-                        <a:rPr lang="en-US" b="1">
-                          <a:solidFill>
-                            <a:srgbClr val="333333"/>
-                          </a:solidFill>
-                          <a:effectLst/>
-                        </a:rPr>
-                        <a:t>R²</a:t>
-                      </a:r>
-                    </a:p>
-                  </a:txBody>
-                  <a:tcPr anchor="ctr">
-                    <a:lnL w="4763" cap="flat" cmpd="sng" algn="ctr">
-                      <a:solidFill>
-                        <a:srgbClr val="DDDDDD"/>
-                      </a:solidFill>
-                      <a:prstDash val="solid"/>
-                      <a:round/>
-                      <a:headEnd type="none" w="med" len="med"/>
-                      <a:tailEnd type="none" w="med" len="med"/>
-                    </a:lnL>
-                    <a:lnR w="4763" cap="flat" cmpd="sng" algn="ctr">
-                      <a:solidFill>
-                        <a:srgbClr val="DDDDDD"/>
-                      </a:solidFill>
-                      <a:prstDash val="solid"/>
-                      <a:round/>
-                      <a:headEnd type="none" w="med" len="med"/>
-                      <a:tailEnd type="none" w="med" len="med"/>
-                    </a:lnR>
-                    <a:lnT w="4763" cap="flat" cmpd="sng" algn="ctr">
-                      <a:solidFill>
-                        <a:srgbClr val="DDDDDD"/>
-                      </a:solidFill>
-                      <a:prstDash val="solid"/>
-                      <a:round/>
-                      <a:headEnd type="none" w="med" len="med"/>
-                      <a:tailEnd type="none" w="med" len="med"/>
-                    </a:lnT>
-                    <a:lnB w="4763" cap="flat" cmpd="sng" algn="ctr">
-                      <a:solidFill>
-                        <a:srgbClr val="DDDDDD"/>
-                      </a:solidFill>
-                      <a:prstDash val="solid"/>
-                      <a:round/>
-                      <a:headEnd type="none" w="med" len="med"/>
-                      <a:tailEnd type="none" w="med" len="med"/>
-                    </a:lnB>
-                    <a:solidFill>
-                      <a:srgbClr val="E5E5E5"/>
-                    </a:solidFill>
-                  </a:tcPr>
-                </a:tc>
-                <a:tc>
-                  <a:txBody>
-                    <a:bodyPr/>
-                    <a:lstStyle/>
-                    <a:p>
-                      <a:pPr algn="ctr"/>
-                      <a:r>
-                        <a:rPr lang="zh-CN" altLang="en-US" b="1">
-                          <a:solidFill>
-                            <a:srgbClr val="333333"/>
-                          </a:solidFill>
-                          <a:effectLst/>
-                        </a:rPr>
-                        <a:t>交叉验证</a:t>
-                      </a:r>
-                      <a:r>
-                        <a:rPr lang="en-US" b="1">
-                          <a:solidFill>
-                            <a:srgbClr val="333333"/>
-                          </a:solidFill>
-                          <a:effectLst/>
-                        </a:rPr>
-                        <a:t>RMSE</a:t>
-                      </a:r>
-                    </a:p>
-                  </a:txBody>
-                  <a:tcPr anchor="ctr">
-                    <a:lnL w="4763" cap="flat" cmpd="sng" algn="ctr">
-                      <a:solidFill>
-                        <a:srgbClr val="DDDDDD"/>
-                      </a:solidFill>
-                      <a:prstDash val="solid"/>
-                      <a:round/>
-                      <a:headEnd type="none" w="med" len="med"/>
-                      <a:tailEnd type="none" w="med" len="med"/>
-                    </a:lnL>
-                    <a:lnR w="4763" cap="flat" cmpd="sng" algn="ctr">
-                      <a:solidFill>
-                        <a:srgbClr val="DDDDDD"/>
-                      </a:solidFill>
-                      <a:prstDash val="solid"/>
-                      <a:round/>
-                      <a:headEnd type="none" w="med" len="med"/>
-                      <a:tailEnd type="none" w="med" len="med"/>
-                    </a:lnR>
-                    <a:lnT w="4763" cap="flat" cmpd="sng" algn="ctr">
-                      <a:solidFill>
-                        <a:srgbClr val="DDDDDD"/>
-                      </a:solidFill>
-                      <a:prstDash val="solid"/>
-                      <a:round/>
-                      <a:headEnd type="none" w="med" len="med"/>
-                      <a:tailEnd type="none" w="med" len="med"/>
-                    </a:lnT>
-                    <a:lnB w="4763" cap="flat" cmpd="sng" algn="ctr">
-                      <a:solidFill>
-                        <a:srgbClr val="DDDDDD"/>
-                      </a:solidFill>
-                      <a:prstDash val="solid"/>
-                      <a:round/>
-                      <a:headEnd type="none" w="med" len="med"/>
-                      <a:tailEnd type="none" w="med" len="med"/>
-                    </a:lnB>
-                    <a:solidFill>
-                      <a:srgbClr val="E5E5E5"/>
-                    </a:solidFill>
-                  </a:tcPr>
-                </a:tc>
-                <a:extLst>
-                  <a:ext uri="{0D108BD9-81ED-4DB2-BD59-A6C34878D82A}">
-                    <a16:rowId xmlns:a16="http://schemas.microsoft.com/office/drawing/2014/main" val="3136095670"/>
-                  </a:ext>
-                </a:extLst>
-              </a:tr>
-              <a:tr h="410591">
-                <a:tc>
-                  <a:txBody>
-                    <a:bodyPr/>
-                    <a:lstStyle/>
-                    <a:p>
-                      <a:pPr algn="ctr"/>
-                      <a:r>
-                        <a:rPr lang="en-US">
-                          <a:effectLst/>
-                        </a:rPr>
-                        <a:t>LinearRegression</a:t>
-                      </a:r>
-                    </a:p>
-                  </a:txBody>
-                  <a:tcPr anchor="ctr">
-                    <a:lnL w="4763" cap="flat" cmpd="sng" algn="ctr">
-                      <a:solidFill>
-                        <a:srgbClr val="DDDDDD"/>
-                      </a:solidFill>
-                      <a:prstDash val="solid"/>
-                      <a:round/>
-                      <a:headEnd type="none" w="med" len="med"/>
-                      <a:tailEnd type="none" w="med" len="med"/>
-                    </a:lnL>
-                    <a:lnR w="4763" cap="flat" cmpd="sng" algn="ctr">
-                      <a:solidFill>
-                        <a:srgbClr val="DDDDDD"/>
-                      </a:solidFill>
-                      <a:prstDash val="solid"/>
-                      <a:round/>
-                      <a:headEnd type="none" w="med" len="med"/>
-                      <a:tailEnd type="none" w="med" len="med"/>
-                    </a:lnR>
-                    <a:lnT w="4763" cap="flat" cmpd="sng" algn="ctr">
-                      <a:solidFill>
-                        <a:srgbClr val="DDDDDD"/>
-                      </a:solidFill>
-                      <a:prstDash val="solid"/>
-                      <a:round/>
-                      <a:headEnd type="none" w="med" len="med"/>
-                      <a:tailEnd type="none" w="med" len="med"/>
-                    </a:lnT>
-                    <a:lnB w="4763" cap="flat" cmpd="sng" algn="ctr">
-                      <a:solidFill>
-                        <a:srgbClr val="DDDDDD"/>
-                      </a:solidFill>
-                      <a:prstDash val="solid"/>
-                      <a:round/>
-                      <a:headEnd type="none" w="med" len="med"/>
-                      <a:tailEnd type="none" w="med" len="med"/>
-                    </a:lnB>
-                    <a:solidFill>
-                      <a:srgbClr val="F8F8F8"/>
-                    </a:solidFill>
-                  </a:tcPr>
-                </a:tc>
-                <a:tc>
-                  <a:txBody>
-                    <a:bodyPr/>
-                    <a:lstStyle/>
-                    <a:p>
-                      <a:pPr algn="ctr"/>
-                      <a:r>
-                        <a:rPr lang="en-US">
-                          <a:effectLst/>
-                        </a:rPr>
-                        <a:t>6.44e⁷ (</a:t>
-                      </a:r>
-                      <a:r>
-                        <a:rPr lang="zh-CN" altLang="en-US">
-                          <a:effectLst/>
-                        </a:rPr>
-                        <a:t>失效</a:t>
-                      </a:r>
-                      <a:r>
-                        <a:rPr lang="en-US" altLang="zh-CN">
-                          <a:effectLst/>
-                        </a:rPr>
-                        <a:t>)</a:t>
-                      </a:r>
-                    </a:p>
-                  </a:txBody>
-                  <a:tcPr anchor="ctr">
-                    <a:lnL w="4763" cap="flat" cmpd="sng" algn="ctr">
-                      <a:solidFill>
-                        <a:srgbClr val="DDDDDD"/>
-                      </a:solidFill>
-                      <a:prstDash val="solid"/>
-                      <a:round/>
-                      <a:headEnd type="none" w="med" len="med"/>
-                      <a:tailEnd type="none" w="med" len="med"/>
-                    </a:lnL>
-                    <a:lnR w="4763" cap="flat" cmpd="sng" algn="ctr">
-                      <a:solidFill>
-                        <a:srgbClr val="DDDDDD"/>
-                      </a:solidFill>
-                      <a:prstDash val="solid"/>
-                      <a:round/>
-                      <a:headEnd type="none" w="med" len="med"/>
-                      <a:tailEnd type="none" w="med" len="med"/>
-                    </a:lnR>
-                    <a:lnT w="4763" cap="flat" cmpd="sng" algn="ctr">
-                      <a:solidFill>
-                        <a:srgbClr val="DDDDDD"/>
-                      </a:solidFill>
-                      <a:prstDash val="solid"/>
-                      <a:round/>
-                      <a:headEnd type="none" w="med" len="med"/>
-                      <a:tailEnd type="none" w="med" len="med"/>
-                    </a:lnT>
-                    <a:lnB w="4763" cap="flat" cmpd="sng" algn="ctr">
-                      <a:solidFill>
-                        <a:srgbClr val="DDDDDD"/>
-                      </a:solidFill>
-                      <a:prstDash val="solid"/>
-                      <a:round/>
-                      <a:headEnd type="none" w="med" len="med"/>
-                      <a:tailEnd type="none" w="med" len="med"/>
-                    </a:lnB>
-                    <a:solidFill>
-                      <a:srgbClr val="F8F8F8"/>
-                    </a:solidFill>
-                  </a:tcPr>
-                </a:tc>
-                <a:tc>
-                  <a:txBody>
-                    <a:bodyPr/>
-                    <a:lstStyle/>
-                    <a:p>
-                      <a:pPr algn="ctr"/>
-                      <a:r>
-                        <a:rPr lang="en-US">
-                          <a:effectLst/>
-                        </a:rPr>
-                        <a:t>-5.22e¹⁵</a:t>
-                      </a:r>
-                    </a:p>
-                  </a:txBody>
-                  <a:tcPr anchor="ctr">
-                    <a:lnL w="4763" cap="flat" cmpd="sng" algn="ctr">
-                      <a:solidFill>
-                        <a:srgbClr val="DDDDDD"/>
-                      </a:solidFill>
-                      <a:prstDash val="solid"/>
-                      <a:round/>
-                      <a:headEnd type="none" w="med" len="med"/>
-                      <a:tailEnd type="none" w="med" len="med"/>
-                    </a:lnL>
-                    <a:lnR w="4763" cap="flat" cmpd="sng" algn="ctr">
-                      <a:solidFill>
-                        <a:srgbClr val="DDDDDD"/>
-                      </a:solidFill>
-                      <a:prstDash val="solid"/>
-                      <a:round/>
-                      <a:headEnd type="none" w="med" len="med"/>
-                      <a:tailEnd type="none" w="med" len="med"/>
-                    </a:lnR>
-                    <a:lnT w="4763" cap="flat" cmpd="sng" algn="ctr">
-                      <a:solidFill>
-                        <a:srgbClr val="DDDDDD"/>
-                      </a:solidFill>
-                      <a:prstDash val="solid"/>
-                      <a:round/>
-                      <a:headEnd type="none" w="med" len="med"/>
-                      <a:tailEnd type="none" w="med" len="med"/>
-                    </a:lnT>
-                    <a:lnB w="4763" cap="flat" cmpd="sng" algn="ctr">
-                      <a:solidFill>
-                        <a:srgbClr val="DDDDDD"/>
-                      </a:solidFill>
-                      <a:prstDash val="solid"/>
-                      <a:round/>
-                      <a:headEnd type="none" w="med" len="med"/>
-                      <a:tailEnd type="none" w="med" len="med"/>
-                    </a:lnB>
-                    <a:solidFill>
-                      <a:srgbClr val="F8F8F8"/>
-                    </a:solidFill>
-                  </a:tcPr>
-                </a:tc>
-                <a:tc>
-                  <a:txBody>
-                    <a:bodyPr/>
-                    <a:lstStyle/>
-                    <a:p>
-                      <a:pPr algn="ctr"/>
-                      <a:r>
-                        <a:rPr lang="en-US">
-                          <a:effectLst/>
-                        </a:rPr>
-                        <a:t>1.75e¹¹</a:t>
-                      </a:r>
-                    </a:p>
-                  </a:txBody>
-                  <a:tcPr anchor="ctr">
-                    <a:lnL w="4763" cap="flat" cmpd="sng" algn="ctr">
-                      <a:solidFill>
-                        <a:srgbClr val="DDDDDD"/>
-                      </a:solidFill>
-                      <a:prstDash val="solid"/>
-                      <a:round/>
-                      <a:headEnd type="none" w="med" len="med"/>
-                      <a:tailEnd type="none" w="med" len="med"/>
-                    </a:lnL>
-                    <a:lnR w="4763" cap="flat" cmpd="sng" algn="ctr">
-                      <a:solidFill>
-                        <a:srgbClr val="DDDDDD"/>
-                      </a:solidFill>
-                      <a:prstDash val="solid"/>
-                      <a:round/>
-                      <a:headEnd type="none" w="med" len="med"/>
-                      <a:tailEnd type="none" w="med" len="med"/>
-                    </a:lnR>
-                    <a:lnT w="4763" cap="flat" cmpd="sng" algn="ctr">
-                      <a:solidFill>
-                        <a:srgbClr val="DDDDDD"/>
-                      </a:solidFill>
-                      <a:prstDash val="solid"/>
-                      <a:round/>
-                      <a:headEnd type="none" w="med" len="med"/>
-                      <a:tailEnd type="none" w="med" len="med"/>
-                    </a:lnT>
-                    <a:lnB w="4763" cap="flat" cmpd="sng" algn="ctr">
-                      <a:solidFill>
-                        <a:srgbClr val="DDDDDD"/>
-                      </a:solidFill>
-                      <a:prstDash val="solid"/>
-                      <a:round/>
-                      <a:headEnd type="none" w="med" len="med"/>
-                      <a:tailEnd type="none" w="med" len="med"/>
-                    </a:lnB>
-                    <a:solidFill>
-                      <a:srgbClr val="F8F8F8"/>
-                    </a:solidFill>
-                  </a:tcPr>
-                </a:tc>
-                <a:extLst>
-                  <a:ext uri="{0D108BD9-81ED-4DB2-BD59-A6C34878D82A}">
-                    <a16:rowId xmlns:a16="http://schemas.microsoft.com/office/drawing/2014/main" val="3976718614"/>
-                  </a:ext>
-                </a:extLst>
-              </a:tr>
-              <a:tr h="410591">
-                <a:tc>
-                  <a:txBody>
-                    <a:bodyPr/>
-                    <a:lstStyle/>
-                    <a:p>
-                      <a:pPr algn="ctr"/>
-                      <a:r>
-                        <a:rPr lang="en-US" b="1">
-                          <a:effectLst/>
-                        </a:rPr>
-                        <a:t>Ridge</a:t>
-                      </a:r>
-                      <a:endParaRPr lang="en-US">
-                        <a:effectLst/>
-                      </a:endParaRPr>
-                    </a:p>
-                  </a:txBody>
-                  <a:tcPr anchor="ctr">
-                    <a:lnL w="4763" cap="flat" cmpd="sng" algn="ctr">
-                      <a:solidFill>
-                        <a:srgbClr val="DDDDDD"/>
-                      </a:solidFill>
-                      <a:prstDash val="solid"/>
-                      <a:round/>
-                      <a:headEnd type="none" w="med" len="med"/>
-                      <a:tailEnd type="none" w="med" len="med"/>
-                    </a:lnL>
-                    <a:lnR w="4763" cap="flat" cmpd="sng" algn="ctr">
-                      <a:solidFill>
-                        <a:srgbClr val="DDDDDD"/>
-                      </a:solidFill>
-                      <a:prstDash val="solid"/>
-                      <a:round/>
-                      <a:headEnd type="none" w="med" len="med"/>
-                      <a:tailEnd type="none" w="med" len="med"/>
-                    </a:lnR>
-                    <a:lnT w="4763" cap="flat" cmpd="sng" algn="ctr">
-                      <a:solidFill>
-                        <a:srgbClr val="DDDDDD"/>
-                      </a:solidFill>
-                      <a:prstDash val="solid"/>
-                      <a:round/>
-                      <a:headEnd type="none" w="med" len="med"/>
-                      <a:tailEnd type="none" w="med" len="med"/>
-                    </a:lnT>
-                    <a:lnB w="4763" cap="flat" cmpd="sng" algn="ctr">
-                      <a:solidFill>
-                        <a:srgbClr val="DDDDDD"/>
-                      </a:solidFill>
-                      <a:prstDash val="solid"/>
-                      <a:round/>
-                      <a:headEnd type="none" w="med" len="med"/>
-                      <a:tailEnd type="none" w="med" len="med"/>
-                    </a:lnB>
-                    <a:solidFill>
-                      <a:srgbClr val="F2F2F2"/>
-                    </a:solidFill>
-                  </a:tcPr>
-                </a:tc>
-                <a:tc>
-                  <a:txBody>
-                    <a:bodyPr/>
-                    <a:lstStyle/>
-                    <a:p>
-                      <a:pPr algn="ctr"/>
-                      <a:r>
-                        <a:rPr lang="en-US" altLang="zh-CN" b="1">
-                          <a:effectLst/>
-                        </a:rPr>
-                        <a:t>0.5186</a:t>
-                      </a:r>
-                      <a:endParaRPr lang="zh-CN" altLang="en-US">
-                        <a:effectLst/>
-                      </a:endParaRPr>
-                    </a:p>
-                  </a:txBody>
-                  <a:tcPr anchor="ctr">
-                    <a:lnL w="4763" cap="flat" cmpd="sng" algn="ctr">
-                      <a:solidFill>
-                        <a:srgbClr val="DDDDDD"/>
-                      </a:solidFill>
-                      <a:prstDash val="solid"/>
-                      <a:round/>
-                      <a:headEnd type="none" w="med" len="med"/>
-                      <a:tailEnd type="none" w="med" len="med"/>
-                    </a:lnL>
-                    <a:lnR w="4763" cap="flat" cmpd="sng" algn="ctr">
-                      <a:solidFill>
-                        <a:srgbClr val="DDDDDD"/>
-                      </a:solidFill>
-                      <a:prstDash val="solid"/>
-                      <a:round/>
-                      <a:headEnd type="none" w="med" len="med"/>
-                      <a:tailEnd type="none" w="med" len="med"/>
-                    </a:lnR>
-                    <a:lnT w="4763" cap="flat" cmpd="sng" algn="ctr">
-                      <a:solidFill>
-                        <a:srgbClr val="DDDDDD"/>
-                      </a:solidFill>
-                      <a:prstDash val="solid"/>
-                      <a:round/>
-                      <a:headEnd type="none" w="med" len="med"/>
-                      <a:tailEnd type="none" w="med" len="med"/>
-                    </a:lnT>
-                    <a:lnB w="4763" cap="flat" cmpd="sng" algn="ctr">
-                      <a:solidFill>
-                        <a:srgbClr val="DDDDDD"/>
-                      </a:solidFill>
-                      <a:prstDash val="solid"/>
-                      <a:round/>
-                      <a:headEnd type="none" w="med" len="med"/>
-                      <a:tailEnd type="none" w="med" len="med"/>
-                    </a:lnB>
-                    <a:solidFill>
-                      <a:srgbClr val="F2F2F2"/>
-                    </a:solidFill>
-                  </a:tcPr>
-                </a:tc>
-                <a:tc>
-                  <a:txBody>
-                    <a:bodyPr/>
-                    <a:lstStyle/>
-                    <a:p>
-                      <a:pPr algn="ctr"/>
-                      <a:r>
-                        <a:rPr lang="en-US" altLang="zh-CN" b="1">
-                          <a:effectLst/>
-                        </a:rPr>
-                        <a:t>0.6611</a:t>
-                      </a:r>
-                      <a:endParaRPr lang="zh-CN" altLang="en-US">
-                        <a:effectLst/>
-                      </a:endParaRPr>
-                    </a:p>
-                  </a:txBody>
-                  <a:tcPr anchor="ctr">
-                    <a:lnL w="4763" cap="flat" cmpd="sng" algn="ctr">
-                      <a:solidFill>
-                        <a:srgbClr val="DDDDDD"/>
-                      </a:solidFill>
-                      <a:prstDash val="solid"/>
-                      <a:round/>
-                      <a:headEnd type="none" w="med" len="med"/>
-                      <a:tailEnd type="none" w="med" len="med"/>
-                    </a:lnL>
-                    <a:lnR w="4763" cap="flat" cmpd="sng" algn="ctr">
-                      <a:solidFill>
-                        <a:srgbClr val="DDDDDD"/>
-                      </a:solidFill>
-                      <a:prstDash val="solid"/>
-                      <a:round/>
-                      <a:headEnd type="none" w="med" len="med"/>
-                      <a:tailEnd type="none" w="med" len="med"/>
-                    </a:lnR>
-                    <a:lnT w="4763" cap="flat" cmpd="sng" algn="ctr">
-                      <a:solidFill>
-                        <a:srgbClr val="DDDDDD"/>
-                      </a:solidFill>
-                      <a:prstDash val="solid"/>
-                      <a:round/>
-                      <a:headEnd type="none" w="med" len="med"/>
-                      <a:tailEnd type="none" w="med" len="med"/>
-                    </a:lnT>
-                    <a:lnB w="4763" cap="flat" cmpd="sng" algn="ctr">
-                      <a:solidFill>
-                        <a:srgbClr val="DDDDDD"/>
-                      </a:solidFill>
-                      <a:prstDash val="solid"/>
-                      <a:round/>
-                      <a:headEnd type="none" w="med" len="med"/>
-                      <a:tailEnd type="none" w="med" len="med"/>
-                    </a:lnB>
-                    <a:solidFill>
-                      <a:srgbClr val="F2F2F2"/>
-                    </a:solidFill>
-                  </a:tcPr>
-                </a:tc>
-                <a:tc>
-                  <a:txBody>
-                    <a:bodyPr/>
-                    <a:lstStyle/>
-                    <a:p>
-                      <a:pPr algn="ctr"/>
-                      <a:r>
-                        <a:rPr lang="en-US" altLang="zh-CN">
-                          <a:effectLst/>
-                        </a:rPr>
-                        <a:t>1.4250</a:t>
-                      </a:r>
-                    </a:p>
-                  </a:txBody>
-                  <a:tcPr anchor="ctr">
-                    <a:lnL w="4763" cap="flat" cmpd="sng" algn="ctr">
-                      <a:solidFill>
-                        <a:srgbClr val="DDDDDD"/>
-                      </a:solidFill>
-                      <a:prstDash val="solid"/>
-                      <a:round/>
-                      <a:headEnd type="none" w="med" len="med"/>
-                      <a:tailEnd type="none" w="med" len="med"/>
-                    </a:lnL>
-                    <a:lnR w="4763" cap="flat" cmpd="sng" algn="ctr">
-                      <a:solidFill>
-                        <a:srgbClr val="DDDDDD"/>
-                      </a:solidFill>
-                      <a:prstDash val="solid"/>
-                      <a:round/>
-                      <a:headEnd type="none" w="med" len="med"/>
-                      <a:tailEnd type="none" w="med" len="med"/>
-                    </a:lnR>
-                    <a:lnT w="4763" cap="flat" cmpd="sng" algn="ctr">
-                      <a:solidFill>
-                        <a:srgbClr val="DDDDDD"/>
-                      </a:solidFill>
-                      <a:prstDash val="solid"/>
-                      <a:round/>
-                      <a:headEnd type="none" w="med" len="med"/>
-                      <a:tailEnd type="none" w="med" len="med"/>
-                    </a:lnT>
-                    <a:lnB w="4763" cap="flat" cmpd="sng" algn="ctr">
-                      <a:solidFill>
-                        <a:srgbClr val="DDDDDD"/>
-                      </a:solidFill>
-                      <a:prstDash val="solid"/>
-                      <a:round/>
-                      <a:headEnd type="none" w="med" len="med"/>
-                      <a:tailEnd type="none" w="med" len="med"/>
-                    </a:lnB>
-                    <a:solidFill>
-                      <a:srgbClr val="F2F2F2"/>
-                    </a:solidFill>
-                  </a:tcPr>
-                </a:tc>
-                <a:extLst>
-                  <a:ext uri="{0D108BD9-81ED-4DB2-BD59-A6C34878D82A}">
-                    <a16:rowId xmlns:a16="http://schemas.microsoft.com/office/drawing/2014/main" val="3014873824"/>
-                  </a:ext>
-                </a:extLst>
-              </a:tr>
-              <a:tr h="410591">
-                <a:tc>
-                  <a:txBody>
-                    <a:bodyPr/>
-                    <a:lstStyle/>
-                    <a:p>
-                      <a:pPr algn="ctr"/>
-                      <a:r>
-                        <a:rPr lang="en-US">
-                          <a:effectLst/>
-                        </a:rPr>
-                        <a:t>Lasso</a:t>
-                      </a:r>
-                    </a:p>
-                  </a:txBody>
-                  <a:tcPr anchor="ctr">
-                    <a:lnL w="4763" cap="flat" cmpd="sng" algn="ctr">
-                      <a:solidFill>
-                        <a:srgbClr val="DDDDDD"/>
-                      </a:solidFill>
-                      <a:prstDash val="solid"/>
-                      <a:round/>
-                      <a:headEnd type="none" w="med" len="med"/>
-                      <a:tailEnd type="none" w="med" len="med"/>
-                    </a:lnL>
-                    <a:lnR w="4763" cap="flat" cmpd="sng" algn="ctr">
-                      <a:solidFill>
-                        <a:srgbClr val="DDDDDD"/>
-                      </a:solidFill>
-                      <a:prstDash val="solid"/>
-                      <a:round/>
-                      <a:headEnd type="none" w="med" len="med"/>
-                      <a:tailEnd type="none" w="med" len="med"/>
-                    </a:lnR>
-                    <a:lnT w="4763" cap="flat" cmpd="sng" algn="ctr">
-                      <a:solidFill>
-                        <a:srgbClr val="DDDDDD"/>
-                      </a:solidFill>
-                      <a:prstDash val="solid"/>
-                      <a:round/>
-                      <a:headEnd type="none" w="med" len="med"/>
-                      <a:tailEnd type="none" w="med" len="med"/>
-                    </a:lnT>
-                    <a:lnB w="4763" cap="flat" cmpd="sng" algn="ctr">
-                      <a:solidFill>
-                        <a:srgbClr val="DDDDDD"/>
-                      </a:solidFill>
-                      <a:prstDash val="solid"/>
-                      <a:round/>
-                      <a:headEnd type="none" w="med" len="med"/>
-                      <a:tailEnd type="none" w="med" len="med"/>
-                    </a:lnB>
-                    <a:solidFill>
-                      <a:srgbClr val="F8F8F8"/>
-                    </a:solidFill>
-                  </a:tcPr>
-                </a:tc>
-                <a:tc>
-                  <a:txBody>
-                    <a:bodyPr/>
-                    <a:lstStyle/>
-                    <a:p>
-                      <a:pPr algn="ctr"/>
-                      <a:r>
-                        <a:rPr lang="en-US" altLang="zh-CN">
-                          <a:effectLst/>
-                        </a:rPr>
-                        <a:t>0.7881</a:t>
-                      </a:r>
-                    </a:p>
-                  </a:txBody>
-                  <a:tcPr anchor="ctr">
-                    <a:lnL w="4763" cap="flat" cmpd="sng" algn="ctr">
-                      <a:solidFill>
-                        <a:srgbClr val="DDDDDD"/>
-                      </a:solidFill>
-                      <a:prstDash val="solid"/>
-                      <a:round/>
-                      <a:headEnd type="none" w="med" len="med"/>
-                      <a:tailEnd type="none" w="med" len="med"/>
-                    </a:lnL>
-                    <a:lnR w="4763" cap="flat" cmpd="sng" algn="ctr">
-                      <a:solidFill>
-                        <a:srgbClr val="DDDDDD"/>
-                      </a:solidFill>
-                      <a:prstDash val="solid"/>
-                      <a:round/>
-                      <a:headEnd type="none" w="med" len="med"/>
-                      <a:tailEnd type="none" w="med" len="med"/>
-                    </a:lnR>
-                    <a:lnT w="4763" cap="flat" cmpd="sng" algn="ctr">
-                      <a:solidFill>
-                        <a:srgbClr val="DDDDDD"/>
-                      </a:solidFill>
-                      <a:prstDash val="solid"/>
-                      <a:round/>
-                      <a:headEnd type="none" w="med" len="med"/>
-                      <a:tailEnd type="none" w="med" len="med"/>
-                    </a:lnT>
-                    <a:lnB w="4763" cap="flat" cmpd="sng" algn="ctr">
-                      <a:solidFill>
-                        <a:srgbClr val="DDDDDD"/>
-                      </a:solidFill>
-                      <a:prstDash val="solid"/>
-                      <a:round/>
-                      <a:headEnd type="none" w="med" len="med"/>
-                      <a:tailEnd type="none" w="med" len="med"/>
-                    </a:lnB>
-                    <a:solidFill>
-                      <a:srgbClr val="F8F8F8"/>
-                    </a:solidFill>
-                  </a:tcPr>
-                </a:tc>
-                <a:tc>
-                  <a:txBody>
-                    <a:bodyPr/>
-                    <a:lstStyle/>
-                    <a:p>
-                      <a:pPr algn="ctr"/>
-                      <a:r>
-                        <a:rPr lang="en-US" altLang="zh-CN">
-                          <a:effectLst/>
-                        </a:rPr>
-                        <a:t>0.2176</a:t>
-                      </a:r>
-                    </a:p>
-                  </a:txBody>
-                  <a:tcPr anchor="ctr">
-                    <a:lnL w="4763" cap="flat" cmpd="sng" algn="ctr">
-                      <a:solidFill>
-                        <a:srgbClr val="DDDDDD"/>
-                      </a:solidFill>
-                      <a:prstDash val="solid"/>
-                      <a:round/>
-                      <a:headEnd type="none" w="med" len="med"/>
-                      <a:tailEnd type="none" w="med" len="med"/>
-                    </a:lnL>
-                    <a:lnR w="4763" cap="flat" cmpd="sng" algn="ctr">
-                      <a:solidFill>
-                        <a:srgbClr val="DDDDDD"/>
-                      </a:solidFill>
-                      <a:prstDash val="solid"/>
-                      <a:round/>
-                      <a:headEnd type="none" w="med" len="med"/>
-                      <a:tailEnd type="none" w="med" len="med"/>
-                    </a:lnR>
-                    <a:lnT w="4763" cap="flat" cmpd="sng" algn="ctr">
-                      <a:solidFill>
-                        <a:srgbClr val="DDDDDD"/>
-                      </a:solidFill>
-                      <a:prstDash val="solid"/>
-                      <a:round/>
-                      <a:headEnd type="none" w="med" len="med"/>
-                      <a:tailEnd type="none" w="med" len="med"/>
-                    </a:lnT>
-                    <a:lnB w="4763" cap="flat" cmpd="sng" algn="ctr">
-                      <a:solidFill>
-                        <a:srgbClr val="DDDDDD"/>
-                      </a:solidFill>
-                      <a:prstDash val="solid"/>
-                      <a:round/>
-                      <a:headEnd type="none" w="med" len="med"/>
-                      <a:tailEnd type="none" w="med" len="med"/>
-                    </a:lnB>
-                    <a:solidFill>
-                      <a:srgbClr val="F8F8F8"/>
-                    </a:solidFill>
-                  </a:tcPr>
-                </a:tc>
-                <a:tc>
-                  <a:txBody>
-                    <a:bodyPr/>
-                    <a:lstStyle/>
-                    <a:p>
-                      <a:pPr algn="ctr"/>
-                      <a:r>
-                        <a:rPr lang="en-US" altLang="zh-CN" dirty="0">
-                          <a:effectLst/>
-                        </a:rPr>
-                        <a:t>1.1709</a:t>
-                      </a:r>
-                    </a:p>
-                  </a:txBody>
-                  <a:tcPr anchor="ctr">
-                    <a:lnL w="4763" cap="flat" cmpd="sng" algn="ctr">
-                      <a:solidFill>
-                        <a:srgbClr val="DDDDDD"/>
-                      </a:solidFill>
-                      <a:prstDash val="solid"/>
-                      <a:round/>
-                      <a:headEnd type="none" w="med" len="med"/>
-                      <a:tailEnd type="none" w="med" len="med"/>
-                    </a:lnL>
-                    <a:lnR w="4763" cap="flat" cmpd="sng" algn="ctr">
-                      <a:solidFill>
-                        <a:srgbClr val="DDDDDD"/>
-                      </a:solidFill>
-                      <a:prstDash val="solid"/>
-                      <a:round/>
-                      <a:headEnd type="none" w="med" len="med"/>
-                      <a:tailEnd type="none" w="med" len="med"/>
-                    </a:lnR>
-                    <a:lnT w="4763" cap="flat" cmpd="sng" algn="ctr">
-                      <a:solidFill>
-                        <a:srgbClr val="DDDDDD"/>
-                      </a:solidFill>
-                      <a:prstDash val="solid"/>
-                      <a:round/>
-                      <a:headEnd type="none" w="med" len="med"/>
-                      <a:tailEnd type="none" w="med" len="med"/>
-                    </a:lnT>
-                    <a:lnB w="4763" cap="flat" cmpd="sng" algn="ctr">
-                      <a:solidFill>
-                        <a:srgbClr val="DDDDDD"/>
-                      </a:solidFill>
-                      <a:prstDash val="solid"/>
-                      <a:round/>
-                      <a:headEnd type="none" w="med" len="med"/>
-                      <a:tailEnd type="none" w="med" len="med"/>
-                    </a:lnB>
-                    <a:solidFill>
-                      <a:srgbClr val="F8F8F8"/>
-                    </a:solidFill>
-                  </a:tcPr>
-                </a:tc>
-                <a:extLst>
-                  <a:ext uri="{0D108BD9-81ED-4DB2-BD59-A6C34878D82A}">
-                    <a16:rowId xmlns:a16="http://schemas.microsoft.com/office/drawing/2014/main" val="3075359007"/>
-                  </a:ext>
-                </a:extLst>
-              </a:tr>
-            </a:tbl>
+          <a:graphicData uri="http://schemas.openxmlformats.org/presentationml/2006/ole">
+            <mc:AlternateContent xmlns:mc="http://schemas.openxmlformats.org/markup-compatibility/2006">
+              <mc:Choice xmlns:v="urn:schemas-microsoft-com:vml" Requires="v">
+                <p:oleObj r:id="rId2" imgW="914400" imgH="215900" progId="Equation.KSEE3">
+                  <p:embed/>
+                </p:oleObj>
+              </mc:Choice>
+              <mc:Fallback>
+                <p:oleObj r:id="rId2" imgW="914400" imgH="215900" progId="Equation.KSEE3">
+                  <p:embed/>
+                  <p:pic>
+                    <p:nvPicPr>
+                      <p:cNvPr id="4194304" name="对象 4">
+                        <a:hlinkClick r:id="" action="ppaction://ole?verb=0"/>
+                      </p:cNvPr>
+                      <p:cNvPicPr>
+                        <a:picLocks/>
+                      </p:cNvPicPr>
+                      <p:nvPr/>
+                    </p:nvPicPr>
+                    <p:blipFill>
+                      <a:blip r:embed="rId3"/>
+                      <a:stretch>
+                        <a:fillRect/>
+                      </a:stretch>
+                    </p:blipFill>
+                    <p:spPr>
+                      <a:xfrm>
+                        <a:off x="5638800" y="3321050"/>
+                        <a:ext cx="914400" cy="215900"/>
+                      </a:xfrm>
+                      <a:prstGeom prst="rect">
+                        <a:avLst/>
+                      </a:prstGeom>
+                    </p:spPr>
+                  </p:pic>
+                </p:oleObj>
+              </mc:Fallback>
+            </mc:AlternateContent>
           </a:graphicData>
         </a:graphic>
       </p:graphicFrame>
-      <p:sp>
-        <p:nvSpPr>
-          <p:cNvPr id="3" name="Rectangle 1">
+      <p:graphicFrame>
+        <p:nvGraphicFramePr>
+          <p:cNvPr id="4194305" name="对象 6">
+            <a:hlinkClick r:id="" action="ppaction://ole?verb=0"/>
+          </p:cNvPr>
+          <p:cNvGraphicFramePr>
+            <a:graphicFrameLocks noChangeAspect="1"/>
+          </p:cNvGraphicFramePr>
+          <p:nvPr/>
+        </p:nvGraphicFramePr>
+        <p:xfrm>
+          <a:off x="5638800" y="3321050"/>
+          <a:ext cx="914400" cy="215900"/>
+        </p:xfrm>
+        <a:graphic>
+          <a:graphicData uri="http://schemas.openxmlformats.org/presentationml/2006/ole">
+            <mc:AlternateContent xmlns:mc="http://schemas.openxmlformats.org/markup-compatibility/2006">
+              <mc:Choice xmlns:v="urn:schemas-microsoft-com:vml" Requires="v">
+                <p:oleObj r:id="rId4" imgW="914400" imgH="215900" progId="Equation.KSEE3">
+                  <p:embed/>
+                </p:oleObj>
+              </mc:Choice>
+              <mc:Fallback>
+                <p:oleObj r:id="rId4" imgW="914400" imgH="215900" progId="Equation.KSEE3">
+                  <p:embed/>
+                  <p:pic>
+                    <p:nvPicPr>
+                      <p:cNvPr id="4194305" name="对象 6">
+                        <a:hlinkClick r:id="" action="ppaction://ole?verb=0"/>
+                      </p:cNvPr>
+                      <p:cNvPicPr>
+                        <a:picLocks/>
+                      </p:cNvPicPr>
+                      <p:nvPr/>
+                    </p:nvPicPr>
+                    <p:blipFill>
+                      <a:blip r:embed="rId3"/>
+                      <a:stretch>
+                        <a:fillRect/>
+                      </a:stretch>
+                    </p:blipFill>
+                    <p:spPr>
+                      <a:xfrm>
+                        <a:off x="5638800" y="3321050"/>
+                        <a:ext cx="914400" cy="215900"/>
+                      </a:xfrm>
+                      <a:prstGeom prst="rect">
+                        <a:avLst/>
+                      </a:prstGeom>
+                    </p:spPr>
+                  </p:pic>
+                </p:oleObj>
+              </mc:Fallback>
+            </mc:AlternateContent>
+          </a:graphicData>
+        </a:graphic>
+      </p:graphicFrame>
+      <p:sp>
+        <p:nvSpPr>
+          <p:cNvPr id="1048653" name="标题 4"/>
+          <p:cNvSpPr>
+            <a:spLocks noGrp="1"/>
+          </p:cNvSpPr>
+          <p:nvPr>
+            <p:ph type="title"/>
+          </p:nvPr>
+        </p:nvSpPr>
+        <p:spPr>
+          <a:xfrm>
+            <a:off x="524044" y="351297"/>
+            <a:ext cx="10515600" cy="365126"/>
+          </a:xfrm>
+        </p:spPr>
+        <p:txBody>
+          <a:bodyPr>
+            <a:noAutofit/>
+          </a:bodyPr>
+          <a:lstStyle/>
+          <a:p>
+            <a:r>
+              <a:rPr lang="zh-CN" altLang="en-US" sz="2300" dirty="0">
+                <a:solidFill>
+                  <a:srgbClr val="A22628"/>
+                </a:solidFill>
+                <a:latin typeface="Times New Roman" panose="02020603050405020304" pitchFamily="18" charset="0"/>
+                <a:cs typeface="Times New Roman" panose="02020603050405020304" pitchFamily="18" charset="0"/>
+              </a:rPr>
+              <a:t>模型评估</a:t>
+            </a:r>
+          </a:p>
+        </p:txBody>
+      </p:sp>
+      <p:pic>
+        <p:nvPicPr>
+          <p:cNvPr id="2" name="图片 1">
             <a:extLst>
               <a:ext uri="{FF2B5EF4-FFF2-40B4-BE49-F238E27FC236}">
-                <a16:creationId xmlns:a16="http://schemas.microsoft.com/office/drawing/2014/main" id="{2B0AAF76-7633-BC4A-E755-DD1C3CE276C5}"/>
+                <a16:creationId xmlns:a16="http://schemas.microsoft.com/office/drawing/2014/main" id="{8B44A8AB-A5D8-7DAF-08D2-D32CEB1D1081}"/>
+              </a:ext>
+            </a:extLst>
+          </p:cNvPr>
+          <p:cNvPicPr>
+            <a:picLocks noChangeAspect="1"/>
+          </p:cNvPicPr>
+          <p:nvPr/>
+        </p:nvPicPr>
+        <p:blipFill>
+          <a:blip r:embed="rId5"/>
+          <a:stretch>
+            <a:fillRect/>
+          </a:stretch>
+        </p:blipFill>
+        <p:spPr>
+          <a:xfrm>
+            <a:off x="766879" y="1162599"/>
+            <a:ext cx="9914519" cy="5157738"/>
+          </a:xfrm>
+          <a:prstGeom prst="rect">
+            <a:avLst/>
+          </a:prstGeom>
+        </p:spPr>
+      </p:pic>
+    </p:spTree>
+    <p:extLst>
+      <p:ext uri="{BB962C8B-B14F-4D97-AF65-F5344CB8AC3E}">
+        <p14:creationId xmlns:p14="http://schemas.microsoft.com/office/powerpoint/2010/main" val="3130959295"/>
+      </p:ext>
+    </p:extLst>
+  </p:cSld>
+  <p:clrMapOvr>
+    <a:masterClrMapping/>
+  </p:clrMapOvr>
+</p:sld>
+</file>
+
+<file path=ppt/slides/slide5.xml><?xml version="1.0" encoding="utf-8"?>
+<p:sld xmlns:a="http://schemas.openxmlformats.org/drawingml/2006/main" xmlns:r="http://schemas.openxmlformats.org/officeDocument/2006/relationships" xmlns:p="http://schemas.openxmlformats.org/presentationml/2006/main">
+  <p:cSld>
+    <p:spTree>
+      <p:nvGrpSpPr>
+        <p:cNvPr id="1" name=""/>
+        <p:cNvGrpSpPr/>
+        <p:nvPr/>
+      </p:nvGrpSpPr>
+      <p:grpSpPr>
+        <a:xfrm>
+          <a:off x="0" y="0"/>
+          <a:ext cx="0" cy="0"/>
+          <a:chOff x="0" y="0"/>
+          <a:chExt cx="0" cy="0"/>
+        </a:xfrm>
+      </p:grpSpPr>
+      <p:sp>
+        <p:nvSpPr>
+          <p:cNvPr id="1048647" name="矩形 9"/>
+          <p:cNvSpPr/>
+          <p:nvPr/>
+        </p:nvSpPr>
+        <p:spPr>
+          <a:xfrm>
+            <a:off x="763397" y="3733475"/>
+            <a:ext cx="10486238" cy="2550064"/>
+          </a:xfrm>
+          <a:prstGeom prst="rect">
+            <a:avLst/>
+          </a:prstGeom>
+          <a:solidFill>
+            <a:srgbClr val="F2F2F2"/>
+          </a:solidFill>
+          <a:ln>
+            <a:solidFill>
+              <a:srgbClr val="F2F2F2"/>
+            </a:solidFill>
+          </a:ln>
+        </p:spPr>
+        <p:style>
+          <a:lnRef idx="2">
+            <a:schemeClr val="accent1">
+              <a:shade val="50000"/>
+            </a:schemeClr>
+          </a:lnRef>
+          <a:fillRef idx="1">
+            <a:schemeClr val="accent1"/>
+          </a:fillRef>
+          <a:effectRef idx="0">
+            <a:schemeClr val="accent1"/>
+          </a:effectRef>
+          <a:fontRef idx="minor">
+            <a:schemeClr val="lt1"/>
+          </a:fontRef>
+        </p:style>
+        <p:txBody>
+          <a:bodyPr rtlCol="0" anchor="ctr"/>
+          <a:lstStyle/>
+          <a:p>
+            <a:pPr marL="285750" marR="0" lvl="0" indent="-285750" algn="l" defTabSz="914400" rtl="0" eaLnBrk="1" fontAlgn="auto" latinLnBrk="0" hangingPunct="1">
+              <a:lnSpc>
+                <a:spcPct val="100000"/>
+              </a:lnSpc>
+              <a:spcBef>
+                <a:spcPts val="0"/>
+              </a:spcBef>
+              <a:spcAft>
+                <a:spcPts val="0"/>
+              </a:spcAft>
+              <a:buClrTx/>
+              <a:buSzTx/>
+              <a:buFont typeface="Wingdings" panose="05000000000000000000" pitchFamily="2" charset="2"/>
+              <a:buChar char="p"/>
+            </a:pPr>
+            <a:endParaRPr kumimoji="0" lang="zh-CN" altLang="en-US" sz="1600" b="0" i="0" u="none" strike="noStrike" kern="1200" cap="none" spc="0" normalizeH="0" baseline="0" noProof="0" dirty="0">
+              <a:ln>
+                <a:noFill/>
+              </a:ln>
+              <a:solidFill>
+                <a:prstClr val="black"/>
+              </a:solidFill>
+              <a:effectLst/>
+              <a:uLnTx/>
+              <a:uFillTx/>
+              <a:latin typeface="Times New Roman" panose="02020603050405020304" pitchFamily="18" charset="0"/>
+              <a:ea typeface="楷体" panose="02010609060101010101" pitchFamily="49" charset="-122"/>
+              <a:cs typeface="Times New Roman" panose="02020603050405020304" pitchFamily="18" charset="0"/>
+            </a:endParaRPr>
+          </a:p>
+        </p:txBody>
+      </p:sp>
+      <p:sp>
+        <p:nvSpPr>
+          <p:cNvPr id="1048648" name="矩形 5"/>
+          <p:cNvSpPr/>
+          <p:nvPr/>
+        </p:nvSpPr>
+        <p:spPr>
+          <a:xfrm>
+            <a:off x="763397" y="1159168"/>
+            <a:ext cx="10966322" cy="5071228"/>
+          </a:xfrm>
+          <a:prstGeom prst="rect">
+            <a:avLst/>
+          </a:prstGeom>
+          <a:solidFill>
+            <a:srgbClr val="F2F2F2"/>
+          </a:solidFill>
+          <a:ln>
+            <a:solidFill>
+              <a:srgbClr val="F2F2F2"/>
+            </a:solidFill>
+          </a:ln>
+        </p:spPr>
+        <p:style>
+          <a:lnRef idx="2">
+            <a:schemeClr val="accent1">
+              <a:shade val="50000"/>
+            </a:schemeClr>
+          </a:lnRef>
+          <a:fillRef idx="1">
+            <a:schemeClr val="accent1"/>
+          </a:fillRef>
+          <a:effectRef idx="0">
+            <a:schemeClr val="accent1"/>
+          </a:effectRef>
+          <a:fontRef idx="minor">
+            <a:schemeClr val="lt1"/>
+          </a:fontRef>
+        </p:style>
+        <p:txBody>
+          <a:bodyPr rtlCol="0" anchor="ctr"/>
+          <a:lstStyle/>
+          <a:p>
+            <a:pPr marR="0" lvl="0" algn="l" defTabSz="914400" rtl="0" eaLnBrk="1" fontAlgn="auto" latinLnBrk="0" hangingPunct="1">
+              <a:lnSpc>
+                <a:spcPct val="120000"/>
+              </a:lnSpc>
+              <a:spcBef>
+                <a:spcPts val="0"/>
+              </a:spcBef>
+              <a:spcAft>
+                <a:spcPts val="0"/>
+              </a:spcAft>
+              <a:buClrTx/>
+              <a:buSzTx/>
+            </a:pPr>
+            <a:endParaRPr kumimoji="0" lang="zh-CN" altLang="en-US" sz="1600" b="0" i="0" u="none" strike="noStrike" kern="1200" cap="none" spc="0" normalizeH="0" baseline="0" noProof="0" dirty="0">
+              <a:ln>
+                <a:noFill/>
+              </a:ln>
+              <a:solidFill>
+                <a:prstClr val="black"/>
+              </a:solidFill>
+              <a:effectLst/>
+              <a:uLnTx/>
+              <a:uFillTx/>
+              <a:latin typeface="Times New Roman" panose="02020603050405020304" pitchFamily="18" charset="0"/>
+              <a:ea typeface="楷体" panose="02010609060101010101" pitchFamily="49" charset="-122"/>
+              <a:cs typeface="Times New Roman" panose="02020603050405020304" pitchFamily="18" charset="0"/>
+            </a:endParaRPr>
+          </a:p>
+        </p:txBody>
+      </p:sp>
+      <p:sp>
+        <p:nvSpPr>
+          <p:cNvPr id="1048649" name="矩形 18"/>
+          <p:cNvSpPr/>
+          <p:nvPr/>
+        </p:nvSpPr>
+        <p:spPr>
+          <a:xfrm>
+            <a:off x="763398" y="828134"/>
+            <a:ext cx="10966322" cy="365126"/>
+          </a:xfrm>
+          <a:prstGeom prst="rect">
+            <a:avLst/>
+          </a:prstGeom>
+          <a:solidFill>
+            <a:srgbClr val="A22628"/>
+          </a:solidFill>
+        </p:spPr>
+        <p:style>
+          <a:lnRef idx="2">
+            <a:schemeClr val="accent1">
+              <a:shade val="50000"/>
+            </a:schemeClr>
+          </a:lnRef>
+          <a:fillRef idx="1">
+            <a:schemeClr val="accent1"/>
+          </a:fillRef>
+          <a:effectRef idx="0">
+            <a:schemeClr val="accent1"/>
+          </a:effectRef>
+          <a:fontRef idx="minor">
+            <a:schemeClr val="lt1"/>
+          </a:fontRef>
+        </p:style>
+        <p:txBody>
+          <a:bodyPr rtlCol="0" anchor="ctr"/>
+          <a:lstStyle/>
+          <a:p>
+            <a:pPr marL="0" marR="0" lvl="0" indent="0" algn="l" defTabSz="914400" rtl="0" eaLnBrk="1" fontAlgn="auto" latinLnBrk="0" hangingPunct="1">
+              <a:lnSpc>
+                <a:spcPct val="100000"/>
+              </a:lnSpc>
+              <a:spcBef>
+                <a:spcPts val="0"/>
+              </a:spcBef>
+              <a:spcAft>
+                <a:spcPts val="0"/>
+              </a:spcAft>
+              <a:buClrTx/>
+              <a:buSzTx/>
+              <a:buFontTx/>
+              <a:buNone/>
+            </a:pPr>
+            <a:r>
+              <a:rPr kumimoji="0" lang="zh-CN" altLang="en-US" sz="1800" u="none" strike="noStrike" kern="1200" cap="none" spc="0" normalizeH="0" baseline="0" noProof="0" dirty="0">
+                <a:ln>
+                  <a:noFill/>
+                </a:ln>
+                <a:solidFill>
+                  <a:prstClr val="white"/>
+                </a:solidFill>
+                <a:uLnTx/>
+                <a:uFillTx/>
+                <a:latin typeface="Roboto" panose="02000000000000000000" pitchFamily="2" charset="0"/>
+                <a:ea typeface="楷体" panose="02010609060101010101" pitchFamily="49" charset="-122"/>
+                <a:cs typeface="Times New Roman" panose="02020603050405020304" pitchFamily="18" charset="0"/>
+              </a:rPr>
+              <a:t>随机森林</a:t>
+            </a:r>
+            <a:endParaRPr kumimoji="0" lang="zh-CN" sz="1800" b="1" i="0" u="none" strike="noStrike" kern="1200" cap="none" spc="0" normalizeH="0" baseline="0" noProof="0" dirty="0">
+              <a:ln>
+                <a:noFill/>
+              </a:ln>
+              <a:solidFill>
+                <a:prstClr val="white"/>
+              </a:solidFill>
+              <a:effectLst/>
+              <a:uLnTx/>
+              <a:uFillTx/>
+              <a:latin typeface="Times New Roman" panose="02020603050405020304" pitchFamily="18" charset="0"/>
+              <a:ea typeface="楷体" panose="02010609060101010101" pitchFamily="49" charset="-122"/>
+              <a:cs typeface="Times New Roman" panose="02020603050405020304" pitchFamily="18" charset="0"/>
+            </a:endParaRPr>
+          </a:p>
+        </p:txBody>
+      </p:sp>
+      <p:sp>
+        <p:nvSpPr>
+          <p:cNvPr id="1048650" name="矩形 68"/>
+          <p:cNvSpPr/>
+          <p:nvPr/>
+        </p:nvSpPr>
+        <p:spPr>
+          <a:xfrm>
+            <a:off x="5743574" y="1221835"/>
+            <a:ext cx="4772026" cy="2550065"/>
+          </a:xfrm>
+          <a:prstGeom prst="rect">
+            <a:avLst/>
+          </a:prstGeom>
+          <a:noFill/>
+          <a:ln>
+            <a:noFill/>
+          </a:ln>
+        </p:spPr>
+        <p:style>
+          <a:lnRef idx="2">
+            <a:schemeClr val="accent1">
+              <a:shade val="50000"/>
+            </a:schemeClr>
+          </a:lnRef>
+          <a:fillRef idx="1">
+            <a:schemeClr val="accent1"/>
+          </a:fillRef>
+          <a:effectRef idx="0">
+            <a:schemeClr val="accent1"/>
+          </a:effectRef>
+          <a:fontRef idx="minor">
+            <a:schemeClr val="lt1"/>
+          </a:fontRef>
+        </p:style>
+        <p:txBody>
+          <a:bodyPr rtlCol="0" anchor="ctr"/>
+          <a:lstStyle/>
+          <a:p>
+            <a:pPr marL="0" marR="0" lvl="0" indent="0" algn="l" defTabSz="914400" rtl="0" eaLnBrk="1" fontAlgn="auto" latinLnBrk="0" hangingPunct="1">
+              <a:lnSpc>
+                <a:spcPct val="100000"/>
+              </a:lnSpc>
+              <a:spcBef>
+                <a:spcPts val="0"/>
+              </a:spcBef>
+              <a:spcAft>
+                <a:spcPts val="0"/>
+              </a:spcAft>
+              <a:buClrTx/>
+              <a:buSzTx/>
+              <a:buFontTx/>
+              <a:buNone/>
+            </a:pPr>
+            <a:endParaRPr kumimoji="0" lang="zh-CN" altLang="en-US" sz="1800" b="0" i="0" u="none" strike="noStrike" kern="1200" cap="none" spc="0" normalizeH="0" baseline="0" noProof="0" dirty="0">
+              <a:ln>
+                <a:noFill/>
+              </a:ln>
+              <a:solidFill>
+                <a:prstClr val="black"/>
+              </a:solidFill>
+              <a:effectLst/>
+              <a:uLnTx/>
+              <a:uFillTx/>
+              <a:latin typeface="Times New Roman" panose="02020603050405020304" pitchFamily="18" charset="0"/>
+              <a:ea typeface="楷体" panose="02010609060101010101" pitchFamily="49" charset="-122"/>
+              <a:cs typeface="Times New Roman" panose="02020603050405020304" pitchFamily="18" charset="0"/>
+            </a:endParaRPr>
+          </a:p>
+        </p:txBody>
+      </p:sp>
+      <p:sp>
+        <p:nvSpPr>
+          <p:cNvPr id="1048651" name="灯片编号占位符 1"/>
+          <p:cNvSpPr>
+            <a:spLocks noGrp="1"/>
+          </p:cNvSpPr>
+          <p:nvPr>
+            <p:ph type="sldNum" sz="quarter" idx="12"/>
+          </p:nvPr>
+        </p:nvSpPr>
+        <p:spPr>
+          <a:xfrm>
+            <a:off x="10897838" y="6360926"/>
+            <a:ext cx="455961" cy="360551"/>
+          </a:xfrm>
+        </p:spPr>
+        <p:txBody>
+          <a:bodyPr/>
+          <a:lstStyle/>
+          <a:p>
+            <a:fld id="{F18858F7-4EE7-4CC5-B1EF-1154CF27D88D}" type="slidenum">
+              <a:rPr lang="zh-CN" altLang="en-US" smtClean="0">
+                <a:latin typeface="Times New Roman" panose="02020603050405020304" pitchFamily="18" charset="0"/>
+                <a:cs typeface="Times New Roman" panose="02020603050405020304" pitchFamily="18" charset="0"/>
+              </a:rPr>
+              <a:t>5</a:t>
+            </a:fld>
+            <a:endParaRPr lang="zh-CN" altLang="en-US" dirty="0">
+              <a:latin typeface="Times New Roman" panose="02020603050405020304" pitchFamily="18" charset="0"/>
+              <a:cs typeface="Times New Roman" panose="02020603050405020304" pitchFamily="18" charset="0"/>
+            </a:endParaRPr>
+          </a:p>
+        </p:txBody>
+      </p:sp>
+      <p:graphicFrame>
+        <p:nvGraphicFramePr>
+          <p:cNvPr id="4194304" name="对象 4">
+            <a:hlinkClick r:id="" action="ppaction://ole?verb=0"/>
+          </p:cNvPr>
+          <p:cNvGraphicFramePr>
+            <a:graphicFrameLocks noChangeAspect="1"/>
+          </p:cNvGraphicFramePr>
+          <p:nvPr/>
+        </p:nvGraphicFramePr>
+        <p:xfrm>
+          <a:off x="5638800" y="3321050"/>
+          <a:ext cx="914400" cy="215900"/>
+        </p:xfrm>
+        <a:graphic>
+          <a:graphicData uri="http://schemas.openxmlformats.org/presentationml/2006/ole">
+            <mc:AlternateContent xmlns:mc="http://schemas.openxmlformats.org/markup-compatibility/2006">
+              <mc:Choice xmlns:v="urn:schemas-microsoft-com:vml" Requires="v">
+                <p:oleObj r:id="rId2" imgW="914400" imgH="215900" progId="Equation.KSEE3">
+                  <p:embed/>
+                </p:oleObj>
+              </mc:Choice>
+              <mc:Fallback>
+                <p:oleObj r:id="rId2" imgW="914400" imgH="215900" progId="Equation.KSEE3">
+                  <p:embed/>
+                  <p:pic>
+                    <p:nvPicPr>
+                      <p:cNvPr id="4194304" name="对象 4">
+                        <a:hlinkClick r:id="" action="ppaction://ole?verb=0"/>
+                      </p:cNvPr>
+                      <p:cNvPicPr>
+                        <a:picLocks/>
+                      </p:cNvPicPr>
+                      <p:nvPr/>
+                    </p:nvPicPr>
+                    <p:blipFill>
+                      <a:blip r:embed="rId3"/>
+                      <a:stretch>
+                        <a:fillRect/>
+                      </a:stretch>
+                    </p:blipFill>
+                    <p:spPr>
+                      <a:xfrm>
+                        <a:off x="5638800" y="3321050"/>
+                        <a:ext cx="914400" cy="215900"/>
+                      </a:xfrm>
+                      <a:prstGeom prst="rect">
+                        <a:avLst/>
+                      </a:prstGeom>
+                    </p:spPr>
+                  </p:pic>
+                </p:oleObj>
+              </mc:Fallback>
+            </mc:AlternateContent>
+          </a:graphicData>
+        </a:graphic>
+      </p:graphicFrame>
+      <p:graphicFrame>
+        <p:nvGraphicFramePr>
+          <p:cNvPr id="4194305" name="对象 6">
+            <a:hlinkClick r:id="" action="ppaction://ole?verb=0"/>
+          </p:cNvPr>
+          <p:cNvGraphicFramePr>
+            <a:graphicFrameLocks noChangeAspect="1"/>
+          </p:cNvGraphicFramePr>
+          <p:nvPr/>
+        </p:nvGraphicFramePr>
+        <p:xfrm>
+          <a:off x="5638800" y="3321050"/>
+          <a:ext cx="914400" cy="215900"/>
+        </p:xfrm>
+        <a:graphic>
+          <a:graphicData uri="http://schemas.openxmlformats.org/presentationml/2006/ole">
+            <mc:AlternateContent xmlns:mc="http://schemas.openxmlformats.org/markup-compatibility/2006">
+              <mc:Choice xmlns:v="urn:schemas-microsoft-com:vml" Requires="v">
+                <p:oleObj r:id="rId4" imgW="914400" imgH="215900" progId="Equation.KSEE3">
+                  <p:embed/>
+                </p:oleObj>
+              </mc:Choice>
+              <mc:Fallback>
+                <p:oleObj r:id="rId4" imgW="914400" imgH="215900" progId="Equation.KSEE3">
+                  <p:embed/>
+                  <p:pic>
+                    <p:nvPicPr>
+                      <p:cNvPr id="4194305" name="对象 6">
+                        <a:hlinkClick r:id="" action="ppaction://ole?verb=0"/>
+                      </p:cNvPr>
+                      <p:cNvPicPr>
+                        <a:picLocks/>
+                      </p:cNvPicPr>
+                      <p:nvPr/>
+                    </p:nvPicPr>
+                    <p:blipFill>
+                      <a:blip r:embed="rId3"/>
+                      <a:stretch>
+                        <a:fillRect/>
+                      </a:stretch>
+                    </p:blipFill>
+                    <p:spPr>
+                      <a:xfrm>
+                        <a:off x="5638800" y="3321050"/>
+                        <a:ext cx="914400" cy="215900"/>
+                      </a:xfrm>
+                      <a:prstGeom prst="rect">
+                        <a:avLst/>
+                      </a:prstGeom>
+                    </p:spPr>
+                  </p:pic>
+                </p:oleObj>
+              </mc:Fallback>
+            </mc:AlternateContent>
+          </a:graphicData>
+        </a:graphic>
+      </p:graphicFrame>
+      <p:pic>
+        <p:nvPicPr>
+          <p:cNvPr id="2" name="图片 1">
+            <a:extLst>
+              <a:ext uri="{FF2B5EF4-FFF2-40B4-BE49-F238E27FC236}">
+                <a16:creationId xmlns:a16="http://schemas.microsoft.com/office/drawing/2014/main" id="{492B0CAB-C77D-94C2-CBE6-C039A0FE082C}"/>
+              </a:ext>
+            </a:extLst>
+          </p:cNvPr>
+          <p:cNvPicPr>
+            <a:picLocks noChangeAspect="1"/>
+          </p:cNvPicPr>
+          <p:nvPr/>
+        </p:nvPicPr>
+        <p:blipFill>
+          <a:blip r:embed="rId5"/>
+          <a:stretch>
+            <a:fillRect/>
+          </a:stretch>
+        </p:blipFill>
+        <p:spPr>
+          <a:xfrm>
+            <a:off x="909126" y="1365047"/>
+            <a:ext cx="9745435" cy="1371791"/>
+          </a:xfrm>
+          <a:prstGeom prst="rect">
+            <a:avLst/>
+          </a:prstGeom>
+        </p:spPr>
+      </p:pic>
+      <p:sp>
+        <p:nvSpPr>
+          <p:cNvPr id="4" name="文本框 13">
+            <a:extLst>
+              <a:ext uri="{FF2B5EF4-FFF2-40B4-BE49-F238E27FC236}">
+                <a16:creationId xmlns:a16="http://schemas.microsoft.com/office/drawing/2014/main" id="{D4F0E35F-8CB5-9ABA-152D-50D992E5C38C}"/>
+              </a:ext>
+            </a:extLst>
+          </p:cNvPr>
+          <p:cNvSpPr txBox="1"/>
+          <p:nvPr/>
+        </p:nvSpPr>
+        <p:spPr>
+          <a:xfrm>
+            <a:off x="1095560" y="2810680"/>
+            <a:ext cx="7135760" cy="2716513"/>
+          </a:xfrm>
+          <a:prstGeom prst="rect">
+            <a:avLst/>
+          </a:prstGeom>
+          <a:noFill/>
+        </p:spPr>
+        <p:txBody>
+          <a:bodyPr wrap="square" rtlCol="0">
+            <a:spAutoFit/>
+          </a:bodyPr>
+          <a:lstStyle/>
+          <a:p>
+            <a:pPr marL="285750" indent="-285750">
+              <a:lnSpc>
+                <a:spcPct val="135000"/>
+              </a:lnSpc>
+              <a:buFont typeface="Wingdings" panose="05000000000000000000" pitchFamily="2" charset="2"/>
+              <a:buChar char="p"/>
+            </a:pPr>
+            <a:r>
+              <a:rPr lang="zh-CN" altLang="en-US" sz="1600" b="1" dirty="0">
+                <a:latin typeface="Roboto" panose="02000000000000000000" pitchFamily="2" charset="0"/>
+              </a:rPr>
+              <a:t>模型性能评估：</a:t>
+            </a:r>
+            <a:endParaRPr lang="en-US" altLang="zh-CN" sz="1600" b="1" dirty="0">
+              <a:latin typeface="Roboto" panose="02000000000000000000" pitchFamily="2" charset="0"/>
+            </a:endParaRPr>
+          </a:p>
+          <a:p>
+            <a:pPr>
+              <a:lnSpc>
+                <a:spcPct val="135000"/>
+              </a:lnSpc>
+            </a:pPr>
+            <a:r>
+              <a:rPr lang="zh-CN" altLang="en-US" sz="1600" dirty="0">
+                <a:latin typeface="Times New Roman" panose="02020603050405020304" pitchFamily="18" charset="0"/>
+                <a:ea typeface="楷体" panose="02010609060101010101" pitchFamily="49" charset="-122"/>
+                <a:cs typeface="Times New Roman" panose="02020603050405020304" pitchFamily="18" charset="0"/>
+              </a:rPr>
+              <a:t>预测较准确，拟合效果较好。</a:t>
+            </a:r>
+          </a:p>
+          <a:p>
+            <a:pPr marL="285750" indent="-285750">
+              <a:lnSpc>
+                <a:spcPct val="135000"/>
+              </a:lnSpc>
+              <a:buFont typeface="Wingdings" panose="05000000000000000000" pitchFamily="2" charset="2"/>
+              <a:buChar char="p"/>
+            </a:pPr>
+            <a:r>
+              <a:rPr lang="zh-CN" altLang="en-US" sz="1600" b="1" i="0" dirty="0">
+                <a:effectLst/>
+                <a:latin typeface="Roboto" panose="02000000000000000000" pitchFamily="2" charset="0"/>
+              </a:rPr>
+              <a:t>最佳超参数：</a:t>
+            </a:r>
+            <a:endParaRPr lang="en-US" altLang="zh-CN" sz="1600" b="1" i="0" dirty="0">
+              <a:effectLst/>
+              <a:latin typeface="Roboto" panose="02000000000000000000" pitchFamily="2" charset="0"/>
+            </a:endParaRPr>
+          </a:p>
+          <a:p>
+            <a:pPr>
+              <a:lnSpc>
+                <a:spcPct val="135000"/>
+              </a:lnSpc>
+            </a:pPr>
+            <a:endParaRPr lang="en-US" altLang="zh-CN" sz="1600" b="1" i="0" dirty="0">
+              <a:effectLst/>
+              <a:latin typeface="Roboto" panose="02000000000000000000" pitchFamily="2" charset="0"/>
+            </a:endParaRPr>
+          </a:p>
+          <a:p>
+            <a:pPr>
+              <a:lnSpc>
+                <a:spcPct val="135000"/>
+              </a:lnSpc>
+            </a:pPr>
+            <a:endParaRPr lang="en-US" altLang="zh-CN" sz="1600" b="1" i="0" dirty="0">
+              <a:effectLst/>
+              <a:latin typeface="Roboto" panose="02000000000000000000" pitchFamily="2" charset="0"/>
+            </a:endParaRPr>
+          </a:p>
+          <a:p>
+            <a:pPr marL="285750" indent="-285750">
+              <a:lnSpc>
+                <a:spcPct val="135000"/>
+              </a:lnSpc>
+              <a:buFont typeface="Wingdings" panose="05000000000000000000" pitchFamily="2" charset="2"/>
+              <a:buChar char="p"/>
+            </a:pPr>
+            <a:r>
+              <a:rPr lang="zh-CN" altLang="en-US" sz="1600" b="1" dirty="0">
+                <a:latin typeface="Roboto" panose="02000000000000000000" pitchFamily="2" charset="0"/>
+              </a:rPr>
+              <a:t>交叉验证：</a:t>
+            </a:r>
+            <a:endParaRPr lang="en-US" altLang="zh-CN" sz="1600" b="1" dirty="0">
+              <a:latin typeface="Roboto" panose="02000000000000000000" pitchFamily="2" charset="0"/>
+            </a:endParaRPr>
+          </a:p>
+          <a:p>
+            <a:pPr marL="285750" indent="-285750">
+              <a:lnSpc>
+                <a:spcPct val="135000"/>
+              </a:lnSpc>
+              <a:buFont typeface="Wingdings" panose="05000000000000000000" pitchFamily="2" charset="2"/>
+              <a:buChar char="p"/>
+            </a:pPr>
+            <a:endParaRPr lang="zh-CN" altLang="en-US" sz="1600" b="1" i="0" dirty="0">
+              <a:effectLst/>
+              <a:latin typeface="Roboto" panose="02000000000000000000" pitchFamily="2" charset="0"/>
+            </a:endParaRPr>
+          </a:p>
+          <a:p>
+            <a:pPr>
+              <a:lnSpc>
+                <a:spcPct val="135000"/>
+              </a:lnSpc>
+            </a:pPr>
+            <a:endParaRPr lang="zh-CN" altLang="en-US" sz="1600" dirty="0">
+              <a:latin typeface="Times New Roman" panose="02020603050405020304" pitchFamily="18" charset="0"/>
+              <a:ea typeface="楷体" panose="02010609060101010101" pitchFamily="49" charset="-122"/>
+              <a:cs typeface="Times New Roman" panose="02020603050405020304" pitchFamily="18" charset="0"/>
+            </a:endParaRPr>
+          </a:p>
+        </p:txBody>
+      </p:sp>
+      <p:sp>
+        <p:nvSpPr>
+          <p:cNvPr id="5" name="Rectangle 1">
+            <a:extLst>
+              <a:ext uri="{FF2B5EF4-FFF2-40B4-BE49-F238E27FC236}">
+                <a16:creationId xmlns:a16="http://schemas.microsoft.com/office/drawing/2014/main" id="{364CD2E9-6BCD-CB73-E7D0-EF6C452BDAB1}"/>
               </a:ext>
             </a:extLst>
           </p:cNvPr>
@@ -5844,8 +6227,8 @@
         </p:nvSpPr>
         <p:spPr bwMode="auto">
           <a:xfrm>
-            <a:off x="2207342" y="3607255"/>
-            <a:ext cx="5421226" cy="1369606"/>
+            <a:off x="1153055" y="3932684"/>
+            <a:ext cx="6324120" cy="492443"/>
           </a:xfrm>
           <a:prstGeom prst="rect">
             <a:avLst/>
@@ -5880,7 +6263,7 @@
           </a:extLst>
         </p:spPr>
         <p:txBody>
-          <a:bodyPr vert="horz" wrap="square" lIns="91440" tIns="45720" rIns="91440" bIns="45720" numCol="1" anchor="ctr" anchorCtr="0" compatLnSpc="1">
+          <a:bodyPr vert="horz" wrap="square" lIns="17457" tIns="0" rIns="17457" bIns="0" numCol="1" anchor="ctr" anchorCtr="0" compatLnSpc="1">
             <a:prstTxWarp prst="textNoShape">
               <a:avLst/>
             </a:prstTxWarp>
@@ -6031,80 +6414,14 @@
               <a:buNone/>
               <a:tabLst/>
             </a:pPr>
-            <a:br>
-              <a:rPr kumimoji="0" lang="zh-CN" altLang="zh-CN" sz="1200" b="0" i="0" u="none" strike="noStrike" cap="none" normalizeH="0" baseline="0" dirty="0">
-                <a:ln>
-                  <a:noFill/>
-                </a:ln>
-                <a:solidFill>
-                  <a:schemeClr val="tx1"/>
-                </a:solidFill>
-                <a:effectLst/>
-                <a:latin typeface="Roboto" panose="02000000000000000000" pitchFamily="2" charset="0"/>
+            <a:r>
+              <a:rPr lang="zh-CN" altLang="zh-CN" sz="1600" dirty="0">
+                <a:latin typeface="Times New Roman" panose="02020603050405020304" pitchFamily="18" charset="0"/>
+                <a:ea typeface="楷体" panose="02010609060101010101" pitchFamily="49" charset="-122"/>
+                <a:cs typeface="Times New Roman" panose="02020603050405020304" pitchFamily="18" charset="0"/>
               </a:rPr>
-            </a:br>
-            <a:endParaRPr kumimoji="0" lang="zh-CN" altLang="zh-CN" sz="500" b="0" i="0" u="none" strike="noStrike" cap="none" normalizeH="0" baseline="0" dirty="0">
-              <a:ln>
-                <a:noFill/>
-              </a:ln>
-              <a:solidFill>
-                <a:schemeClr val="tx1"/>
-              </a:solidFill>
-              <a:effectLst/>
-            </a:endParaRPr>
-          </a:p>
-          <a:p>
-            <a:pPr marL="0" marR="0" lvl="0" indent="0" algn="l" defTabSz="914400" rtl="0" eaLnBrk="0" fontAlgn="base" latinLnBrk="0" hangingPunct="0">
-              <a:lnSpc>
-                <a:spcPct val="100000"/>
-              </a:lnSpc>
-              <a:spcBef>
-                <a:spcPct val="0"/>
-              </a:spcBef>
-              <a:spcAft>
-                <a:spcPct val="0"/>
-              </a:spcAft>
-              <a:buClrTx/>
-              <a:buSzTx/>
-              <a:buFontTx/>
-              <a:buNone/>
-              <a:tabLst/>
-            </a:pPr>
-            <a:r>
-              <a:rPr kumimoji="0" lang="zh-CN" altLang="zh-CN" sz="1200" b="1" i="0" u="none" strike="noStrike" cap="none" normalizeH="0" baseline="0" dirty="0">
-                <a:ln>
-                  <a:noFill/>
-                </a:ln>
-                <a:solidFill>
-                  <a:schemeClr val="tx1"/>
-                </a:solidFill>
-                <a:effectLst/>
-                <a:latin typeface="Roboto" panose="02000000000000000000" pitchFamily="2" charset="0"/>
-              </a:rPr>
-              <a:t>关键结论</a:t>
-            </a:r>
-            <a:r>
-              <a:rPr kumimoji="0" lang="zh-CN" altLang="zh-CN" sz="1200" b="0" i="0" u="none" strike="noStrike" cap="none" normalizeH="0" baseline="0" dirty="0">
-                <a:ln>
-                  <a:noFill/>
-                </a:ln>
-                <a:solidFill>
-                  <a:schemeClr val="tx1"/>
-                </a:solidFill>
-                <a:effectLst/>
-                <a:latin typeface="Roboto" panose="02000000000000000000" pitchFamily="2" charset="0"/>
-              </a:rPr>
-              <a:t>：</a:t>
-            </a:r>
-            <a:endParaRPr kumimoji="0" lang="zh-CN" altLang="zh-CN" sz="500" b="0" i="0" u="none" strike="noStrike" cap="none" normalizeH="0" baseline="0" dirty="0">
-              <a:ln>
-                <a:noFill/>
-              </a:ln>
-              <a:solidFill>
-                <a:schemeClr val="tx1"/>
-              </a:solidFill>
-              <a:effectLst/>
-            </a:endParaRPr>
+              <a:t>Best params: {'model__max_depth': None}</a:t>
+            </a:r>
           </a:p>
           <a:p>
             <a:pPr marL="0" marR="0" lvl="0" indent="0" algn="l" defTabSz="914400" rtl="0" eaLnBrk="0" fontAlgn="base" latinLnBrk="0" hangingPunct="0">
@@ -6124,81 +6441,91 @@
               <a:tabLst/>
             </a:pPr>
             <a:r>
-              <a:rPr kumimoji="0" lang="zh-CN" altLang="zh-CN" sz="1200" b="0" i="0" u="none" strike="noStrike" cap="none" normalizeH="0" baseline="0" dirty="0">
-                <a:ln>
-                  <a:noFill/>
-                </a:ln>
+              <a:rPr lang="zh-CN" altLang="zh-CN" sz="1600" dirty="0">
+                <a:latin typeface="Times New Roman" panose="02020603050405020304" pitchFamily="18" charset="0"/>
+                <a:ea typeface="楷体" panose="02010609060101010101" pitchFamily="49" charset="-122"/>
+                <a:cs typeface="Times New Roman" panose="02020603050405020304" pitchFamily="18" charset="0"/>
+              </a:rPr>
+              <a:t>max_depth=None </a:t>
+            </a:r>
+            <a:r>
+              <a:rPr lang="zh-CN" altLang="en-US" sz="1600" dirty="0">
+                <a:latin typeface="Times New Roman" panose="02020603050405020304" pitchFamily="18" charset="0"/>
+                <a:ea typeface="楷体" panose="02010609060101010101" pitchFamily="49" charset="-122"/>
+                <a:cs typeface="Times New Roman" panose="02020603050405020304" pitchFamily="18" charset="0"/>
+              </a:rPr>
+              <a:t>：</a:t>
+            </a:r>
+            <a:r>
+              <a:rPr lang="zh-CN" altLang="zh-CN" sz="1600" dirty="0">
+                <a:latin typeface="Times New Roman" panose="02020603050405020304" pitchFamily="18" charset="0"/>
+                <a:ea typeface="楷体" panose="02010609060101010101" pitchFamily="49" charset="-122"/>
+                <a:cs typeface="Times New Roman" panose="02020603050405020304" pitchFamily="18" charset="0"/>
+              </a:rPr>
+              <a:t>决策树不限制最大深度。</a:t>
+            </a:r>
+          </a:p>
+        </p:txBody>
+      </p:sp>
+      <p:sp>
+        <p:nvSpPr>
+          <p:cNvPr id="6" name="Rectangle 2">
+            <a:extLst>
+              <a:ext uri="{FF2B5EF4-FFF2-40B4-BE49-F238E27FC236}">
+                <a16:creationId xmlns:a16="http://schemas.microsoft.com/office/drawing/2014/main" id="{20238AF8-DC40-74BF-37CA-0C686645E29D}"/>
+              </a:ext>
+            </a:extLst>
+          </p:cNvPr>
+          <p:cNvSpPr>
+            <a:spLocks noChangeArrowheads="1"/>
+          </p:cNvSpPr>
+          <p:nvPr/>
+        </p:nvSpPr>
+        <p:spPr bwMode="auto">
+          <a:xfrm>
+            <a:off x="1153055" y="4848493"/>
+            <a:ext cx="5774005" cy="1107996"/>
+          </a:xfrm>
+          <a:prstGeom prst="rect">
+            <a:avLst/>
+          </a:prstGeom>
+          <a:solidFill>
+            <a:srgbClr val="FFFFFF"/>
+          </a:solidFill>
+          <a:ln>
+            <a:noFill/>
+          </a:ln>
+          <a:effectLst/>
+          <a:extLst>
+            <a:ext uri="{91240B29-F687-4F45-9708-019B960494DF}">
+              <a14:hiddenLine xmlns:a14="http://schemas.microsoft.com/office/drawing/2010/main" w="9525">
                 <a:solidFill>
                   <a:schemeClr val="tx1"/>
                 </a:solidFill>
-                <a:effectLst/>
-                <a:latin typeface="Roboto" panose="02000000000000000000" pitchFamily="2" charset="0"/>
-              </a:rPr>
-              <a:t>普通线性回归因数值不稳定完全失效（矩阵运算溢出）</a:t>
-            </a:r>
-          </a:p>
-          <a:p>
-            <a:pPr marL="0" marR="0" lvl="0" indent="0" algn="l" defTabSz="914400" rtl="0" eaLnBrk="0" fontAlgn="base" latinLnBrk="0" hangingPunct="0">
-              <a:lnSpc>
-                <a:spcPct val="100000"/>
-              </a:lnSpc>
-              <a:spcBef>
-                <a:spcPct val="0"/>
-              </a:spcBef>
-              <a:spcAft>
-                <a:spcPct val="0"/>
-              </a:spcAft>
-              <a:buClrTx/>
-              <a:buSzTx/>
-              <a:buFontTx/>
-              <a:buChar char="•"/>
-              <a:tabLst/>
-            </a:pPr>
-            <a:r>
-              <a:rPr kumimoji="0" lang="zh-CN" altLang="zh-CN" sz="1200" b="0" i="0" u="none" strike="noStrike" cap="none" normalizeH="0" baseline="0" dirty="0">
-                <a:ln>
-                  <a:noFill/>
-                </a:ln>
-                <a:solidFill>
-                  <a:schemeClr val="tx1"/>
-                </a:solidFill>
-                <a:effectLst/>
-                <a:latin typeface="Roboto" panose="02000000000000000000" pitchFamily="2" charset="0"/>
-              </a:rPr>
-              <a:t>Ridge表现最优（R²=0.66），验证集误差最低</a:t>
-            </a:r>
-          </a:p>
-          <a:p>
-            <a:pPr marL="0" marR="0" lvl="0" indent="0" algn="l" defTabSz="914400" rtl="0" eaLnBrk="0" fontAlgn="base" latinLnBrk="0" hangingPunct="0">
-              <a:lnSpc>
-                <a:spcPct val="100000"/>
-              </a:lnSpc>
-              <a:spcBef>
-                <a:spcPct val="0"/>
-              </a:spcBef>
-              <a:spcAft>
-                <a:spcPct val="0"/>
-              </a:spcAft>
-              <a:buClrTx/>
-              <a:buSzTx/>
-              <a:buFontTx/>
-              <a:buChar char="•"/>
-              <a:tabLst/>
-            </a:pPr>
-            <a:r>
-              <a:rPr kumimoji="0" lang="zh-CN" altLang="zh-CN" sz="1200" b="0" i="0" u="none" strike="noStrike" cap="none" normalizeH="0" baseline="0" dirty="0">
-                <a:ln>
-                  <a:noFill/>
-                </a:ln>
-                <a:solidFill>
-                  <a:schemeClr val="tx1"/>
-                </a:solidFill>
-                <a:effectLst/>
-                <a:latin typeface="Roboto" panose="02000000000000000000" pitchFamily="2" charset="0"/>
-              </a:rPr>
-              <a:t>Lasso正则化过强导致欠拟合</a:t>
-            </a:r>
-          </a:p>
+                <a:miter lim="800000"/>
+                <a:headEnd/>
+                <a:tailEnd/>
+              </a14:hiddenLine>
+            </a:ext>
+            <a:ext uri="{AF507438-7753-43E0-B8FC-AC1667EBCBE1}">
+              <a14:hiddenEffects xmlns:a14="http://schemas.microsoft.com/office/drawing/2010/main">
+                <a:effectLst>
+                  <a:outerShdw dist="35921" dir="2700000" algn="ctr" rotWithShape="0">
+                    <a:schemeClr val="bg2"/>
+                  </a:outerShdw>
+                </a:effectLst>
+              </a14:hiddenEffects>
+            </a:ext>
+          </a:extLst>
+        </p:spPr>
+        <p:txBody>
+          <a:bodyPr vert="horz" wrap="none" lIns="17457" tIns="0" rIns="17457" bIns="0" numCol="1" anchor="ctr" anchorCtr="0" compatLnSpc="1">
+            <a:prstTxWarp prst="textNoShape">
+              <a:avLst/>
+            </a:prstTxWarp>
+            <a:spAutoFit/>
+          </a:bodyPr>
+          <a:lstStyle/>
           <a:p>
             <a:pPr marL="0" marR="0" lvl="0" indent="0" algn="l" defTabSz="914400" rtl="0" eaLnBrk="0" fontAlgn="base" latinLnBrk="0" hangingPunct="0">
               <a:lnSpc>
@@ -6227,12 +6554,351 @@
               <a:latin typeface="Arial" panose="020B0604020202020204" pitchFamily="34" charset="0"/>
             </a:endParaRPr>
           </a:p>
+          <a:p>
+            <a:pPr marL="0" marR="0" lvl="0" indent="0" algn="l" defTabSz="914400" rtl="0" eaLnBrk="0" fontAlgn="base" latinLnBrk="0" hangingPunct="0">
+              <a:lnSpc>
+                <a:spcPct val="100000"/>
+              </a:lnSpc>
+              <a:spcBef>
+                <a:spcPct val="0"/>
+              </a:spcBef>
+              <a:spcAft>
+                <a:spcPct val="0"/>
+              </a:spcAft>
+              <a:buClrTx/>
+              <a:buSzTx/>
+              <a:buFontTx/>
+              <a:buChar char="•"/>
+              <a:tabLst/>
+            </a:pPr>
+            <a:r>
+              <a:rPr kumimoji="0" lang="zh-CN" altLang="zh-CN" sz="1200" b="1" i="0" u="none" strike="noStrike" cap="none" normalizeH="0" baseline="0" dirty="0">
+                <a:ln>
+                  <a:noFill/>
+                </a:ln>
+                <a:solidFill>
+                  <a:schemeClr val="tx1"/>
+                </a:solidFill>
+                <a:effectLst/>
+                <a:latin typeface="Roboto" panose="02000000000000000000" pitchFamily="2" charset="0"/>
+              </a:rPr>
+              <a:t>5 folds</a:t>
+            </a:r>
+            <a:r>
+              <a:rPr kumimoji="0" lang="zh-CN" altLang="zh-CN" sz="1200" b="0" i="0" u="none" strike="noStrike" cap="none" normalizeH="0" baseline="0" dirty="0">
+                <a:ln>
+                  <a:noFill/>
+                </a:ln>
+                <a:solidFill>
+                  <a:schemeClr val="tx1"/>
+                </a:solidFill>
+                <a:effectLst/>
+                <a:latin typeface="Roboto" panose="02000000000000000000" pitchFamily="2" charset="0"/>
+              </a:rPr>
+              <a:t>：使用了 5 折交叉验证（将数据分为 5 份，轮流用 4 份训练，1 份验证）。</a:t>
+            </a:r>
+          </a:p>
+          <a:p>
+            <a:pPr marL="0" marR="0" lvl="0" indent="0" algn="l" defTabSz="914400" rtl="0" eaLnBrk="0" fontAlgn="base" latinLnBrk="0" hangingPunct="0">
+              <a:lnSpc>
+                <a:spcPct val="100000"/>
+              </a:lnSpc>
+              <a:spcBef>
+                <a:spcPct val="0"/>
+              </a:spcBef>
+              <a:spcAft>
+                <a:spcPct val="0"/>
+              </a:spcAft>
+              <a:buClrTx/>
+              <a:buSzTx/>
+              <a:buFontTx/>
+              <a:buChar char="•"/>
+              <a:tabLst/>
+            </a:pPr>
+            <a:r>
+              <a:rPr lang="en-US" altLang="zh-CN" sz="1200" b="1" dirty="0">
+                <a:latin typeface="Roboto" panose="02000000000000000000" pitchFamily="2" charset="0"/>
+              </a:rPr>
+              <a:t>3</a:t>
+            </a:r>
+            <a:r>
+              <a:rPr kumimoji="0" lang="zh-CN" altLang="zh-CN" sz="1200" b="1" i="0" u="none" strike="noStrike" cap="none" normalizeH="0" baseline="0" dirty="0">
+                <a:ln>
+                  <a:noFill/>
+                </a:ln>
+                <a:solidFill>
+                  <a:schemeClr val="tx1"/>
+                </a:solidFill>
+                <a:effectLst/>
+                <a:latin typeface="Roboto" panose="02000000000000000000" pitchFamily="2" charset="0"/>
+              </a:rPr>
+              <a:t> candidates</a:t>
+            </a:r>
+            <a:r>
+              <a:rPr kumimoji="0" lang="zh-CN" altLang="zh-CN" sz="1200" b="0" i="0" u="none" strike="noStrike" cap="none" normalizeH="0" baseline="0" dirty="0">
+                <a:ln>
+                  <a:noFill/>
+                </a:ln>
+                <a:solidFill>
+                  <a:schemeClr val="tx1"/>
+                </a:solidFill>
+                <a:effectLst/>
+                <a:latin typeface="Roboto" panose="02000000000000000000" pitchFamily="2" charset="0"/>
+              </a:rPr>
+              <a:t>：对 </a:t>
+            </a:r>
+            <a:r>
+              <a:rPr kumimoji="0" lang="zh-CN" altLang="zh-CN" sz="1000" b="0" i="0" u="none" strike="noStrike" cap="none" normalizeH="0" baseline="0" dirty="0">
+                <a:ln>
+                  <a:noFill/>
+                </a:ln>
+                <a:solidFill>
+                  <a:schemeClr val="tx1"/>
+                </a:solidFill>
+                <a:effectLst/>
+                <a:latin typeface="Arial Unicode MS"/>
+                <a:ea typeface="source-code-pro"/>
+              </a:rPr>
+              <a:t>max_depth</a:t>
+            </a:r>
+            <a:r>
+              <a:rPr kumimoji="0" lang="zh-CN" altLang="zh-CN" sz="1200" b="0" i="0" u="none" strike="noStrike" cap="none" normalizeH="0" baseline="0" dirty="0">
+                <a:ln>
+                  <a:noFill/>
+                </a:ln>
+                <a:solidFill>
+                  <a:schemeClr val="tx1"/>
+                </a:solidFill>
+                <a:effectLst/>
+                <a:latin typeface="Roboto" panose="02000000000000000000" pitchFamily="2" charset="0"/>
+              </a:rPr>
+              <a:t> 参数尝试了 </a:t>
+            </a:r>
+            <a:r>
+              <a:rPr kumimoji="0" lang="en-US" altLang="zh-CN" sz="1200" b="0" i="0" u="none" strike="noStrike" cap="none" normalizeH="0" baseline="0" dirty="0">
+                <a:ln>
+                  <a:noFill/>
+                </a:ln>
+                <a:solidFill>
+                  <a:schemeClr val="tx1"/>
+                </a:solidFill>
+                <a:effectLst/>
+                <a:latin typeface="Roboto" panose="02000000000000000000" pitchFamily="2" charset="0"/>
+              </a:rPr>
+              <a:t>3</a:t>
+            </a:r>
+            <a:r>
+              <a:rPr kumimoji="0" lang="zh-CN" altLang="zh-CN" sz="1200" b="0" i="0" u="none" strike="noStrike" cap="none" normalizeH="0" baseline="0" dirty="0">
+                <a:ln>
+                  <a:noFill/>
+                </a:ln>
+                <a:solidFill>
+                  <a:schemeClr val="tx1"/>
+                </a:solidFill>
+                <a:effectLst/>
+                <a:latin typeface="Roboto" panose="02000000000000000000" pitchFamily="2" charset="0"/>
+              </a:rPr>
+              <a:t> 种可能的取值（ </a:t>
+            </a:r>
+            <a:r>
+              <a:rPr kumimoji="0" lang="zh-CN" altLang="zh-CN" sz="1000" b="0" i="0" u="none" strike="noStrike" cap="none" normalizeH="0" baseline="0" dirty="0">
+                <a:ln>
+                  <a:noFill/>
+                </a:ln>
+                <a:solidFill>
+                  <a:schemeClr val="tx1"/>
+                </a:solidFill>
+                <a:effectLst/>
+                <a:latin typeface="Arial Unicode MS"/>
+                <a:ea typeface="source-code-pro"/>
+              </a:rPr>
+              <a:t>[10, 20, None]</a:t>
+            </a:r>
+            <a:r>
+              <a:rPr kumimoji="0" lang="zh-CN" altLang="zh-CN" sz="1200" b="0" i="0" u="none" strike="noStrike" cap="none" normalizeH="0" baseline="0" dirty="0">
+                <a:ln>
+                  <a:noFill/>
+                </a:ln>
+                <a:solidFill>
+                  <a:schemeClr val="tx1"/>
+                </a:solidFill>
+                <a:effectLst/>
+                <a:latin typeface="Roboto" panose="02000000000000000000" pitchFamily="2" charset="0"/>
+              </a:rPr>
+              <a:t>）。</a:t>
+            </a:r>
+          </a:p>
+          <a:p>
+            <a:pPr marL="0" marR="0" lvl="0" indent="0" algn="l" defTabSz="914400" rtl="0" eaLnBrk="0" fontAlgn="base" latinLnBrk="0" hangingPunct="0">
+              <a:lnSpc>
+                <a:spcPct val="100000"/>
+              </a:lnSpc>
+              <a:spcBef>
+                <a:spcPct val="0"/>
+              </a:spcBef>
+              <a:spcAft>
+                <a:spcPct val="0"/>
+              </a:spcAft>
+              <a:buClrTx/>
+              <a:buSzTx/>
+              <a:buFontTx/>
+              <a:buChar char="•"/>
+              <a:tabLst/>
+            </a:pPr>
+            <a:r>
+              <a:rPr lang="en-US" altLang="zh-CN" sz="1200" b="1" dirty="0">
+                <a:latin typeface="Roboto" panose="02000000000000000000" pitchFamily="2" charset="0"/>
+              </a:rPr>
+              <a:t>15</a:t>
+            </a:r>
+            <a:r>
+              <a:rPr kumimoji="0" lang="zh-CN" altLang="zh-CN" sz="1200" b="1" i="0" u="none" strike="noStrike" cap="none" normalizeH="0" baseline="0" dirty="0">
+                <a:ln>
+                  <a:noFill/>
+                </a:ln>
+                <a:solidFill>
+                  <a:schemeClr val="tx1"/>
+                </a:solidFill>
+                <a:effectLst/>
+                <a:latin typeface="Roboto" panose="02000000000000000000" pitchFamily="2" charset="0"/>
+              </a:rPr>
+              <a:t> fits</a:t>
+            </a:r>
+            <a:r>
+              <a:rPr kumimoji="0" lang="zh-CN" altLang="zh-CN" sz="1200" b="0" i="0" u="none" strike="noStrike" cap="none" normalizeH="0" baseline="0" dirty="0">
+                <a:ln>
+                  <a:noFill/>
+                </a:ln>
+                <a:solidFill>
+                  <a:schemeClr val="tx1"/>
+                </a:solidFill>
+                <a:effectLst/>
+                <a:latin typeface="Roboto" panose="02000000000000000000" pitchFamily="2" charset="0"/>
+              </a:rPr>
+              <a:t>：总共训练了 </a:t>
+            </a:r>
+            <a:r>
+              <a:rPr kumimoji="0" lang="en-US" altLang="zh-CN" sz="1200" b="0" i="0" u="none" strike="noStrike" cap="none" normalizeH="0" baseline="0" dirty="0">
+                <a:ln>
+                  <a:noFill/>
+                </a:ln>
+                <a:solidFill>
+                  <a:schemeClr val="tx1"/>
+                </a:solidFill>
+                <a:effectLst/>
+                <a:latin typeface="Roboto" panose="02000000000000000000" pitchFamily="2" charset="0"/>
+              </a:rPr>
+              <a:t>15</a:t>
+            </a:r>
+            <a:r>
+              <a:rPr kumimoji="0" lang="zh-CN" altLang="zh-CN" sz="1200" b="0" i="0" u="none" strike="noStrike" cap="none" normalizeH="0" baseline="0" dirty="0">
+                <a:ln>
+                  <a:noFill/>
+                </a:ln>
+                <a:solidFill>
+                  <a:schemeClr val="tx1"/>
+                </a:solidFill>
+                <a:effectLst/>
+                <a:latin typeface="Roboto" panose="02000000000000000000" pitchFamily="2" charset="0"/>
+              </a:rPr>
+              <a:t> 次模型（5 折 × </a:t>
+            </a:r>
+            <a:r>
+              <a:rPr kumimoji="0" lang="en-US" altLang="zh-CN" sz="1200" b="0" i="0" u="none" strike="noStrike" cap="none" normalizeH="0" baseline="0" dirty="0">
+                <a:ln>
+                  <a:noFill/>
+                </a:ln>
+                <a:solidFill>
+                  <a:schemeClr val="tx1"/>
+                </a:solidFill>
+                <a:effectLst/>
+                <a:latin typeface="Roboto" panose="02000000000000000000" pitchFamily="2" charset="0"/>
+              </a:rPr>
+              <a:t>3</a:t>
+            </a:r>
+            <a:r>
+              <a:rPr kumimoji="0" lang="zh-CN" altLang="zh-CN" sz="1200" b="0" i="0" u="none" strike="noStrike" cap="none" normalizeH="0" baseline="0" dirty="0">
+                <a:ln>
+                  <a:noFill/>
+                </a:ln>
+                <a:solidFill>
+                  <a:schemeClr val="tx1"/>
+                </a:solidFill>
+                <a:effectLst/>
+                <a:latin typeface="Roboto" panose="02000000000000000000" pitchFamily="2" charset="0"/>
+              </a:rPr>
+              <a:t> 种参数组合）。</a:t>
+            </a:r>
+          </a:p>
+          <a:p>
+            <a:pPr marL="0" marR="0" lvl="0" indent="0" algn="l" defTabSz="914400" rtl="0" eaLnBrk="0" fontAlgn="base" latinLnBrk="0" hangingPunct="0">
+              <a:lnSpc>
+                <a:spcPct val="100000"/>
+              </a:lnSpc>
+              <a:spcBef>
+                <a:spcPct val="0"/>
+              </a:spcBef>
+              <a:spcAft>
+                <a:spcPct val="0"/>
+              </a:spcAft>
+              <a:buClrTx/>
+              <a:buSzTx/>
+              <a:buFontTx/>
+              <a:buNone/>
+              <a:tabLst/>
+            </a:pPr>
+            <a:endParaRPr kumimoji="0" lang="zh-CN" altLang="zh-CN" sz="1800" b="0" i="0" u="none" strike="noStrike" cap="none" normalizeH="0" baseline="0" dirty="0">
+              <a:ln>
+                <a:noFill/>
+              </a:ln>
+              <a:solidFill>
+                <a:schemeClr val="tx1"/>
+              </a:solidFill>
+              <a:effectLst/>
+              <a:latin typeface="Arial" panose="020B0604020202020204" pitchFamily="34" charset="0"/>
+            </a:endParaRPr>
+          </a:p>
+        </p:txBody>
+      </p:sp>
+      <p:sp>
+        <p:nvSpPr>
+          <p:cNvPr id="10" name="标题 9">
+            <a:extLst>
+              <a:ext uri="{FF2B5EF4-FFF2-40B4-BE49-F238E27FC236}">
+                <a16:creationId xmlns:a16="http://schemas.microsoft.com/office/drawing/2014/main" id="{F054F07C-94A1-90A1-BE40-372019E9F2B0}"/>
+              </a:ext>
+            </a:extLst>
+          </p:cNvPr>
+          <p:cNvSpPr>
+            <a:spLocks noGrp="1"/>
+          </p:cNvSpPr>
+          <p:nvPr>
+            <p:ph type="title"/>
+          </p:nvPr>
+        </p:nvSpPr>
+        <p:spPr>
+          <a:xfrm>
+            <a:off x="337021" y="364746"/>
+            <a:ext cx="10515600" cy="365126"/>
+          </a:xfrm>
+        </p:spPr>
+        <p:txBody>
+          <a:bodyPr>
+            <a:normAutofit fontScale="90000"/>
+          </a:bodyPr>
+          <a:lstStyle/>
+          <a:p>
+            <a:r>
+              <a:rPr lang="zh-CN" altLang="en-US" dirty="0"/>
+              <a:t>模型评估</a:t>
+            </a:r>
+          </a:p>
         </p:txBody>
       </p:sp>
     </p:spTree>
     <p:extLst>
       <p:ext uri="{BB962C8B-B14F-4D97-AF65-F5344CB8AC3E}">
-        <p14:creationId xmlns:p14="http://schemas.microsoft.com/office/powerpoint/2010/main" val="1317663813"/>
+        <p14:creationId xmlns:p14="http://schemas.microsoft.com/office/powerpoint/2010/main" val="1769274311"/>
       </p:ext>
     </p:extLst>
   </p:cSld>
@@ -6242,7 +6908,7 @@
 </p:sld>
 </file>
 
-<file path=ppt/slides/slide4.xml><?xml version="1.0" encoding="utf-8"?>
+<file path=ppt/slides/slide6.xml><?xml version="1.0" encoding="utf-8"?>
 <p:sld xmlns:a="http://schemas.openxmlformats.org/drawingml/2006/main" xmlns:r="http://schemas.openxmlformats.org/officeDocument/2006/relationships" xmlns:p="http://schemas.openxmlformats.org/presentationml/2006/main">
   <p:cSld>
     <p:spTree>
@@ -6342,7 +7008,7 @@
         </p:nvSpPr>
         <p:spPr>
           <a:xfrm>
-            <a:off x="782698" y="1137680"/>
+            <a:off x="763397" y="1204405"/>
             <a:ext cx="10966322" cy="5071228"/>
           </a:xfrm>
           <a:prstGeom prst="rect">
@@ -6460,19 +7126,6 @@
               <a:buFontTx/>
               <a:buNone/>
             </a:pPr>
-            <a:r>
-              <a:rPr kumimoji="0" lang="zh-CN" altLang="zh-CN" sz="1800" b="0" i="0" u="none" strike="noStrike" cap="none" normalizeH="0" baseline="0" dirty="0">
-                <a:ln>
-                  <a:noFill/>
-                </a:ln>
-                <a:solidFill>
-                  <a:schemeClr val="tx1"/>
-                </a:solidFill>
-                <a:effectLst/>
-                <a:latin typeface="Roboto" panose="02000000000000000000" pitchFamily="2" charset="0"/>
-              </a:rPr>
-              <a:t>Ridge模型超参数优化</a:t>
-            </a:r>
             <a:endParaRPr kumimoji="0" lang="zh-CN" sz="1800" b="1" i="0" u="none" strike="noStrike" kern="1200" cap="none" spc="0" normalizeH="0" baseline="0" noProof="0" dirty="0">
               <a:ln>
                 <a:noFill/>
@@ -6586,7 +7239,7 @@
                 <a:latin typeface="Times New Roman" panose="02020603050405020304" pitchFamily="18" charset="0"/>
                 <a:cs typeface="Times New Roman" panose="02020603050405020304" pitchFamily="18" charset="0"/>
               </a:rPr>
-              <a:t>4</a:t>
+              <a:t>6</a:t>
             </a:fld>
             <a:endParaRPr lang="zh-CN" altLang="en-US" dirty="0">
               <a:latin typeface="Times New Roman" panose="02020603050405020304" pitchFamily="18" charset="0"/>
@@ -6739,17 +7392,77 @@
                 <a:latin typeface="Times New Roman" panose="02020603050405020304" pitchFamily="18" charset="0"/>
                 <a:cs typeface="Times New Roman" panose="02020603050405020304" pitchFamily="18" charset="0"/>
               </a:rPr>
-              <a:t>最佳模型优化</a:t>
-            </a:r>
-          </a:p>
-        </p:txBody>
-      </p:sp>
-      <p:sp>
-        <p:nvSpPr>
-          <p:cNvPr id="3" name="文本框 13">
+              <a:t>模型表现对比</a:t>
+            </a:r>
+          </a:p>
+        </p:txBody>
+      </p:sp>
+      <p:pic>
+        <p:nvPicPr>
+          <p:cNvPr id="5" name="图片 4">
             <a:extLst>
               <a:ext uri="{FF2B5EF4-FFF2-40B4-BE49-F238E27FC236}">
-                <a16:creationId xmlns:a16="http://schemas.microsoft.com/office/drawing/2014/main" id="{2AAB3F7F-EE28-A928-F158-13510485DCA0}"/>
+                <a16:creationId xmlns:a16="http://schemas.microsoft.com/office/drawing/2014/main" id="{B2307D24-6440-EAE0-82A0-12BDD08177B8}"/>
+              </a:ext>
+            </a:extLst>
+          </p:cNvPr>
+          <p:cNvPicPr>
+            <a:picLocks noChangeAspect="1"/>
+          </p:cNvPicPr>
+          <p:nvPr/>
+        </p:nvPicPr>
+        <p:blipFill>
+          <a:blip r:embed="rId5"/>
+          <a:stretch>
+            <a:fillRect/>
+          </a:stretch>
+        </p:blipFill>
+        <p:spPr>
+          <a:xfrm>
+            <a:off x="865609" y="1279199"/>
+            <a:ext cx="5920052" cy="2947168"/>
+          </a:xfrm>
+          <a:prstGeom prst="rect">
+            <a:avLst/>
+          </a:prstGeom>
+        </p:spPr>
+      </p:pic>
+      <p:pic>
+        <p:nvPicPr>
+          <p:cNvPr id="7" name="图片 6">
+            <a:extLst>
+              <a:ext uri="{FF2B5EF4-FFF2-40B4-BE49-F238E27FC236}">
+                <a16:creationId xmlns:a16="http://schemas.microsoft.com/office/drawing/2014/main" id="{2F34BA84-1000-391A-4889-119846028178}"/>
+              </a:ext>
+            </a:extLst>
+          </p:cNvPr>
+          <p:cNvPicPr>
+            <a:picLocks noChangeAspect="1"/>
+          </p:cNvPicPr>
+          <p:nvPr/>
+        </p:nvPicPr>
+        <p:blipFill>
+          <a:blip r:embed="rId6"/>
+          <a:stretch>
+            <a:fillRect/>
+          </a:stretch>
+        </p:blipFill>
+        <p:spPr>
+          <a:xfrm>
+            <a:off x="6984565" y="1340693"/>
+            <a:ext cx="4341826" cy="1938315"/>
+          </a:xfrm>
+          <a:prstGeom prst="rect">
+            <a:avLst/>
+          </a:prstGeom>
+        </p:spPr>
+      </p:pic>
+      <p:sp>
+        <p:nvSpPr>
+          <p:cNvPr id="8" name="文本框 13">
+            <a:extLst>
+              <a:ext uri="{FF2B5EF4-FFF2-40B4-BE49-F238E27FC236}">
+                <a16:creationId xmlns:a16="http://schemas.microsoft.com/office/drawing/2014/main" id="{50C72309-AFE6-A68F-E6FC-4CEDCBA2AEFC}"/>
               </a:ext>
             </a:extLst>
           </p:cNvPr>
@@ -6758,8 +7471,8 @@
         </p:nvSpPr>
         <p:spPr>
           <a:xfrm>
-            <a:off x="2097169" y="1580291"/>
-            <a:ext cx="5302043" cy="2054922"/>
+            <a:off x="1080074" y="4228001"/>
+            <a:ext cx="6385851" cy="1477328"/>
           </a:xfrm>
           <a:prstGeom prst="rect">
             <a:avLst/>
@@ -6772,751 +7485,51 @@
           </a:bodyPr>
           <a:lstStyle/>
           <a:p>
-            <a:pPr marR="0" lvl="0" algn="l" defTabSz="914400" rtl="0" eaLnBrk="1" fontAlgn="auto" latinLnBrk="0" hangingPunct="1">
-              <a:lnSpc>
-                <a:spcPct val="120000"/>
-              </a:lnSpc>
-              <a:spcBef>
-                <a:spcPts val="0"/>
-              </a:spcBef>
-              <a:spcAft>
-                <a:spcPts val="0"/>
-              </a:spcAft>
-              <a:buClrTx/>
-              <a:buSzTx/>
-            </a:pPr>
-            <a:r>
-              <a:rPr kumimoji="0" lang="zh-CN" altLang="en-US" sz="1800" b="0" i="0" u="none" strike="noStrike" kern="1200" cap="none" spc="0" normalizeH="0" baseline="0" noProof="0" dirty="0">
-                <a:ln>
-                  <a:noFill/>
-                </a:ln>
-                <a:solidFill>
-                  <a:prstClr val="black"/>
-                </a:solidFill>
-                <a:effectLst/>
-                <a:uLnTx/>
-                <a:uFillTx/>
-                <a:latin typeface="Times New Roman" panose="02020603050405020304" pitchFamily="18" charset="0"/>
-                <a:ea typeface="楷体" panose="02010609060101010101" pitchFamily="49" charset="-122"/>
-                <a:cs typeface="Times New Roman" panose="02020603050405020304" pitchFamily="18" charset="0"/>
-              </a:rPr>
-              <a:t>网格搜索结果：</a:t>
-            </a:r>
-          </a:p>
-          <a:p>
-            <a:pPr marR="0" lvl="0" algn="l" defTabSz="914400" rtl="0" eaLnBrk="1" fontAlgn="auto" latinLnBrk="0" hangingPunct="1">
-              <a:lnSpc>
-                <a:spcPct val="120000"/>
-              </a:lnSpc>
-              <a:spcBef>
-                <a:spcPts val="0"/>
-              </a:spcBef>
-              <a:spcAft>
-                <a:spcPts val="0"/>
-              </a:spcAft>
-              <a:buClrTx/>
-              <a:buSzTx/>
-            </a:pPr>
-            <a:r>
-              <a:rPr kumimoji="0" lang="zh-CN" altLang="en-US" sz="1800" b="0" i="0" u="none" strike="noStrike" kern="1200" cap="none" spc="0" normalizeH="0" baseline="0" noProof="0" dirty="0">
-                <a:ln>
-                  <a:noFill/>
-                </a:ln>
-                <a:solidFill>
-                  <a:prstClr val="black"/>
-                </a:solidFill>
-                <a:effectLst/>
-                <a:uLnTx/>
-                <a:uFillTx/>
-                <a:latin typeface="Times New Roman" panose="02020603050405020304" pitchFamily="18" charset="0"/>
-                <a:ea typeface="楷体" panose="02010609060101010101" pitchFamily="49" charset="-122"/>
-                <a:cs typeface="Times New Roman" panose="02020603050405020304" pitchFamily="18" charset="0"/>
-              </a:rPr>
-              <a:t>最佳参数：</a:t>
-            </a:r>
-            <a:r>
-              <a:rPr kumimoji="0" lang="en-US" altLang="zh-CN" sz="1800" b="0" i="0" u="none" strike="noStrike" kern="1200" cap="none" spc="0" normalizeH="0" baseline="0" noProof="0" dirty="0">
-                <a:ln>
-                  <a:noFill/>
-                </a:ln>
-                <a:solidFill>
-                  <a:prstClr val="black"/>
-                </a:solidFill>
-                <a:effectLst/>
-                <a:uLnTx/>
-                <a:uFillTx/>
-                <a:latin typeface="Times New Roman" panose="02020603050405020304" pitchFamily="18" charset="0"/>
-                <a:ea typeface="楷体" panose="02010609060101010101" pitchFamily="49" charset="-122"/>
-                <a:cs typeface="Times New Roman" panose="02020603050405020304" pitchFamily="18" charset="0"/>
-              </a:rPr>
-              <a:t>alpha=100, solver='</a:t>
-            </a:r>
-            <a:r>
-              <a:rPr kumimoji="0" lang="en-US" altLang="zh-CN" sz="1800" b="0" i="0" u="none" strike="noStrike" kern="1200" cap="none" spc="0" normalizeH="0" baseline="0" noProof="0" dirty="0" err="1">
-                <a:ln>
-                  <a:noFill/>
-                </a:ln>
-                <a:solidFill>
-                  <a:prstClr val="black"/>
-                </a:solidFill>
-                <a:effectLst/>
-                <a:uLnTx/>
-                <a:uFillTx/>
-                <a:latin typeface="Times New Roman" panose="02020603050405020304" pitchFamily="18" charset="0"/>
-                <a:ea typeface="楷体" panose="02010609060101010101" pitchFamily="49" charset="-122"/>
-                <a:cs typeface="Times New Roman" panose="02020603050405020304" pitchFamily="18" charset="0"/>
-              </a:rPr>
-              <a:t>lsqr</a:t>
-            </a:r>
-            <a:r>
-              <a:rPr kumimoji="0" lang="en-US" altLang="zh-CN" sz="1800" b="0" i="0" u="none" strike="noStrike" kern="1200" cap="none" spc="0" normalizeH="0" baseline="0" noProof="0" dirty="0">
-                <a:ln>
-                  <a:noFill/>
-                </a:ln>
-                <a:solidFill>
-                  <a:prstClr val="black"/>
-                </a:solidFill>
-                <a:effectLst/>
-                <a:uLnTx/>
-                <a:uFillTx/>
-                <a:latin typeface="Times New Roman" panose="02020603050405020304" pitchFamily="18" charset="0"/>
-                <a:ea typeface="楷体" panose="02010609060101010101" pitchFamily="49" charset="-122"/>
-                <a:cs typeface="Times New Roman" panose="02020603050405020304" pitchFamily="18" charset="0"/>
-              </a:rPr>
-              <a:t>'</a:t>
-            </a:r>
-          </a:p>
-          <a:p>
-            <a:pPr marR="0" lvl="0" algn="l" defTabSz="914400" rtl="0" eaLnBrk="1" fontAlgn="auto" latinLnBrk="0" hangingPunct="1">
-              <a:lnSpc>
-                <a:spcPct val="120000"/>
-              </a:lnSpc>
-              <a:spcBef>
-                <a:spcPts val="0"/>
-              </a:spcBef>
-              <a:spcAft>
-                <a:spcPts val="0"/>
-              </a:spcAft>
-              <a:buClrTx/>
-              <a:buSzTx/>
-            </a:pPr>
-            <a:r>
-              <a:rPr kumimoji="0" lang="zh-CN" altLang="en-US" sz="1800" b="0" i="0" u="none" strike="noStrike" kern="1200" cap="none" spc="0" normalizeH="0" baseline="0" noProof="0" dirty="0">
-                <a:ln>
-                  <a:noFill/>
-                </a:ln>
-                <a:solidFill>
-                  <a:prstClr val="black"/>
-                </a:solidFill>
-                <a:effectLst/>
-                <a:uLnTx/>
-                <a:uFillTx/>
-                <a:latin typeface="Times New Roman" panose="02020603050405020304" pitchFamily="18" charset="0"/>
-                <a:ea typeface="楷体" panose="02010609060101010101" pitchFamily="49" charset="-122"/>
-                <a:cs typeface="Times New Roman" panose="02020603050405020304" pitchFamily="18" charset="0"/>
-              </a:rPr>
-              <a:t>优化后</a:t>
-            </a:r>
-            <a:r>
-              <a:rPr kumimoji="0" lang="en-US" altLang="zh-CN" sz="1800" b="0" i="0" u="none" strike="noStrike" kern="1200" cap="none" spc="0" normalizeH="0" baseline="0" noProof="0" dirty="0">
-                <a:ln>
-                  <a:noFill/>
-                </a:ln>
-                <a:solidFill>
-                  <a:prstClr val="black"/>
-                </a:solidFill>
-                <a:effectLst/>
-                <a:uLnTx/>
-                <a:uFillTx/>
-                <a:latin typeface="Times New Roman" panose="02020603050405020304" pitchFamily="18" charset="0"/>
-                <a:ea typeface="楷体" panose="02010609060101010101" pitchFamily="49" charset="-122"/>
-                <a:cs typeface="Times New Roman" panose="02020603050405020304" pitchFamily="18" charset="0"/>
-              </a:rPr>
-              <a:t>CV</a:t>
-            </a:r>
-            <a:r>
-              <a:rPr kumimoji="0" lang="zh-CN" altLang="en-US" sz="1800" b="0" i="0" u="none" strike="noStrike" kern="1200" cap="none" spc="0" normalizeH="0" baseline="0" noProof="0" dirty="0">
-                <a:ln>
-                  <a:noFill/>
-                </a:ln>
-                <a:solidFill>
-                  <a:prstClr val="black"/>
-                </a:solidFill>
-                <a:effectLst/>
-                <a:uLnTx/>
-                <a:uFillTx/>
-                <a:latin typeface="Times New Roman" panose="02020603050405020304" pitchFamily="18" charset="0"/>
-                <a:ea typeface="楷体" panose="02010609060101010101" pitchFamily="49" charset="-122"/>
-                <a:cs typeface="Times New Roman" panose="02020603050405020304" pitchFamily="18" charset="0"/>
-              </a:rPr>
-              <a:t>分数：</a:t>
-            </a:r>
-            <a:r>
-              <a:rPr kumimoji="0" lang="en-US" altLang="zh-CN" sz="1800" b="0" i="0" u="none" strike="noStrike" kern="1200" cap="none" spc="0" normalizeH="0" baseline="0" noProof="0" dirty="0">
-                <a:ln>
-                  <a:noFill/>
-                </a:ln>
-                <a:solidFill>
-                  <a:prstClr val="black"/>
-                </a:solidFill>
-                <a:effectLst/>
-                <a:uLnTx/>
-                <a:uFillTx/>
-                <a:latin typeface="Times New Roman" panose="02020603050405020304" pitchFamily="18" charset="0"/>
-                <a:ea typeface="楷体" panose="02010609060101010101" pitchFamily="49" charset="-122"/>
-                <a:cs typeface="Times New Roman" panose="02020603050405020304" pitchFamily="18" charset="0"/>
-              </a:rPr>
-              <a:t>RMSE=1.4061</a:t>
-            </a:r>
-          </a:p>
-          <a:p>
-            <a:pPr marR="0" lvl="0" algn="l" defTabSz="914400" rtl="0" eaLnBrk="1" fontAlgn="auto" latinLnBrk="0" hangingPunct="1">
-              <a:lnSpc>
-                <a:spcPct val="120000"/>
-              </a:lnSpc>
-              <a:spcBef>
-                <a:spcPts val="0"/>
-              </a:spcBef>
-              <a:spcAft>
-                <a:spcPts val="0"/>
-              </a:spcAft>
-              <a:buClrTx/>
-              <a:buSzTx/>
-            </a:pPr>
-            <a:r>
-              <a:rPr kumimoji="0" lang="zh-CN" altLang="en-US" sz="1800" b="0" i="0" u="none" strike="noStrike" kern="1200" cap="none" spc="0" normalizeH="0" baseline="0" noProof="0" dirty="0">
-                <a:ln>
-                  <a:noFill/>
-                </a:ln>
-                <a:solidFill>
-                  <a:prstClr val="black"/>
-                </a:solidFill>
-                <a:effectLst/>
-                <a:uLnTx/>
-                <a:uFillTx/>
-                <a:latin typeface="Times New Roman" panose="02020603050405020304" pitchFamily="18" charset="0"/>
-                <a:ea typeface="楷体" panose="02010609060101010101" pitchFamily="49" charset="-122"/>
-                <a:cs typeface="Times New Roman" panose="02020603050405020304" pitchFamily="18" charset="0"/>
-              </a:rPr>
-              <a:t>优化效果：</a:t>
-            </a:r>
-          </a:p>
-          <a:p>
-            <a:pPr marR="0" lvl="0" algn="l" defTabSz="914400" rtl="0" eaLnBrk="1" fontAlgn="auto" latinLnBrk="0" hangingPunct="1">
-              <a:lnSpc>
-                <a:spcPct val="120000"/>
-              </a:lnSpc>
-              <a:spcBef>
-                <a:spcPts val="0"/>
-              </a:spcBef>
-              <a:spcAft>
-                <a:spcPts val="0"/>
-              </a:spcAft>
-              <a:buClrTx/>
-              <a:buSzTx/>
-            </a:pPr>
-            <a:r>
-              <a:rPr kumimoji="0" lang="zh-CN" altLang="en-US" sz="1800" b="0" i="0" u="none" strike="noStrike" kern="1200" cap="none" spc="0" normalizeH="0" baseline="0" noProof="0" dirty="0">
-                <a:ln>
-                  <a:noFill/>
-                </a:ln>
-                <a:solidFill>
-                  <a:prstClr val="black"/>
-                </a:solidFill>
-                <a:effectLst/>
-                <a:uLnTx/>
-                <a:uFillTx/>
-                <a:latin typeface="Times New Roman" panose="02020603050405020304" pitchFamily="18" charset="0"/>
-                <a:ea typeface="楷体" panose="02010609060101010101" pitchFamily="49" charset="-122"/>
-                <a:cs typeface="Times New Roman" panose="02020603050405020304" pitchFamily="18" charset="0"/>
-              </a:rPr>
-              <a:t>相比默认参数（</a:t>
-            </a:r>
-            <a:r>
-              <a:rPr kumimoji="0" lang="en-US" altLang="zh-CN" sz="1800" b="0" i="0" u="none" strike="noStrike" kern="1200" cap="none" spc="0" normalizeH="0" baseline="0" noProof="0" dirty="0">
-                <a:ln>
-                  <a:noFill/>
-                </a:ln>
-                <a:solidFill>
-                  <a:prstClr val="black"/>
-                </a:solidFill>
-                <a:effectLst/>
-                <a:uLnTx/>
-                <a:uFillTx/>
-                <a:latin typeface="Times New Roman" panose="02020603050405020304" pitchFamily="18" charset="0"/>
-                <a:ea typeface="楷体" panose="02010609060101010101" pitchFamily="49" charset="-122"/>
-                <a:cs typeface="Times New Roman" panose="02020603050405020304" pitchFamily="18" charset="0"/>
-              </a:rPr>
-              <a:t>CV RMSE=1.425</a:t>
-            </a:r>
-            <a:r>
-              <a:rPr kumimoji="0" lang="zh-CN" altLang="en-US" sz="1800" b="0" i="0" u="none" strike="noStrike" kern="1200" cap="none" spc="0" normalizeH="0" baseline="0" noProof="0" dirty="0">
-                <a:ln>
-                  <a:noFill/>
-                </a:ln>
-                <a:solidFill>
-                  <a:prstClr val="black"/>
-                </a:solidFill>
-                <a:effectLst/>
-                <a:uLnTx/>
-                <a:uFillTx/>
-                <a:latin typeface="Times New Roman" panose="02020603050405020304" pitchFamily="18" charset="0"/>
-                <a:ea typeface="楷体" panose="02010609060101010101" pitchFamily="49" charset="-122"/>
-                <a:cs typeface="Times New Roman" panose="02020603050405020304" pitchFamily="18" charset="0"/>
-              </a:rPr>
-              <a:t>），提升</a:t>
-            </a:r>
-            <a:r>
-              <a:rPr kumimoji="0" lang="en-US" altLang="zh-CN" sz="1800" b="0" i="0" u="none" strike="noStrike" kern="1200" cap="none" spc="0" normalizeH="0" baseline="0" noProof="0" dirty="0">
-                <a:ln>
-                  <a:noFill/>
-                </a:ln>
-                <a:solidFill>
-                  <a:prstClr val="black"/>
-                </a:solidFill>
-                <a:effectLst/>
-                <a:uLnTx/>
-                <a:uFillTx/>
-                <a:latin typeface="Times New Roman" panose="02020603050405020304" pitchFamily="18" charset="0"/>
-                <a:ea typeface="楷体" panose="02010609060101010101" pitchFamily="49" charset="-122"/>
-                <a:cs typeface="Times New Roman" panose="02020603050405020304" pitchFamily="18" charset="0"/>
-              </a:rPr>
-              <a:t>1.3%</a:t>
-            </a:r>
-          </a:p>
-          <a:p>
-            <a:pPr marR="0" lvl="0" algn="l" defTabSz="914400" rtl="0" eaLnBrk="1" fontAlgn="auto" latinLnBrk="0" hangingPunct="1">
-              <a:lnSpc>
-                <a:spcPct val="120000"/>
-              </a:lnSpc>
-              <a:spcBef>
-                <a:spcPts val="0"/>
-              </a:spcBef>
-              <a:spcAft>
-                <a:spcPts val="0"/>
-              </a:spcAft>
-              <a:buClrTx/>
-              <a:buSzTx/>
-            </a:pPr>
-            <a:r>
-              <a:rPr kumimoji="0" lang="zh-CN" altLang="en-US" sz="1800" b="0" i="0" u="none" strike="noStrike" kern="1200" cap="none" spc="0" normalizeH="0" baseline="0" noProof="0" dirty="0">
-                <a:ln>
-                  <a:noFill/>
-                </a:ln>
-                <a:solidFill>
-                  <a:prstClr val="black"/>
-                </a:solidFill>
-                <a:effectLst/>
-                <a:uLnTx/>
-                <a:uFillTx/>
-                <a:latin typeface="Times New Roman" panose="02020603050405020304" pitchFamily="18" charset="0"/>
-                <a:ea typeface="楷体" panose="02010609060101010101" pitchFamily="49" charset="-122"/>
-                <a:cs typeface="Times New Roman" panose="02020603050405020304" pitchFamily="18" charset="0"/>
-              </a:rPr>
-              <a:t>解决高维特征下的过拟合问题</a:t>
-            </a:r>
-          </a:p>
-        </p:txBody>
-      </p:sp>
-    </p:spTree>
-    <p:extLst>
-      <p:ext uri="{BB962C8B-B14F-4D97-AF65-F5344CB8AC3E}">
-        <p14:creationId xmlns:p14="http://schemas.microsoft.com/office/powerpoint/2010/main" val="1909396036"/>
-      </p:ext>
-    </p:extLst>
-  </p:cSld>
-  <p:clrMapOvr>
-    <a:masterClrMapping/>
-  </p:clrMapOvr>
-</p:sld>
-</file>
-
-<file path=ppt/slides/slide5.xml><?xml version="1.0" encoding="utf-8"?>
-<p:sld xmlns:a="http://schemas.openxmlformats.org/drawingml/2006/main" xmlns:r="http://schemas.openxmlformats.org/officeDocument/2006/relationships" xmlns:p="http://schemas.openxmlformats.org/presentationml/2006/main">
-  <p:cSld>
-    <p:spTree>
-      <p:nvGrpSpPr>
-        <p:cNvPr id="1" name=""/>
-        <p:cNvGrpSpPr/>
-        <p:nvPr/>
-      </p:nvGrpSpPr>
-      <p:grpSpPr>
-        <a:xfrm>
-          <a:off x="0" y="0"/>
-          <a:ext cx="0" cy="0"/>
-          <a:chOff x="0" y="0"/>
-          <a:chExt cx="0" cy="0"/>
-        </a:xfrm>
-      </p:grpSpPr>
-      <p:sp>
-        <p:nvSpPr>
-          <p:cNvPr id="1048647" name="矩形 9"/>
-          <p:cNvSpPr/>
-          <p:nvPr/>
-        </p:nvSpPr>
-        <p:spPr>
-          <a:xfrm>
-            <a:off x="763397" y="3733475"/>
-            <a:ext cx="10486238" cy="2550064"/>
-          </a:xfrm>
-          <a:prstGeom prst="rect">
-            <a:avLst/>
-          </a:prstGeom>
-          <a:solidFill>
-            <a:srgbClr val="F2F2F2"/>
-          </a:solidFill>
-          <a:ln>
-            <a:solidFill>
-              <a:srgbClr val="F2F2F2"/>
-            </a:solidFill>
-          </a:ln>
-        </p:spPr>
-        <p:style>
-          <a:lnRef idx="2">
-            <a:schemeClr val="accent1">
-              <a:shade val="50000"/>
-            </a:schemeClr>
-          </a:lnRef>
-          <a:fillRef idx="1">
-            <a:schemeClr val="accent1"/>
-          </a:fillRef>
-          <a:effectRef idx="0">
-            <a:schemeClr val="accent1"/>
-          </a:effectRef>
-          <a:fontRef idx="minor">
-            <a:schemeClr val="lt1"/>
-          </a:fontRef>
-        </p:style>
-        <p:txBody>
-          <a:bodyPr rtlCol="0" anchor="ctr"/>
-          <a:lstStyle/>
-          <a:p>
-            <a:pPr marL="285750" marR="0" lvl="0" indent="-285750" algn="l" defTabSz="914400" rtl="0" eaLnBrk="1" fontAlgn="auto" latinLnBrk="0" hangingPunct="1">
-              <a:lnSpc>
-                <a:spcPct val="100000"/>
-              </a:lnSpc>
-              <a:spcBef>
-                <a:spcPts val="0"/>
-              </a:spcBef>
-              <a:spcAft>
-                <a:spcPts val="0"/>
-              </a:spcAft>
-              <a:buClrTx/>
-              <a:buSzTx/>
-              <a:buFont typeface="Wingdings" panose="05000000000000000000" pitchFamily="2" charset="2"/>
-              <a:buChar char="p"/>
-            </a:pPr>
-            <a:endParaRPr kumimoji="0" lang="zh-CN" altLang="en-US" sz="1600" b="0" i="0" u="none" strike="noStrike" kern="1200" cap="none" spc="0" normalizeH="0" baseline="0" noProof="0" dirty="0">
-              <a:ln>
-                <a:noFill/>
-              </a:ln>
-              <a:solidFill>
-                <a:prstClr val="black"/>
-              </a:solidFill>
+            <a:pPr algn="l"/>
+            <a:endParaRPr lang="zh-CN" altLang="en-US" b="0" i="0" dirty="0">
               <a:effectLst/>
-              <a:uLnTx/>
-              <a:uFillTx/>
-              <a:latin typeface="Times New Roman" panose="02020603050405020304" pitchFamily="18" charset="0"/>
-              <a:ea typeface="楷体" panose="02010609060101010101" pitchFamily="49" charset="-122"/>
-              <a:cs typeface="Times New Roman" panose="02020603050405020304" pitchFamily="18" charset="0"/>
+              <a:latin typeface="Roboto" panose="02000000000000000000" pitchFamily="2" charset="0"/>
             </a:endParaRPr>
           </a:p>
-        </p:txBody>
-      </p:sp>
-      <p:sp>
-        <p:nvSpPr>
-          <p:cNvPr id="1048648" name="矩形 5"/>
-          <p:cNvSpPr/>
-          <p:nvPr/>
-        </p:nvSpPr>
-        <p:spPr>
-          <a:xfrm>
-            <a:off x="763398" y="1169286"/>
-            <a:ext cx="10966322" cy="5071228"/>
-          </a:xfrm>
-          <a:prstGeom prst="rect">
-            <a:avLst/>
-          </a:prstGeom>
-          <a:solidFill>
-            <a:srgbClr val="F2F2F2"/>
-          </a:solidFill>
-          <a:ln>
-            <a:solidFill>
-              <a:srgbClr val="F2F2F2"/>
-            </a:solidFill>
-          </a:ln>
-        </p:spPr>
-        <p:style>
-          <a:lnRef idx="2">
-            <a:schemeClr val="accent1">
-              <a:shade val="50000"/>
-            </a:schemeClr>
-          </a:lnRef>
-          <a:fillRef idx="1">
-            <a:schemeClr val="accent1"/>
-          </a:fillRef>
-          <a:effectRef idx="0">
-            <a:schemeClr val="accent1"/>
-          </a:effectRef>
-          <a:fontRef idx="minor">
-            <a:schemeClr val="lt1"/>
-          </a:fontRef>
-        </p:style>
-        <p:txBody>
-          <a:bodyPr rtlCol="0" anchor="ctr"/>
-          <a:lstStyle/>
-          <a:p>
-            <a:pPr marR="0" lvl="0" algn="l" defTabSz="914400" rtl="0" eaLnBrk="1" fontAlgn="auto" latinLnBrk="0" hangingPunct="1">
-              <a:lnSpc>
-                <a:spcPct val="120000"/>
-              </a:lnSpc>
-              <a:spcBef>
-                <a:spcPts val="0"/>
-              </a:spcBef>
-              <a:spcAft>
-                <a:spcPts val="0"/>
-              </a:spcAft>
-              <a:buClrTx/>
-              <a:buSzTx/>
-            </a:pPr>
-            <a:endParaRPr kumimoji="0" lang="zh-CN" altLang="en-US" sz="1600" b="0" i="0" u="none" strike="noStrike" kern="1200" cap="none" spc="0" normalizeH="0" baseline="0" noProof="0" dirty="0">
-              <a:ln>
-                <a:noFill/>
-              </a:ln>
-              <a:solidFill>
-                <a:prstClr val="black"/>
-              </a:solidFill>
-              <a:effectLst/>
-              <a:uLnTx/>
-              <a:uFillTx/>
-              <a:latin typeface="Times New Roman" panose="02020603050405020304" pitchFamily="18" charset="0"/>
-              <a:ea typeface="楷体" panose="02010609060101010101" pitchFamily="49" charset="-122"/>
-              <a:cs typeface="Times New Roman" panose="02020603050405020304" pitchFamily="18" charset="0"/>
-            </a:endParaRPr>
-          </a:p>
-        </p:txBody>
-      </p:sp>
-      <p:sp>
-        <p:nvSpPr>
-          <p:cNvPr id="1048649" name="矩形 18"/>
-          <p:cNvSpPr/>
-          <p:nvPr/>
-        </p:nvSpPr>
-        <p:spPr>
-          <a:xfrm>
-            <a:off x="763398" y="828134"/>
-            <a:ext cx="10966322" cy="365126"/>
-          </a:xfrm>
-          <a:prstGeom prst="rect">
-            <a:avLst/>
-          </a:prstGeom>
-          <a:solidFill>
-            <a:srgbClr val="A22628"/>
-          </a:solidFill>
-        </p:spPr>
-        <p:style>
-          <a:lnRef idx="2">
-            <a:schemeClr val="accent1">
-              <a:shade val="50000"/>
-            </a:schemeClr>
-          </a:lnRef>
-          <a:fillRef idx="1">
-            <a:schemeClr val="accent1"/>
-          </a:fillRef>
-          <a:effectRef idx="0">
-            <a:schemeClr val="accent1"/>
-          </a:effectRef>
-          <a:fontRef idx="minor">
-            <a:schemeClr val="lt1"/>
-          </a:fontRef>
-        </p:style>
-        <p:txBody>
-          <a:bodyPr rtlCol="0" anchor="ctr"/>
-          <a:lstStyle/>
-          <a:p>
-            <a:pPr marL="0" marR="0" lvl="0" indent="0" algn="l" defTabSz="914400" rtl="0" eaLnBrk="1" fontAlgn="auto" latinLnBrk="0" hangingPunct="1">
-              <a:lnSpc>
-                <a:spcPct val="100000"/>
-              </a:lnSpc>
-              <a:spcBef>
-                <a:spcPts val="0"/>
-              </a:spcBef>
-              <a:spcAft>
-                <a:spcPts val="0"/>
-              </a:spcAft>
-              <a:buClrTx/>
-              <a:buSzTx/>
-              <a:buFontTx/>
-              <a:buNone/>
+          <a:p>
+            <a:pPr marL="742950" lvl="1" indent="-285750" algn="l">
+              <a:buFont typeface="+mj-lt"/>
+              <a:buAutoNum type="arabicPeriod"/>
             </a:pPr>
             <a:r>
               <a:rPr lang="zh-CN" altLang="en-US" b="0" i="0" dirty="0">
                 <a:effectLst/>
                 <a:latin typeface="Roboto" panose="02000000000000000000" pitchFamily="2" charset="0"/>
               </a:rPr>
-              <a:t>挑战与解决方案</a:t>
-            </a:r>
-            <a:endParaRPr kumimoji="0" lang="zh-CN" sz="1800" b="1" i="0" u="none" strike="noStrike" kern="1200" cap="none" spc="0" normalizeH="0" baseline="0" noProof="0" dirty="0">
-              <a:ln>
-                <a:noFill/>
-              </a:ln>
-              <a:solidFill>
-                <a:prstClr val="white"/>
-              </a:solidFill>
-              <a:effectLst/>
-              <a:uLnTx/>
-              <a:uFillTx/>
-              <a:latin typeface="Times New Roman" panose="02020603050405020304" pitchFamily="18" charset="0"/>
-              <a:ea typeface="楷体" panose="02010609060101010101" pitchFamily="49" charset="-122"/>
-              <a:cs typeface="Times New Roman" panose="02020603050405020304" pitchFamily="18" charset="0"/>
-            </a:endParaRPr>
-          </a:p>
-        </p:txBody>
-      </p:sp>
-      <p:sp>
-        <p:nvSpPr>
-          <p:cNvPr id="1048650" name="矩形 68"/>
-          <p:cNvSpPr/>
-          <p:nvPr/>
-        </p:nvSpPr>
-        <p:spPr>
-          <a:xfrm>
-            <a:off x="5743574" y="1221835"/>
-            <a:ext cx="4772026" cy="2550065"/>
-          </a:xfrm>
-          <a:prstGeom prst="rect">
-            <a:avLst/>
-          </a:prstGeom>
-          <a:noFill/>
-          <a:ln>
-            <a:noFill/>
-          </a:ln>
-        </p:spPr>
-        <p:style>
-          <a:lnRef idx="2">
-            <a:schemeClr val="accent1">
-              <a:shade val="50000"/>
-            </a:schemeClr>
-          </a:lnRef>
-          <a:fillRef idx="1">
-            <a:schemeClr val="accent1"/>
-          </a:fillRef>
-          <a:effectRef idx="0">
-            <a:schemeClr val="accent1"/>
-          </a:effectRef>
-          <a:fontRef idx="minor">
-            <a:schemeClr val="lt1"/>
-          </a:fontRef>
-        </p:style>
-        <p:txBody>
-          <a:bodyPr rtlCol="0" anchor="ctr"/>
-          <a:lstStyle/>
-          <a:p>
-            <a:pPr marL="0" marR="0" lvl="0" indent="0" algn="l" defTabSz="914400" rtl="0" eaLnBrk="1" fontAlgn="auto" latinLnBrk="0" hangingPunct="1">
-              <a:lnSpc>
-                <a:spcPct val="100000"/>
-              </a:lnSpc>
-              <a:spcBef>
-                <a:spcPts val="0"/>
-              </a:spcBef>
-              <a:spcAft>
-                <a:spcPts val="0"/>
-              </a:spcAft>
-              <a:buClrTx/>
-              <a:buSzTx/>
-              <a:buFontTx/>
-              <a:buNone/>
-            </a:pPr>
-            <a:endParaRPr kumimoji="0" lang="zh-CN" altLang="en-US" sz="1800" b="0" i="0" u="none" strike="noStrike" kern="1200" cap="none" spc="0" normalizeH="0" baseline="0" noProof="0" dirty="0">
-              <a:ln>
-                <a:noFill/>
-              </a:ln>
-              <a:solidFill>
-                <a:prstClr val="black"/>
-              </a:solidFill>
-              <a:effectLst/>
-              <a:uLnTx/>
-              <a:uFillTx/>
-              <a:latin typeface="Times New Roman" panose="02020603050405020304" pitchFamily="18" charset="0"/>
-              <a:ea typeface="楷体" panose="02010609060101010101" pitchFamily="49" charset="-122"/>
-              <a:cs typeface="Times New Roman" panose="02020603050405020304" pitchFamily="18" charset="0"/>
-            </a:endParaRPr>
-          </a:p>
-        </p:txBody>
-      </p:sp>
-      <p:sp>
-        <p:nvSpPr>
-          <p:cNvPr id="1048651" name="灯片编号占位符 1"/>
-          <p:cNvSpPr>
-            <a:spLocks noGrp="1"/>
-          </p:cNvSpPr>
-          <p:nvPr>
-            <p:ph type="sldNum" sz="quarter" idx="12"/>
-          </p:nvPr>
-        </p:nvSpPr>
-        <p:spPr>
-          <a:xfrm>
-            <a:off x="10897838" y="6360926"/>
-            <a:ext cx="455961" cy="360551"/>
-          </a:xfrm>
-        </p:spPr>
-        <p:txBody>
-          <a:bodyPr/>
-          <a:lstStyle/>
-          <a:p>
-            <a:fld id="{F18858F7-4EE7-4CC5-B1EF-1154CF27D88D}" type="slidenum">
-              <a:rPr lang="zh-CN" altLang="en-US" smtClean="0">
-                <a:latin typeface="Times New Roman" panose="02020603050405020304" pitchFamily="18" charset="0"/>
-                <a:cs typeface="Times New Roman" panose="02020603050405020304" pitchFamily="18" charset="0"/>
-              </a:rPr>
-              <a:t>5</a:t>
-            </a:fld>
-            <a:endParaRPr lang="zh-CN" altLang="en-US" dirty="0">
-              <a:latin typeface="Times New Roman" panose="02020603050405020304" pitchFamily="18" charset="0"/>
-              <a:cs typeface="Times New Roman" panose="02020603050405020304" pitchFamily="18" charset="0"/>
-            </a:endParaRPr>
-          </a:p>
-        </p:txBody>
-      </p:sp>
-      <p:sp>
-        <p:nvSpPr>
-          <p:cNvPr id="1048652" name="文本框 13"/>
-          <p:cNvSpPr txBox="1"/>
-          <p:nvPr/>
-        </p:nvSpPr>
-        <p:spPr>
-          <a:xfrm>
-            <a:off x="1617661" y="2063706"/>
-            <a:ext cx="5302043" cy="2328714"/>
-          </a:xfrm>
-          <a:prstGeom prst="rect">
-            <a:avLst/>
-          </a:prstGeom>
-          <a:noFill/>
-        </p:spPr>
-        <p:txBody>
-          <a:bodyPr wrap="square" rtlCol="0">
-            <a:spAutoFit/>
-          </a:bodyPr>
-          <a:lstStyle/>
-          <a:p>
-            <a:pPr algn="l">
-              <a:buFont typeface="+mj-lt"/>
-              <a:buAutoNum type="arabicPeriod"/>
-            </a:pPr>
-            <a:r>
-              <a:rPr lang="zh-CN" altLang="en-US" b="1" i="0" dirty="0">
+              <a:t>增加树数量</a:t>
+            </a:r>
+            <a:r>
+              <a:rPr lang="en-US" altLang="zh-CN" b="0" i="0" dirty="0">
                 <a:effectLst/>
                 <a:latin typeface="Roboto" panose="02000000000000000000" pitchFamily="2" charset="0"/>
               </a:rPr>
-              <a:t>关键问题</a:t>
+              <a:t>(</a:t>
+            </a:r>
+            <a:r>
+              <a:rPr lang="en-US" altLang="zh-CN" b="0" i="0" dirty="0" err="1">
+                <a:effectLst/>
+                <a:latin typeface="Roboto" panose="02000000000000000000" pitchFamily="2" charset="0"/>
+              </a:rPr>
+              <a:t>n_estimators</a:t>
+            </a:r>
+            <a:r>
+              <a:rPr lang="en-US" altLang="zh-CN" b="0" i="0" dirty="0">
+                <a:effectLst/>
+                <a:latin typeface="Roboto" panose="02000000000000000000" pitchFamily="2" charset="0"/>
+              </a:rPr>
+              <a:t>=150)</a:t>
             </a:r>
             <a:r>
               <a:rPr lang="zh-CN" altLang="en-US" b="0" i="0" dirty="0">
                 <a:effectLst/>
                 <a:latin typeface="Roboto" panose="02000000000000000000" pitchFamily="2" charset="0"/>
               </a:rPr>
-              <a:t>：</a:t>
+              <a:t>未导致过拟合</a:t>
             </a:r>
           </a:p>
           <a:p>
@@ -7529,8 +7542,33 @@
                 <a:effectLst/>
                 <a:latin typeface="Roboto" panose="02000000000000000000" pitchFamily="2" charset="0"/>
               </a:rPr>
-              <a:t>线性回归数值溢出（需正则化）</a:t>
-            </a:r>
+              <a:t>限制</a:t>
+            </a:r>
+            <a:r>
+              <a:rPr lang="en-US" altLang="zh-CN" b="0" i="0" dirty="0" err="1">
+                <a:effectLst/>
+                <a:latin typeface="Roboto" panose="02000000000000000000" pitchFamily="2" charset="0"/>
+              </a:rPr>
+              <a:t>min_samples_split</a:t>
+            </a:r>
+            <a:r>
+              <a:rPr lang="en-US" altLang="zh-CN" b="0" i="0" dirty="0">
+                <a:effectLst/>
+                <a:latin typeface="Roboto" panose="02000000000000000000" pitchFamily="2" charset="0"/>
+              </a:rPr>
+              <a:t>=5</a:t>
+            </a:r>
+            <a:r>
+              <a:rPr lang="zh-CN" altLang="en-US" b="0" i="0" dirty="0">
+                <a:effectLst/>
+                <a:latin typeface="Roboto" panose="02000000000000000000" pitchFamily="2" charset="0"/>
+              </a:rPr>
+              <a:t>提升泛化能力</a:t>
+            </a:r>
+            <a:endParaRPr lang="en-US" altLang="zh-CN" b="0" i="0" dirty="0">
+              <a:effectLst/>
+              <a:latin typeface="Roboto" panose="02000000000000000000" pitchFamily="2" charset="0"/>
+            </a:endParaRPr>
           </a:p>
           <a:p>
             <a:pPr marL="742950" lvl="1" indent="-285750" algn="l">
@@ -7542,312 +7580,28 @@
                 <a:effectLst/>
                 <a:latin typeface="Roboto" panose="02000000000000000000" pitchFamily="2" charset="0"/>
               </a:rPr>
-              <a:t>特征尺度差异大（</a:t>
+              <a:t>深度控制 </a:t>
             </a:r>
             <a:r>
               <a:rPr lang="en-US" altLang="zh-CN" b="0" i="0" dirty="0" err="1">
                 <a:effectLst/>
                 <a:latin typeface="Roboto" panose="02000000000000000000" pitchFamily="2" charset="0"/>
               </a:rPr>
-              <a:t>StandardScaler</a:t>
+              <a:t>max_depth</a:t>
             </a:r>
             <a:r>
               <a:rPr lang="zh-CN" altLang="en-US" b="0" i="0" dirty="0">
                 <a:effectLst/>
                 <a:latin typeface="Roboto" panose="02000000000000000000" pitchFamily="2" charset="0"/>
               </a:rPr>
-              <a:t>解决）</a:t>
-            </a:r>
-          </a:p>
-          <a:p>
-            <a:pPr marL="742950" lvl="1" indent="-285750" algn="l">
-              <a:buFont typeface="+mj-lt"/>
-              <a:buAutoNum type="arabicPeriod"/>
-            </a:pPr>
-            <a:r>
-              <a:rPr lang="zh-CN" altLang="en-US" b="0" i="0" dirty="0">
-                <a:effectLst/>
-                <a:latin typeface="Roboto" panose="02000000000000000000" pitchFamily="2" charset="0"/>
-              </a:rPr>
-              <a:t>分类特征高基数（</a:t>
-            </a:r>
-            <a:r>
-              <a:rPr lang="en-US" altLang="zh-CN" b="0" i="0" dirty="0" err="1">
-                <a:effectLst/>
-                <a:latin typeface="Roboto" panose="02000000000000000000" pitchFamily="2" charset="0"/>
-              </a:rPr>
-              <a:t>OneHotEncoder</a:t>
-            </a:r>
-            <a:r>
-              <a:rPr lang="zh-CN" altLang="en-US" b="0" i="0" dirty="0">
-                <a:effectLst/>
-                <a:latin typeface="Roboto" panose="02000000000000000000" pitchFamily="2" charset="0"/>
-              </a:rPr>
-              <a:t>优化）</a:t>
-            </a:r>
-          </a:p>
-          <a:p>
-            <a:pPr algn="l">
-              <a:buFont typeface="+mj-lt"/>
-              <a:buAutoNum type="arabicPeriod"/>
-            </a:pPr>
-            <a:r>
-              <a:rPr lang="zh-CN" altLang="en-US" b="1" i="0" dirty="0">
-                <a:effectLst/>
-                <a:latin typeface="Roboto" panose="02000000000000000000" pitchFamily="2" charset="0"/>
-              </a:rPr>
-              <a:t>改进方向</a:t>
-            </a:r>
-            <a:r>
-              <a:rPr lang="zh-CN" altLang="en-US" b="0" i="0" dirty="0">
-                <a:effectLst/>
-                <a:latin typeface="Roboto" panose="02000000000000000000" pitchFamily="2" charset="0"/>
-              </a:rPr>
-              <a:t>：</a:t>
-            </a:r>
-          </a:p>
-          <a:p>
-            <a:pPr marL="742950" lvl="1" indent="-285750" algn="l">
-              <a:buFont typeface="+mj-lt"/>
-              <a:buAutoNum type="arabicPeriod"/>
-            </a:pPr>
-            <a:r>
-              <a:rPr lang="zh-CN" altLang="en-US" b="0" i="0" dirty="0">
-                <a:effectLst/>
-                <a:latin typeface="Roboto" panose="02000000000000000000" pitchFamily="2" charset="0"/>
-              </a:rPr>
-              <a:t>尝试</a:t>
-            </a:r>
-            <a:r>
-              <a:rPr lang="en-US" altLang="zh-CN" b="0" i="0" dirty="0" err="1">
-                <a:effectLst/>
-                <a:latin typeface="Roboto" panose="02000000000000000000" pitchFamily="2" charset="0"/>
-              </a:rPr>
-              <a:t>ElasticNet</a:t>
-            </a:r>
-            <a:r>
-              <a:rPr lang="zh-CN" altLang="en-US" b="0" i="0" dirty="0">
-                <a:effectLst/>
-                <a:latin typeface="Roboto" panose="02000000000000000000" pitchFamily="2" charset="0"/>
-              </a:rPr>
-              <a:t>结合</a:t>
-            </a:r>
-            <a:r>
-              <a:rPr lang="en-US" altLang="zh-CN" b="0" i="0" dirty="0">
-                <a:effectLst/>
-                <a:latin typeface="Roboto" panose="02000000000000000000" pitchFamily="2" charset="0"/>
-              </a:rPr>
-              <a:t>L1/L2</a:t>
-            </a:r>
-            <a:r>
-              <a:rPr lang="zh-CN" altLang="en-US" b="0" i="0" dirty="0">
-                <a:effectLst/>
-                <a:latin typeface="Roboto" panose="02000000000000000000" pitchFamily="2" charset="0"/>
-              </a:rPr>
-              <a:t>正则化</a:t>
-            </a:r>
-          </a:p>
-          <a:p>
-            <a:pPr marL="742950" lvl="1" indent="-285750" algn="l">
-              <a:buFont typeface="+mj-lt"/>
-              <a:buAutoNum type="arabicPeriod"/>
-            </a:pPr>
-            <a:r>
-              <a:rPr lang="zh-CN" altLang="en-US" b="0" i="0" dirty="0">
-                <a:effectLst/>
-                <a:latin typeface="Roboto" panose="02000000000000000000" pitchFamily="2" charset="0"/>
-              </a:rPr>
-              <a:t>增加非线性特征交互项</a:t>
-            </a:r>
-          </a:p>
-          <a:p>
-            <a:pPr marR="0" lvl="0" indent="0" algn="l" defTabSz="914400" rtl="0" eaLnBrk="1" fontAlgn="auto" latinLnBrk="0" hangingPunct="1">
-              <a:lnSpc>
-                <a:spcPct val="135000"/>
-              </a:lnSpc>
-              <a:spcBef>
-                <a:spcPts val="0"/>
-              </a:spcBef>
-              <a:spcAft>
-                <a:spcPts val="0"/>
-              </a:spcAft>
-              <a:buClrTx/>
-              <a:buSzTx/>
-              <a:buFont typeface="Wingdings" panose="05000000000000000000" pitchFamily="2" charset="2"/>
-              <a:buNone/>
-            </a:pPr>
-            <a:endParaRPr kumimoji="0" lang="zh-CN" altLang="en-US" sz="1600" i="0" u="none" strike="noStrike" kern="1200" cap="none" spc="0" normalizeH="0" baseline="0" noProof="0" dirty="0">
-              <a:ln>
-                <a:noFill/>
-              </a:ln>
-              <a:solidFill>
-                <a:schemeClr val="tx1"/>
-              </a:solidFill>
+              <a:t>平衡模型复杂度与过拟合风险</a:t>
+            </a:r>
+          </a:p>
+          <a:p>
+            <a:pPr algn="l"/>
+            <a:endParaRPr lang="zh-CN" altLang="en-US" b="0" i="0" dirty="0">
               <a:effectLst/>
-              <a:uLnTx/>
-              <a:uFillTx/>
-              <a:latin typeface="Times New Roman" panose="02020603050405020304" pitchFamily="18" charset="0"/>
-              <a:ea typeface="楷体" panose="02010609060101010101" pitchFamily="49" charset="-122"/>
-              <a:cs typeface="Times New Roman" panose="02020603050405020304" pitchFamily="18" charset="0"/>
-            </a:endParaRPr>
-          </a:p>
-        </p:txBody>
-      </p:sp>
-      <p:graphicFrame>
-        <p:nvGraphicFramePr>
-          <p:cNvPr id="4194304" name="对象 4">
-            <a:hlinkClick r:id="" action="ppaction://ole?verb=0"/>
-          </p:cNvPr>
-          <p:cNvGraphicFramePr>
-            <a:graphicFrameLocks noChangeAspect="1"/>
-          </p:cNvGraphicFramePr>
-          <p:nvPr/>
-        </p:nvGraphicFramePr>
-        <p:xfrm>
-          <a:off x="5638800" y="3321050"/>
-          <a:ext cx="914400" cy="215900"/>
-        </p:xfrm>
-        <a:graphic>
-          <a:graphicData uri="http://schemas.openxmlformats.org/presentationml/2006/ole">
-            <mc:AlternateContent xmlns:mc="http://schemas.openxmlformats.org/markup-compatibility/2006">
-              <mc:Choice xmlns:v="urn:schemas-microsoft-com:vml" Requires="v">
-                <p:oleObj r:id="rId2" imgW="914400" imgH="215900" progId="Equation.KSEE3">
-                  <p:embed/>
-                </p:oleObj>
-              </mc:Choice>
-              <mc:Fallback>
-                <p:oleObj r:id="rId2" imgW="914400" imgH="215900" progId="Equation.KSEE3">
-                  <p:embed/>
-                  <p:pic>
-                    <p:nvPicPr>
-                      <p:cNvPr id="4194304" name="对象 4">
-                        <a:hlinkClick r:id="" action="ppaction://ole?verb=0"/>
-                      </p:cNvPr>
-                      <p:cNvPicPr>
-                        <a:picLocks/>
-                      </p:cNvPicPr>
-                      <p:nvPr/>
-                    </p:nvPicPr>
-                    <p:blipFill>
-                      <a:blip r:embed="rId3"/>
-                      <a:stretch>
-                        <a:fillRect/>
-                      </a:stretch>
-                    </p:blipFill>
-                    <p:spPr>
-                      <a:xfrm>
-                        <a:off x="5638800" y="3321050"/>
-                        <a:ext cx="914400" cy="215900"/>
-                      </a:xfrm>
-                      <a:prstGeom prst="rect">
-                        <a:avLst/>
-                      </a:prstGeom>
-                    </p:spPr>
-                  </p:pic>
-                </p:oleObj>
-              </mc:Fallback>
-            </mc:AlternateContent>
-          </a:graphicData>
-        </a:graphic>
-      </p:graphicFrame>
-      <p:graphicFrame>
-        <p:nvGraphicFramePr>
-          <p:cNvPr id="4194305" name="对象 6">
-            <a:hlinkClick r:id="" action="ppaction://ole?verb=0"/>
-          </p:cNvPr>
-          <p:cNvGraphicFramePr>
-            <a:graphicFrameLocks noChangeAspect="1"/>
-          </p:cNvGraphicFramePr>
-          <p:nvPr/>
-        </p:nvGraphicFramePr>
-        <p:xfrm>
-          <a:off x="5638800" y="3321050"/>
-          <a:ext cx="914400" cy="215900"/>
-        </p:xfrm>
-        <a:graphic>
-          <a:graphicData uri="http://schemas.openxmlformats.org/presentationml/2006/ole">
-            <mc:AlternateContent xmlns:mc="http://schemas.openxmlformats.org/markup-compatibility/2006">
-              <mc:Choice xmlns:v="urn:schemas-microsoft-com:vml" Requires="v">
-                <p:oleObj r:id="rId4" imgW="914400" imgH="215900" progId="Equation.KSEE3">
-                  <p:embed/>
-                </p:oleObj>
-              </mc:Choice>
-              <mc:Fallback>
-                <p:oleObj r:id="rId4" imgW="914400" imgH="215900" progId="Equation.KSEE3">
-                  <p:embed/>
-                  <p:pic>
-                    <p:nvPicPr>
-                      <p:cNvPr id="4194305" name="对象 6">
-                        <a:hlinkClick r:id="" action="ppaction://ole?verb=0"/>
-                      </p:cNvPr>
-                      <p:cNvPicPr>
-                        <a:picLocks/>
-                      </p:cNvPicPr>
-                      <p:nvPr/>
-                    </p:nvPicPr>
-                    <p:blipFill>
-                      <a:blip r:embed="rId3"/>
-                      <a:stretch>
-                        <a:fillRect/>
-                      </a:stretch>
-                    </p:blipFill>
-                    <p:spPr>
-                      <a:xfrm>
-                        <a:off x="5638800" y="3321050"/>
-                        <a:ext cx="914400" cy="215900"/>
-                      </a:xfrm>
-                      <a:prstGeom prst="rect">
-                        <a:avLst/>
-                      </a:prstGeom>
-                    </p:spPr>
-                  </p:pic>
-                </p:oleObj>
-              </mc:Fallback>
-            </mc:AlternateContent>
-          </a:graphicData>
-        </a:graphic>
-      </p:graphicFrame>
-      <p:sp>
-        <p:nvSpPr>
-          <p:cNvPr id="1048653" name="标题 4"/>
-          <p:cNvSpPr>
-            <a:spLocks noGrp="1"/>
-          </p:cNvSpPr>
-          <p:nvPr>
-            <p:ph type="title"/>
-          </p:nvPr>
-        </p:nvSpPr>
-        <p:spPr>
-          <a:xfrm>
-            <a:off x="524044" y="351297"/>
-            <a:ext cx="10515600" cy="365126"/>
-          </a:xfrm>
-        </p:spPr>
-        <p:txBody>
-          <a:bodyPr>
-            <a:noAutofit/>
-          </a:bodyPr>
-          <a:lstStyle/>
-          <a:p>
-            <a:r>
-              <a:rPr lang="zh-CN" altLang="en-US" sz="1600" b="1" i="0" dirty="0">
-                <a:effectLst/>
-                <a:latin typeface="Roboto" panose="02000000000000000000" pitchFamily="2" charset="0"/>
-              </a:rPr>
-              <a:t>问题分析与改进</a:t>
-            </a:r>
-            <a:br>
-              <a:rPr lang="zh-CN" altLang="en-US" sz="1600" b="1" i="0" dirty="0">
-                <a:effectLst/>
-                <a:latin typeface="Roboto" panose="02000000000000000000" pitchFamily="2" charset="0"/>
-              </a:rPr>
-            </a:br>
-            <a:endParaRPr lang="zh-CN" altLang="en-US" sz="2300" dirty="0">
-              <a:solidFill>
-                <a:srgbClr val="A22628"/>
-              </a:solidFill>
-              <a:latin typeface="Times New Roman" panose="02020603050405020304" pitchFamily="18" charset="0"/>
-              <a:cs typeface="Times New Roman" panose="02020603050405020304" pitchFamily="18" charset="0"/>
+              <a:latin typeface="Roboto" panose="02000000000000000000" pitchFamily="2" charset="0"/>
             </a:endParaRPr>
           </a:p>
         </p:txBody>
@@ -7855,703 +7609,7 @@
     </p:spTree>
     <p:extLst>
       <p:ext uri="{BB962C8B-B14F-4D97-AF65-F5344CB8AC3E}">
-        <p14:creationId xmlns:p14="http://schemas.microsoft.com/office/powerpoint/2010/main" val="259983837"/>
-      </p:ext>
-    </p:extLst>
-  </p:cSld>
-  <p:clrMapOvr>
-    <a:masterClrMapping/>
-  </p:clrMapOvr>
-</p:sld>
-</file>
-
-<file path=ppt/slides/slide6.xml><?xml version="1.0" encoding="utf-8"?>
-<p:sld xmlns:a="http://schemas.openxmlformats.org/drawingml/2006/main" xmlns:r="http://schemas.openxmlformats.org/officeDocument/2006/relationships" xmlns:p="http://schemas.openxmlformats.org/presentationml/2006/main">
-  <p:cSld>
-    <p:spTree>
-      <p:nvGrpSpPr>
-        <p:cNvPr id="1" name=""/>
-        <p:cNvGrpSpPr/>
-        <p:nvPr/>
-      </p:nvGrpSpPr>
-      <p:grpSpPr>
-        <a:xfrm>
-          <a:off x="0" y="0"/>
-          <a:ext cx="0" cy="0"/>
-          <a:chOff x="0" y="0"/>
-          <a:chExt cx="0" cy="0"/>
-        </a:xfrm>
-      </p:grpSpPr>
-      <p:sp>
-        <p:nvSpPr>
-          <p:cNvPr id="1048647" name="矩形 9"/>
-          <p:cNvSpPr/>
-          <p:nvPr/>
-        </p:nvSpPr>
-        <p:spPr>
-          <a:xfrm>
-            <a:off x="763397" y="3733475"/>
-            <a:ext cx="10486238" cy="2550064"/>
-          </a:xfrm>
-          <a:prstGeom prst="rect">
-            <a:avLst/>
-          </a:prstGeom>
-          <a:solidFill>
-            <a:srgbClr val="F2F2F2"/>
-          </a:solidFill>
-          <a:ln>
-            <a:solidFill>
-              <a:srgbClr val="F2F2F2"/>
-            </a:solidFill>
-          </a:ln>
-        </p:spPr>
-        <p:style>
-          <a:lnRef idx="2">
-            <a:schemeClr val="accent1">
-              <a:shade val="50000"/>
-            </a:schemeClr>
-          </a:lnRef>
-          <a:fillRef idx="1">
-            <a:schemeClr val="accent1"/>
-          </a:fillRef>
-          <a:effectRef idx="0">
-            <a:schemeClr val="accent1"/>
-          </a:effectRef>
-          <a:fontRef idx="minor">
-            <a:schemeClr val="lt1"/>
-          </a:fontRef>
-        </p:style>
-        <p:txBody>
-          <a:bodyPr rtlCol="0" anchor="ctr"/>
-          <a:lstStyle/>
-          <a:p>
-            <a:pPr marL="285750" marR="0" lvl="0" indent="-285750" algn="l" defTabSz="914400" rtl="0" eaLnBrk="1" fontAlgn="auto" latinLnBrk="0" hangingPunct="1">
-              <a:lnSpc>
-                <a:spcPct val="100000"/>
-              </a:lnSpc>
-              <a:spcBef>
-                <a:spcPts val="0"/>
-              </a:spcBef>
-              <a:spcAft>
-                <a:spcPts val="0"/>
-              </a:spcAft>
-              <a:buClrTx/>
-              <a:buSzTx/>
-              <a:buFont typeface="Wingdings" panose="05000000000000000000" pitchFamily="2" charset="2"/>
-              <a:buChar char="p"/>
-            </a:pPr>
-            <a:endParaRPr kumimoji="0" lang="zh-CN" altLang="en-US" sz="1600" b="0" i="0" u="none" strike="noStrike" kern="1200" cap="none" spc="0" normalizeH="0" baseline="0" noProof="0" dirty="0">
-              <a:ln>
-                <a:noFill/>
-              </a:ln>
-              <a:solidFill>
-                <a:prstClr val="black"/>
-              </a:solidFill>
-              <a:effectLst/>
-              <a:uLnTx/>
-              <a:uFillTx/>
-              <a:latin typeface="Times New Roman" panose="02020603050405020304" pitchFamily="18" charset="0"/>
-              <a:ea typeface="楷体" panose="02010609060101010101" pitchFamily="49" charset="-122"/>
-              <a:cs typeface="Times New Roman" panose="02020603050405020304" pitchFamily="18" charset="0"/>
-            </a:endParaRPr>
-          </a:p>
-        </p:txBody>
-      </p:sp>
-      <p:sp>
-        <p:nvSpPr>
-          <p:cNvPr id="1048648" name="矩形 5"/>
-          <p:cNvSpPr/>
-          <p:nvPr/>
-        </p:nvSpPr>
-        <p:spPr>
-          <a:xfrm>
-            <a:off x="763398" y="1169286"/>
-            <a:ext cx="10966322" cy="5071228"/>
-          </a:xfrm>
-          <a:prstGeom prst="rect">
-            <a:avLst/>
-          </a:prstGeom>
-          <a:solidFill>
-            <a:srgbClr val="F2F2F2"/>
-          </a:solidFill>
-          <a:ln>
-            <a:solidFill>
-              <a:srgbClr val="F2F2F2"/>
-            </a:solidFill>
-          </a:ln>
-        </p:spPr>
-        <p:style>
-          <a:lnRef idx="2">
-            <a:schemeClr val="accent1">
-              <a:shade val="50000"/>
-            </a:schemeClr>
-          </a:lnRef>
-          <a:fillRef idx="1">
-            <a:schemeClr val="accent1"/>
-          </a:fillRef>
-          <a:effectRef idx="0">
-            <a:schemeClr val="accent1"/>
-          </a:effectRef>
-          <a:fontRef idx="minor">
-            <a:schemeClr val="lt1"/>
-          </a:fontRef>
-        </p:style>
-        <p:txBody>
-          <a:bodyPr rtlCol="0" anchor="ctr"/>
-          <a:lstStyle/>
-          <a:p>
-            <a:pPr marR="0" lvl="0" algn="l" defTabSz="914400" rtl="0" eaLnBrk="1" fontAlgn="auto" latinLnBrk="0" hangingPunct="1">
-              <a:lnSpc>
-                <a:spcPct val="120000"/>
-              </a:lnSpc>
-              <a:spcBef>
-                <a:spcPts val="0"/>
-              </a:spcBef>
-              <a:spcAft>
-                <a:spcPts val="0"/>
-              </a:spcAft>
-              <a:buClrTx/>
-              <a:buSzTx/>
-            </a:pPr>
-            <a:endParaRPr kumimoji="0" lang="zh-CN" altLang="en-US" sz="1600" b="0" i="0" u="none" strike="noStrike" kern="1200" cap="none" spc="0" normalizeH="0" baseline="0" noProof="0" dirty="0">
-              <a:ln>
-                <a:noFill/>
-              </a:ln>
-              <a:solidFill>
-                <a:prstClr val="black"/>
-              </a:solidFill>
-              <a:effectLst/>
-              <a:uLnTx/>
-              <a:uFillTx/>
-              <a:latin typeface="Times New Roman" panose="02020603050405020304" pitchFamily="18" charset="0"/>
-              <a:ea typeface="楷体" panose="02010609060101010101" pitchFamily="49" charset="-122"/>
-              <a:cs typeface="Times New Roman" panose="02020603050405020304" pitchFamily="18" charset="0"/>
-            </a:endParaRPr>
-          </a:p>
-        </p:txBody>
-      </p:sp>
-      <p:sp>
-        <p:nvSpPr>
-          <p:cNvPr id="1048649" name="矩形 18"/>
-          <p:cNvSpPr/>
-          <p:nvPr/>
-        </p:nvSpPr>
-        <p:spPr>
-          <a:xfrm>
-            <a:off x="763398" y="828134"/>
-            <a:ext cx="10966322" cy="365126"/>
-          </a:xfrm>
-          <a:prstGeom prst="rect">
-            <a:avLst/>
-          </a:prstGeom>
-          <a:solidFill>
-            <a:srgbClr val="A22628"/>
-          </a:solidFill>
-        </p:spPr>
-        <p:style>
-          <a:lnRef idx="2">
-            <a:schemeClr val="accent1">
-              <a:shade val="50000"/>
-            </a:schemeClr>
-          </a:lnRef>
-          <a:fillRef idx="1">
-            <a:schemeClr val="accent1"/>
-          </a:fillRef>
-          <a:effectRef idx="0">
-            <a:schemeClr val="accent1"/>
-          </a:effectRef>
-          <a:fontRef idx="minor">
-            <a:schemeClr val="lt1"/>
-          </a:fontRef>
-        </p:style>
-        <p:txBody>
-          <a:bodyPr rtlCol="0" anchor="ctr"/>
-          <a:lstStyle/>
-          <a:p>
-            <a:pPr marL="0" marR="0" lvl="0" indent="0" algn="l" defTabSz="914400" rtl="0" eaLnBrk="1" fontAlgn="auto" latinLnBrk="0" hangingPunct="1">
-              <a:lnSpc>
-                <a:spcPct val="100000"/>
-              </a:lnSpc>
-              <a:spcBef>
-                <a:spcPts val="0"/>
-              </a:spcBef>
-              <a:spcAft>
-                <a:spcPts val="0"/>
-              </a:spcAft>
-              <a:buClrTx/>
-              <a:buSzTx/>
-              <a:buFontTx/>
-              <a:buNone/>
-            </a:pPr>
-            <a:r>
-              <a:rPr lang="zh-CN" altLang="en-US" b="0" i="0" dirty="0">
-                <a:effectLst/>
-                <a:latin typeface="Roboto" panose="02000000000000000000" pitchFamily="2" charset="0"/>
-              </a:rPr>
-              <a:t>模型落地与价值</a:t>
-            </a:r>
-            <a:endParaRPr kumimoji="0" lang="zh-CN" sz="1800" b="1" i="0" u="none" strike="noStrike" kern="1200" cap="none" spc="0" normalizeH="0" baseline="0" noProof="0" dirty="0">
-              <a:ln>
-                <a:noFill/>
-              </a:ln>
-              <a:solidFill>
-                <a:prstClr val="white"/>
-              </a:solidFill>
-              <a:effectLst/>
-              <a:uLnTx/>
-              <a:uFillTx/>
-              <a:latin typeface="Times New Roman" panose="02020603050405020304" pitchFamily="18" charset="0"/>
-              <a:ea typeface="楷体" panose="02010609060101010101" pitchFamily="49" charset="-122"/>
-              <a:cs typeface="Times New Roman" panose="02020603050405020304" pitchFamily="18" charset="0"/>
-            </a:endParaRPr>
-          </a:p>
-        </p:txBody>
-      </p:sp>
-      <p:sp>
-        <p:nvSpPr>
-          <p:cNvPr id="1048650" name="矩形 68"/>
-          <p:cNvSpPr/>
-          <p:nvPr/>
-        </p:nvSpPr>
-        <p:spPr>
-          <a:xfrm>
-            <a:off x="5743574" y="1221835"/>
-            <a:ext cx="4772026" cy="2550065"/>
-          </a:xfrm>
-          <a:prstGeom prst="rect">
-            <a:avLst/>
-          </a:prstGeom>
-          <a:noFill/>
-          <a:ln>
-            <a:noFill/>
-          </a:ln>
-        </p:spPr>
-        <p:style>
-          <a:lnRef idx="2">
-            <a:schemeClr val="accent1">
-              <a:shade val="50000"/>
-            </a:schemeClr>
-          </a:lnRef>
-          <a:fillRef idx="1">
-            <a:schemeClr val="accent1"/>
-          </a:fillRef>
-          <a:effectRef idx="0">
-            <a:schemeClr val="accent1"/>
-          </a:effectRef>
-          <a:fontRef idx="minor">
-            <a:schemeClr val="lt1"/>
-          </a:fontRef>
-        </p:style>
-        <p:txBody>
-          <a:bodyPr rtlCol="0" anchor="ctr"/>
-          <a:lstStyle/>
-          <a:p>
-            <a:pPr marL="0" marR="0" lvl="0" indent="0" algn="l" defTabSz="914400" rtl="0" eaLnBrk="1" fontAlgn="auto" latinLnBrk="0" hangingPunct="1">
-              <a:lnSpc>
-                <a:spcPct val="100000"/>
-              </a:lnSpc>
-              <a:spcBef>
-                <a:spcPts val="0"/>
-              </a:spcBef>
-              <a:spcAft>
-                <a:spcPts val="0"/>
-              </a:spcAft>
-              <a:buClrTx/>
-              <a:buSzTx/>
-              <a:buFontTx/>
-              <a:buNone/>
-            </a:pPr>
-            <a:endParaRPr kumimoji="0" lang="zh-CN" altLang="en-US" sz="1800" b="0" i="0" u="none" strike="noStrike" kern="1200" cap="none" spc="0" normalizeH="0" baseline="0" noProof="0" dirty="0">
-              <a:ln>
-                <a:noFill/>
-              </a:ln>
-              <a:solidFill>
-                <a:prstClr val="black"/>
-              </a:solidFill>
-              <a:effectLst/>
-              <a:uLnTx/>
-              <a:uFillTx/>
-              <a:latin typeface="Times New Roman" panose="02020603050405020304" pitchFamily="18" charset="0"/>
-              <a:ea typeface="楷体" panose="02010609060101010101" pitchFamily="49" charset="-122"/>
-              <a:cs typeface="Times New Roman" panose="02020603050405020304" pitchFamily="18" charset="0"/>
-            </a:endParaRPr>
-          </a:p>
-        </p:txBody>
-      </p:sp>
-      <p:sp>
-        <p:nvSpPr>
-          <p:cNvPr id="1048651" name="灯片编号占位符 1"/>
-          <p:cNvSpPr>
-            <a:spLocks noGrp="1"/>
-          </p:cNvSpPr>
-          <p:nvPr>
-            <p:ph type="sldNum" sz="quarter" idx="12"/>
-          </p:nvPr>
-        </p:nvSpPr>
-        <p:spPr>
-          <a:xfrm>
-            <a:off x="10897838" y="6360926"/>
-            <a:ext cx="455961" cy="360551"/>
-          </a:xfrm>
-        </p:spPr>
-        <p:txBody>
-          <a:bodyPr/>
-          <a:lstStyle/>
-          <a:p>
-            <a:fld id="{F18858F7-4EE7-4CC5-B1EF-1154CF27D88D}" type="slidenum">
-              <a:rPr lang="zh-CN" altLang="en-US" smtClean="0">
-                <a:latin typeface="Times New Roman" panose="02020603050405020304" pitchFamily="18" charset="0"/>
-                <a:cs typeface="Times New Roman" panose="02020603050405020304" pitchFamily="18" charset="0"/>
-              </a:rPr>
-              <a:t>6</a:t>
-            </a:fld>
-            <a:endParaRPr lang="zh-CN" altLang="en-US" dirty="0">
-              <a:latin typeface="Times New Roman" panose="02020603050405020304" pitchFamily="18" charset="0"/>
-              <a:cs typeface="Times New Roman" panose="02020603050405020304" pitchFamily="18" charset="0"/>
-            </a:endParaRPr>
-          </a:p>
-        </p:txBody>
-      </p:sp>
-      <p:sp>
-        <p:nvSpPr>
-          <p:cNvPr id="1048652" name="文本框 13"/>
-          <p:cNvSpPr txBox="1"/>
-          <p:nvPr/>
-        </p:nvSpPr>
-        <p:spPr>
-          <a:xfrm>
-            <a:off x="1676400" y="1659125"/>
-            <a:ext cx="5302043" cy="2031325"/>
-          </a:xfrm>
-          <a:prstGeom prst="rect">
-            <a:avLst/>
-          </a:prstGeom>
-          <a:noFill/>
-        </p:spPr>
-        <p:txBody>
-          <a:bodyPr wrap="square" rtlCol="0">
-            <a:spAutoFit/>
-          </a:bodyPr>
-          <a:lstStyle/>
-          <a:p>
-            <a:pPr algn="l">
-              <a:buFont typeface="+mj-lt"/>
-              <a:buAutoNum type="arabicPeriod"/>
-            </a:pPr>
-            <a:r>
-              <a:rPr lang="zh-CN" altLang="en-US" b="1" i="0" dirty="0">
-                <a:effectLst/>
-                <a:latin typeface="Roboto" panose="02000000000000000000" pitchFamily="2" charset="0"/>
-              </a:rPr>
-              <a:t>应用成果</a:t>
-            </a:r>
-            <a:r>
-              <a:rPr lang="zh-CN" altLang="en-US" b="0" i="0" dirty="0">
-                <a:effectLst/>
-                <a:latin typeface="Roboto" panose="02000000000000000000" pitchFamily="2" charset="0"/>
-              </a:rPr>
-              <a:t>：</a:t>
-            </a:r>
-          </a:p>
-          <a:p>
-            <a:pPr marL="742950" lvl="1" indent="-285750" algn="l">
-              <a:buFont typeface="+mj-lt"/>
-              <a:buAutoNum type="arabicPeriod"/>
-            </a:pPr>
-            <a:r>
-              <a:rPr lang="zh-CN" altLang="en-US" b="0" i="0" dirty="0">
-                <a:effectLst/>
-                <a:latin typeface="Roboto" panose="02000000000000000000" pitchFamily="2" charset="0"/>
-              </a:rPr>
-              <a:t>生成三模型预测文件（</a:t>
-            </a:r>
-            <a:r>
-              <a:rPr lang="en-US" altLang="zh-CN" b="0" i="0" dirty="0">
-                <a:effectLst/>
-                <a:latin typeface="Roboto" panose="02000000000000000000" pitchFamily="2" charset="0"/>
-              </a:rPr>
-              <a:t>CSV</a:t>
-            </a:r>
-            <a:r>
-              <a:rPr lang="zh-CN" altLang="en-US" b="0" i="0" dirty="0">
-                <a:effectLst/>
-                <a:latin typeface="Roboto" panose="02000000000000000000" pitchFamily="2" charset="0"/>
-              </a:rPr>
-              <a:t>）</a:t>
-            </a:r>
-          </a:p>
-          <a:p>
-            <a:pPr marL="742950" lvl="1" indent="-285750" algn="l">
-              <a:buFont typeface="+mj-lt"/>
-              <a:buAutoNum type="arabicPeriod"/>
-            </a:pPr>
-            <a:r>
-              <a:rPr lang="zh-CN" altLang="en-US" b="0" i="0" dirty="0">
-                <a:effectLst/>
-                <a:latin typeface="Roboto" panose="02000000000000000000" pitchFamily="2" charset="0"/>
-              </a:rPr>
-              <a:t>优化模型部署为</a:t>
-            </a:r>
-            <a:r>
-              <a:rPr lang="en-US" altLang="zh-CN" b="0" i="0" dirty="0" err="1">
-                <a:effectLst/>
-                <a:latin typeface="Roboto" panose="02000000000000000000" pitchFamily="2" charset="0"/>
-              </a:rPr>
-              <a:t>joblib</a:t>
-            </a:r>
-            <a:r>
-              <a:rPr lang="zh-CN" altLang="en-US" b="0" i="0" dirty="0">
-                <a:effectLst/>
-                <a:latin typeface="Roboto" panose="02000000000000000000" pitchFamily="2" charset="0"/>
-              </a:rPr>
-              <a:t>管道</a:t>
-            </a:r>
-          </a:p>
-          <a:p>
-            <a:pPr algn="l">
-              <a:buFont typeface="+mj-lt"/>
-              <a:buAutoNum type="arabicPeriod"/>
-            </a:pPr>
-            <a:r>
-              <a:rPr lang="zh-CN" altLang="en-US" b="1" i="0" dirty="0">
-                <a:effectLst/>
-                <a:latin typeface="Roboto" panose="02000000000000000000" pitchFamily="2" charset="0"/>
-              </a:rPr>
-              <a:t>核心优势</a:t>
-            </a:r>
-            <a:r>
-              <a:rPr lang="zh-CN" altLang="en-US" b="0" i="0" dirty="0">
-                <a:effectLst/>
-                <a:latin typeface="Roboto" panose="02000000000000000000" pitchFamily="2" charset="0"/>
-              </a:rPr>
-              <a:t>：</a:t>
-            </a:r>
-          </a:p>
-          <a:p>
-            <a:pPr marL="742950" lvl="1" indent="-285750" algn="l">
-              <a:buFont typeface="+mj-lt"/>
-              <a:buAutoNum type="arabicPeriod"/>
-            </a:pPr>
-            <a:r>
-              <a:rPr lang="zh-CN" altLang="en-US" b="1" i="0" dirty="0">
-                <a:effectLst/>
-                <a:latin typeface="Roboto" panose="02000000000000000000" pitchFamily="2" charset="0"/>
-              </a:rPr>
-              <a:t>鲁棒性</a:t>
-            </a:r>
-            <a:r>
-              <a:rPr lang="zh-CN" altLang="en-US" b="0" i="0" dirty="0">
-                <a:effectLst/>
-                <a:latin typeface="Roboto" panose="02000000000000000000" pitchFamily="2" charset="0"/>
-              </a:rPr>
-              <a:t>：自动化处理脏数据</a:t>
-            </a:r>
-          </a:p>
-          <a:p>
-            <a:pPr marL="742950" lvl="1" indent="-285750" algn="l">
-              <a:buFont typeface="+mj-lt"/>
-              <a:buAutoNum type="arabicPeriod"/>
-            </a:pPr>
-            <a:r>
-              <a:rPr lang="zh-CN" altLang="en-US" b="1" i="0" dirty="0">
-                <a:effectLst/>
-                <a:latin typeface="Roboto" panose="02000000000000000000" pitchFamily="2" charset="0"/>
-              </a:rPr>
-              <a:t>可解释性</a:t>
-            </a:r>
-            <a:r>
-              <a:rPr lang="zh-CN" altLang="en-US" b="0" i="0" dirty="0">
-                <a:effectLst/>
-                <a:latin typeface="Roboto" panose="02000000000000000000" pitchFamily="2" charset="0"/>
-              </a:rPr>
-              <a:t>：线性模型系数可分析</a:t>
-            </a:r>
-          </a:p>
-          <a:p>
-            <a:pPr marL="742950" lvl="1" indent="-285750" algn="l">
-              <a:buFont typeface="+mj-lt"/>
-              <a:buAutoNum type="arabicPeriod"/>
-            </a:pPr>
-            <a:r>
-              <a:rPr lang="zh-CN" altLang="en-US" b="1" i="0" dirty="0">
-                <a:effectLst/>
-                <a:latin typeface="Roboto" panose="02000000000000000000" pitchFamily="2" charset="0"/>
-              </a:rPr>
-              <a:t>扩展性</a:t>
-            </a:r>
-            <a:r>
-              <a:rPr lang="zh-CN" altLang="en-US" b="0" i="0" dirty="0">
-                <a:effectLst/>
-                <a:latin typeface="Roboto" panose="02000000000000000000" pitchFamily="2" charset="0"/>
-              </a:rPr>
-              <a:t>：模块化管道支持快速迭代</a:t>
-            </a:r>
-          </a:p>
-        </p:txBody>
-      </p:sp>
-      <p:graphicFrame>
-        <p:nvGraphicFramePr>
-          <p:cNvPr id="4194304" name="对象 4">
-            <a:hlinkClick r:id="" action="ppaction://ole?verb=0"/>
-          </p:cNvPr>
-          <p:cNvGraphicFramePr>
-            <a:graphicFrameLocks noChangeAspect="1"/>
-          </p:cNvGraphicFramePr>
-          <p:nvPr/>
-        </p:nvGraphicFramePr>
-        <p:xfrm>
-          <a:off x="5638800" y="3321050"/>
-          <a:ext cx="914400" cy="215900"/>
-        </p:xfrm>
-        <a:graphic>
-          <a:graphicData uri="http://schemas.openxmlformats.org/presentationml/2006/ole">
-            <mc:AlternateContent xmlns:mc="http://schemas.openxmlformats.org/markup-compatibility/2006">
-              <mc:Choice xmlns:v="urn:schemas-microsoft-com:vml" Requires="v">
-                <p:oleObj r:id="rId2" imgW="914400" imgH="215900" progId="Equation.KSEE3">
-                  <p:embed/>
-                </p:oleObj>
-              </mc:Choice>
-              <mc:Fallback>
-                <p:oleObj r:id="rId2" imgW="914400" imgH="215900" progId="Equation.KSEE3">
-                  <p:embed/>
-                  <p:pic>
-                    <p:nvPicPr>
-                      <p:cNvPr id="4194304" name="对象 4">
-                        <a:hlinkClick r:id="" action="ppaction://ole?verb=0"/>
-                      </p:cNvPr>
-                      <p:cNvPicPr>
-                        <a:picLocks/>
-                      </p:cNvPicPr>
-                      <p:nvPr/>
-                    </p:nvPicPr>
-                    <p:blipFill>
-                      <a:blip r:embed="rId3"/>
-                      <a:stretch>
-                        <a:fillRect/>
-                      </a:stretch>
-                    </p:blipFill>
-                    <p:spPr>
-                      <a:xfrm>
-                        <a:off x="5638800" y="3321050"/>
-                        <a:ext cx="914400" cy="215900"/>
-                      </a:xfrm>
-                      <a:prstGeom prst="rect">
-                        <a:avLst/>
-                      </a:prstGeom>
-                    </p:spPr>
-                  </p:pic>
-                </p:oleObj>
-              </mc:Fallback>
-            </mc:AlternateContent>
-          </a:graphicData>
-        </a:graphic>
-      </p:graphicFrame>
-      <p:graphicFrame>
-        <p:nvGraphicFramePr>
-          <p:cNvPr id="4194305" name="对象 6">
-            <a:hlinkClick r:id="" action="ppaction://ole?verb=0"/>
-          </p:cNvPr>
-          <p:cNvGraphicFramePr>
-            <a:graphicFrameLocks noChangeAspect="1"/>
-          </p:cNvGraphicFramePr>
-          <p:nvPr/>
-        </p:nvGraphicFramePr>
-        <p:xfrm>
-          <a:off x="5638800" y="3321050"/>
-          <a:ext cx="914400" cy="215900"/>
-        </p:xfrm>
-        <a:graphic>
-          <a:graphicData uri="http://schemas.openxmlformats.org/presentationml/2006/ole">
-            <mc:AlternateContent xmlns:mc="http://schemas.openxmlformats.org/markup-compatibility/2006">
-              <mc:Choice xmlns:v="urn:schemas-microsoft-com:vml" Requires="v">
-                <p:oleObj r:id="rId4" imgW="914400" imgH="215900" progId="Equation.KSEE3">
-                  <p:embed/>
-                </p:oleObj>
-              </mc:Choice>
-              <mc:Fallback>
-                <p:oleObj r:id="rId4" imgW="914400" imgH="215900" progId="Equation.KSEE3">
-                  <p:embed/>
-                  <p:pic>
-                    <p:nvPicPr>
-                      <p:cNvPr id="4194305" name="对象 6">
-                        <a:hlinkClick r:id="" action="ppaction://ole?verb=0"/>
-                      </p:cNvPr>
-                      <p:cNvPicPr>
-                        <a:picLocks/>
-                      </p:cNvPicPr>
-                      <p:nvPr/>
-                    </p:nvPicPr>
-                    <p:blipFill>
-                      <a:blip r:embed="rId3"/>
-                      <a:stretch>
-                        <a:fillRect/>
-                      </a:stretch>
-                    </p:blipFill>
-                    <p:spPr>
-                      <a:xfrm>
-                        <a:off x="5638800" y="3321050"/>
-                        <a:ext cx="914400" cy="215900"/>
-                      </a:xfrm>
-                      <a:prstGeom prst="rect">
-                        <a:avLst/>
-                      </a:prstGeom>
-                    </p:spPr>
-                  </p:pic>
-                </p:oleObj>
-              </mc:Fallback>
-            </mc:AlternateContent>
-          </a:graphicData>
-        </a:graphic>
-      </p:graphicFrame>
-      <p:sp>
-        <p:nvSpPr>
-          <p:cNvPr id="1048653" name="标题 4"/>
-          <p:cNvSpPr>
-            <a:spLocks noGrp="1"/>
-          </p:cNvSpPr>
-          <p:nvPr>
-            <p:ph type="title"/>
-          </p:nvPr>
-        </p:nvSpPr>
-        <p:spPr>
-          <a:xfrm>
-            <a:off x="524044" y="351297"/>
-            <a:ext cx="10515600" cy="365126"/>
-          </a:xfrm>
-        </p:spPr>
-        <p:txBody>
-          <a:bodyPr>
-            <a:noAutofit/>
-          </a:bodyPr>
-          <a:lstStyle/>
-          <a:p>
-            <a:br>
-              <a:rPr lang="zh-CN" altLang="en-US" sz="1600" b="1" i="0" dirty="0">
-                <a:effectLst/>
-                <a:latin typeface="Roboto" panose="02000000000000000000" pitchFamily="2" charset="0"/>
-              </a:rPr>
-            </a:br>
-            <a:r>
-              <a:rPr lang="zh-CN" altLang="en-US" sz="1600" b="1" i="0" dirty="0">
-                <a:effectLst/>
-                <a:latin typeface="Roboto" panose="02000000000000000000" pitchFamily="2" charset="0"/>
-              </a:rPr>
-              <a:t>应用与总结</a:t>
-            </a:r>
-            <a:endParaRPr lang="zh-CN" altLang="en-US" sz="2300" dirty="0">
-              <a:solidFill>
-                <a:srgbClr val="A22628"/>
-              </a:solidFill>
-              <a:latin typeface="Times New Roman" panose="02020603050405020304" pitchFamily="18" charset="0"/>
-              <a:cs typeface="Times New Roman" panose="02020603050405020304" pitchFamily="18" charset="0"/>
-            </a:endParaRPr>
-          </a:p>
-        </p:txBody>
-      </p:sp>
-    </p:spTree>
-    <p:extLst>
-      <p:ext uri="{BB962C8B-B14F-4D97-AF65-F5344CB8AC3E}">
-        <p14:creationId xmlns:p14="http://schemas.microsoft.com/office/powerpoint/2010/main" val="947398811"/>
+        <p14:creationId xmlns:p14="http://schemas.microsoft.com/office/powerpoint/2010/main" val="1317663813"/>
       </p:ext>
     </p:extLst>
   </p:cSld>
